--- a/VAcosta_Excel_Tutorial.pptx
+++ b/VAcosta_Excel_Tutorial.pptx
@@ -7,15 +7,21 @@
   <p:sldIdLst>
     <p:sldId id="273" r:id="rId5"/>
     <p:sldId id="289" r:id="rId6"/>
-    <p:sldId id="294" r:id="rId7"/>
-    <p:sldId id="290" r:id="rId8"/>
+    <p:sldId id="308" r:id="rId7"/>
+    <p:sldId id="307" r:id="rId8"/>
     <p:sldId id="293" r:id="rId9"/>
-    <p:sldId id="301" r:id="rId10"/>
-    <p:sldId id="300" r:id="rId11"/>
-    <p:sldId id="299" r:id="rId12"/>
-    <p:sldId id="296" r:id="rId13"/>
-    <p:sldId id="295" r:id="rId14"/>
-    <p:sldId id="297" r:id="rId15"/>
+    <p:sldId id="302" r:id="rId10"/>
+    <p:sldId id="296" r:id="rId11"/>
+    <p:sldId id="301" r:id="rId12"/>
+    <p:sldId id="300" r:id="rId13"/>
+    <p:sldId id="299" r:id="rId14"/>
+    <p:sldId id="309" r:id="rId15"/>
+    <p:sldId id="303" r:id="rId16"/>
+    <p:sldId id="305" r:id="rId17"/>
+    <p:sldId id="306" r:id="rId18"/>
+    <p:sldId id="304" r:id="rId19"/>
+    <p:sldId id="295" r:id="rId20"/>
+    <p:sldId id="297" r:id="rId21"/>
   </p:sldIdLst>
   <p:sldSz cx="12192000" cy="6858000"/>
   <p:notesSz cx="6858000" cy="9144000"/>
@@ -2585,7 +2591,7 @@
           <a:p>
             <a:fld id="{ED291B17-9318-49DB-B28B-6E5994AE9581}" type="datetime1">
               <a:rPr lang="en-US" smtClean="0"/>
-              <a:t>4/23/2020</a:t>
+              <a:t>4/24/2020</a:t>
             </a:fld>
             <a:endParaRPr lang="en-US" dirty="0"/>
           </a:p>
@@ -2783,7 +2789,7 @@
           <a:p>
             <a:fld id="{78DD82B9-B8EE-4375-B6FF-88FA6ABB15D9}" type="datetime1">
               <a:rPr lang="en-US" smtClean="0"/>
-              <a:t>4/23/2020</a:t>
+              <a:t>4/24/2020</a:t>
             </a:fld>
             <a:endParaRPr lang="en-US" dirty="0"/>
           </a:p>
@@ -3095,7 +3101,7 @@
           <a:p>
             <a:fld id="{B2497495-0637-405E-AE64-5CC7506D51F5}" type="datetime1">
               <a:rPr lang="en-US" smtClean="0"/>
-              <a:t>4/23/2020</a:t>
+              <a:t>4/24/2020</a:t>
             </a:fld>
             <a:endParaRPr lang="en-US" dirty="0"/>
           </a:p>
@@ -3348,7 +3354,7 @@
           <a:p>
             <a:fld id="{7BFFD690-9426-415D-8B65-26881E07B2D4}" type="datetime1">
               <a:rPr lang="en-US" smtClean="0"/>
-              <a:t>4/23/2020</a:t>
+              <a:t>4/24/2020</a:t>
             </a:fld>
             <a:endParaRPr lang="en-US" dirty="0"/>
           </a:p>
@@ -3770,7 +3776,7 @@
           <a:p>
             <a:fld id="{04C4989A-474C-40DE-95B9-011C28B71673}" type="datetime1">
               <a:rPr lang="en-US" smtClean="0"/>
-              <a:t>4/23/2020</a:t>
+              <a:t>4/24/2020</a:t>
             </a:fld>
             <a:endParaRPr lang="en-US" dirty="0"/>
           </a:p>
@@ -3893,7 +3899,7 @@
           <a:p>
             <a:fld id="{5DB4ED54-5B5E-4A04-93D3-5772E3CE3818}" type="datetime1">
               <a:rPr lang="en-US" smtClean="0"/>
-              <a:t>4/23/2020</a:t>
+              <a:t>4/24/2020</a:t>
             </a:fld>
             <a:endParaRPr lang="en-US" dirty="0"/>
           </a:p>
@@ -3988,7 +3994,7 @@
           <a:p>
             <a:fld id="{4EDE50D6-574B-40AF-946F-D52A04ADE379}" type="datetime1">
               <a:rPr lang="en-US" smtClean="0"/>
-              <a:t>4/23/2020</a:t>
+              <a:t>4/24/2020</a:t>
             </a:fld>
             <a:endParaRPr lang="en-US" dirty="0"/>
           </a:p>
@@ -4365,7 +4371,7 @@
           <a:p>
             <a:fld id="{D82884F1-FFEA-405F-9602-3DCA865EDA4E}" type="datetime1">
               <a:rPr lang="en-US" smtClean="0"/>
-              <a:t>4/23/2020</a:t>
+              <a:t>4/24/2020</a:t>
             </a:fld>
             <a:endParaRPr lang="en-US" dirty="0"/>
           </a:p>
@@ -4658,7 +4664,7 @@
           <a:p>
             <a:fld id="{7E18DB4A-8810-4A10-AD5C-D5E2C667F5B3}" type="datetime1">
               <a:rPr lang="en-US" smtClean="0"/>
-              <a:t>4/23/2020</a:t>
+              <a:t>4/24/2020</a:t>
             </a:fld>
             <a:endParaRPr lang="en-US" dirty="0"/>
           </a:p>
@@ -4873,7 +4879,7 @@
           <a:p>
             <a:fld id="{ED291B17-9318-49DB-B28B-6E5994AE9581}" type="datetime1">
               <a:rPr lang="en-US" smtClean="0"/>
-              <a:t>4/23/2020</a:t>
+              <a:t>4/24/2020</a:t>
             </a:fld>
             <a:endParaRPr lang="en-US" dirty="0"/>
           </a:p>
@@ -5852,6 +5858,3386 @@
           <a:chExt cx="0" cy="0"/>
         </a:xfrm>
       </p:grpSpPr>
+      <p:pic>
+        <p:nvPicPr>
+          <p:cNvPr id="10" name="Picture 9">
+            <a:extLst>
+              <a:ext uri="{FF2B5EF4-FFF2-40B4-BE49-F238E27FC236}">
+                <a16:creationId xmlns:a16="http://schemas.microsoft.com/office/drawing/2014/main" id="{038B5B50-F607-448A-9BEA-8E5DFBAE86C5}"/>
+              </a:ext>
+            </a:extLst>
+          </p:cNvPr>
+          <p:cNvPicPr>
+            <a:picLocks noChangeAspect="1"/>
+          </p:cNvPicPr>
+          <p:nvPr/>
+        </p:nvPicPr>
+        <p:blipFill>
+          <a:blip r:embed="rId2"/>
+          <a:stretch>
+            <a:fillRect/>
+          </a:stretch>
+        </p:blipFill>
+        <p:spPr>
+          <a:xfrm>
+            <a:off x="2836182" y="1920800"/>
+            <a:ext cx="8617163" cy="4618261"/>
+          </a:xfrm>
+          <a:prstGeom prst="rect">
+            <a:avLst/>
+          </a:prstGeom>
+        </p:spPr>
+      </p:pic>
+      <p:sp>
+        <p:nvSpPr>
+          <p:cNvPr id="2" name="Title 1">
+            <a:extLst>
+              <a:ext uri="{FF2B5EF4-FFF2-40B4-BE49-F238E27FC236}">
+                <a16:creationId xmlns:a16="http://schemas.microsoft.com/office/drawing/2014/main" id="{767903C7-CFBB-401F-A773-F48543A62057}"/>
+              </a:ext>
+            </a:extLst>
+          </p:cNvPr>
+          <p:cNvSpPr>
+            <a:spLocks noGrp="1"/>
+          </p:cNvSpPr>
+          <p:nvPr>
+            <p:ph type="title"/>
+          </p:nvPr>
+        </p:nvSpPr>
+        <p:spPr/>
+        <p:txBody>
+          <a:bodyPr/>
+          <a:lstStyle/>
+          <a:p>
+            <a:r>
+              <a:rPr lang="en-US" dirty="0"/>
+              <a:t>Columns and rows</a:t>
+            </a:r>
+          </a:p>
+        </p:txBody>
+      </p:sp>
+      <p:sp>
+        <p:nvSpPr>
+          <p:cNvPr id="11" name="Content Placeholder 2">
+            <a:extLst>
+              <a:ext uri="{FF2B5EF4-FFF2-40B4-BE49-F238E27FC236}">
+                <a16:creationId xmlns:a16="http://schemas.microsoft.com/office/drawing/2014/main" id="{28942560-B092-4487-BF6A-20897975FDF5}"/>
+              </a:ext>
+            </a:extLst>
+          </p:cNvPr>
+          <p:cNvSpPr>
+            <a:spLocks noGrp="1"/>
+          </p:cNvSpPr>
+          <p:nvPr>
+            <p:ph idx="1"/>
+          </p:nvPr>
+        </p:nvSpPr>
+        <p:spPr>
+          <a:xfrm>
+            <a:off x="581191" y="1920802"/>
+            <a:ext cx="2137071" cy="4618261"/>
+          </a:xfrm>
+        </p:spPr>
+        <p:txBody>
+          <a:bodyPr>
+            <a:normAutofit/>
+          </a:bodyPr>
+          <a:lstStyle/>
+          <a:p>
+            <a:endParaRPr lang="en-US" dirty="0"/>
+          </a:p>
+          <a:p>
+            <a:r>
+              <a:rPr lang="en-US" dirty="0"/>
+              <a:t>Columns are vertical and lettered</a:t>
+            </a:r>
+          </a:p>
+          <a:p>
+            <a:r>
+              <a:rPr lang="en-US" dirty="0"/>
+              <a:t>Rows are horizontal and numbered</a:t>
+            </a:r>
+          </a:p>
+          <a:p>
+            <a:r>
+              <a:rPr lang="en-US" dirty="0"/>
+              <a:t>PowerPoint conforms with color theory</a:t>
+            </a:r>
+          </a:p>
+          <a:p>
+            <a:r>
+              <a:rPr lang="en-US" dirty="0"/>
+              <a:t>The coordinates of a cell are given as Column then Row Ex: J13</a:t>
+            </a:r>
+          </a:p>
+        </p:txBody>
+      </p:sp>
+      <p:sp>
+        <p:nvSpPr>
+          <p:cNvPr id="3" name="Rectangle 2">
+            <a:extLst>
+              <a:ext uri="{FF2B5EF4-FFF2-40B4-BE49-F238E27FC236}">
+                <a16:creationId xmlns:a16="http://schemas.microsoft.com/office/drawing/2014/main" id="{9CC303CE-5AC3-4603-9D2E-CBB56C90377F}"/>
+              </a:ext>
+            </a:extLst>
+          </p:cNvPr>
+          <p:cNvSpPr/>
+          <p:nvPr/>
+        </p:nvSpPr>
+        <p:spPr>
+          <a:xfrm>
+            <a:off x="2984500" y="3057524"/>
+            <a:ext cx="8346440" cy="110491"/>
+          </a:xfrm>
+          <a:prstGeom prst="rect">
+            <a:avLst/>
+          </a:prstGeom>
+          <a:solidFill>
+            <a:srgbClr val="FFFF99">
+              <a:alpha val="74902"/>
+            </a:srgbClr>
+          </a:solidFill>
+          <a:ln>
+            <a:noFill/>
+          </a:ln>
+        </p:spPr>
+        <p:style>
+          <a:lnRef idx="2">
+            <a:schemeClr val="accent1">
+              <a:shade val="50000"/>
+            </a:schemeClr>
+          </a:lnRef>
+          <a:fillRef idx="1">
+            <a:schemeClr val="accent1"/>
+          </a:fillRef>
+          <a:effectRef idx="0">
+            <a:schemeClr val="accent1"/>
+          </a:effectRef>
+          <a:fontRef idx="minor">
+            <a:schemeClr val="lt1"/>
+          </a:fontRef>
+        </p:style>
+        <p:txBody>
+          <a:bodyPr rtlCol="0" anchor="ctr"/>
+          <a:lstStyle/>
+          <a:p>
+            <a:pPr algn="ctr"/>
+            <a:endParaRPr lang="en-US"/>
+          </a:p>
+        </p:txBody>
+      </p:sp>
+      <p:sp>
+        <p:nvSpPr>
+          <p:cNvPr id="13" name="Rectangle 12">
+            <a:extLst>
+              <a:ext uri="{FF2B5EF4-FFF2-40B4-BE49-F238E27FC236}">
+                <a16:creationId xmlns:a16="http://schemas.microsoft.com/office/drawing/2014/main" id="{51661E1A-1807-4B00-859F-593A46B88E8F}"/>
+              </a:ext>
+            </a:extLst>
+          </p:cNvPr>
+          <p:cNvSpPr/>
+          <p:nvPr/>
+        </p:nvSpPr>
+        <p:spPr>
+          <a:xfrm>
+            <a:off x="6217920" y="3168014"/>
+            <a:ext cx="358140" cy="3103237"/>
+          </a:xfrm>
+          <a:prstGeom prst="rect">
+            <a:avLst/>
+          </a:prstGeom>
+          <a:solidFill>
+            <a:srgbClr val="FFFF00">
+              <a:alpha val="50196"/>
+            </a:srgbClr>
+          </a:solidFill>
+          <a:ln>
+            <a:noFill/>
+          </a:ln>
+        </p:spPr>
+        <p:style>
+          <a:lnRef idx="2">
+            <a:schemeClr val="accent1">
+              <a:shade val="50000"/>
+            </a:schemeClr>
+          </a:lnRef>
+          <a:fillRef idx="1">
+            <a:schemeClr val="accent1"/>
+          </a:fillRef>
+          <a:effectRef idx="0">
+            <a:schemeClr val="accent1"/>
+          </a:effectRef>
+          <a:fontRef idx="minor">
+            <a:schemeClr val="lt1"/>
+          </a:fontRef>
+        </p:style>
+        <p:txBody>
+          <a:bodyPr rtlCol="0" anchor="ctr"/>
+          <a:lstStyle/>
+          <a:p>
+            <a:pPr algn="ctr"/>
+            <a:endParaRPr lang="en-US"/>
+          </a:p>
+        </p:txBody>
+      </p:sp>
+      <p:sp>
+        <p:nvSpPr>
+          <p:cNvPr id="14" name="Rectangle 13">
+            <a:extLst>
+              <a:ext uri="{FF2B5EF4-FFF2-40B4-BE49-F238E27FC236}">
+                <a16:creationId xmlns:a16="http://schemas.microsoft.com/office/drawing/2014/main" id="{11BCC830-DE28-4ED9-8C03-7E1D217AEAD7}"/>
+              </a:ext>
+            </a:extLst>
+          </p:cNvPr>
+          <p:cNvSpPr/>
+          <p:nvPr/>
+        </p:nvSpPr>
+        <p:spPr>
+          <a:xfrm>
+            <a:off x="2836183" y="3168014"/>
+            <a:ext cx="148317" cy="3122296"/>
+          </a:xfrm>
+          <a:prstGeom prst="rect">
+            <a:avLst/>
+          </a:prstGeom>
+          <a:solidFill>
+            <a:srgbClr val="00B0F0">
+              <a:alpha val="50196"/>
+            </a:srgbClr>
+          </a:solidFill>
+          <a:ln>
+            <a:noFill/>
+          </a:ln>
+        </p:spPr>
+        <p:style>
+          <a:lnRef idx="2">
+            <a:schemeClr val="accent1">
+              <a:shade val="50000"/>
+            </a:schemeClr>
+          </a:lnRef>
+          <a:fillRef idx="1">
+            <a:schemeClr val="accent1"/>
+          </a:fillRef>
+          <a:effectRef idx="0">
+            <a:schemeClr val="accent1"/>
+          </a:effectRef>
+          <a:fontRef idx="minor">
+            <a:schemeClr val="lt1"/>
+          </a:fontRef>
+        </p:style>
+        <p:txBody>
+          <a:bodyPr rtlCol="0" anchor="ctr"/>
+          <a:lstStyle/>
+          <a:p>
+            <a:pPr algn="ctr"/>
+            <a:endParaRPr lang="en-US"/>
+          </a:p>
+        </p:txBody>
+      </p:sp>
+      <p:sp>
+        <p:nvSpPr>
+          <p:cNvPr id="15" name="Rectangle 14">
+            <a:extLst>
+              <a:ext uri="{FF2B5EF4-FFF2-40B4-BE49-F238E27FC236}">
+                <a16:creationId xmlns:a16="http://schemas.microsoft.com/office/drawing/2014/main" id="{C05715A1-37FD-4D0C-B404-6E22A6365229}"/>
+              </a:ext>
+            </a:extLst>
+          </p:cNvPr>
+          <p:cNvSpPr/>
+          <p:nvPr/>
+        </p:nvSpPr>
+        <p:spPr>
+          <a:xfrm>
+            <a:off x="2984500" y="4460393"/>
+            <a:ext cx="8346440" cy="110491"/>
+          </a:xfrm>
+          <a:prstGeom prst="rect">
+            <a:avLst/>
+          </a:prstGeom>
+          <a:solidFill>
+            <a:srgbClr val="00B0F0">
+              <a:alpha val="50196"/>
+            </a:srgbClr>
+          </a:solidFill>
+          <a:ln>
+            <a:noFill/>
+          </a:ln>
+        </p:spPr>
+        <p:style>
+          <a:lnRef idx="2">
+            <a:schemeClr val="accent1">
+              <a:shade val="50000"/>
+            </a:schemeClr>
+          </a:lnRef>
+          <a:fillRef idx="1">
+            <a:schemeClr val="accent1"/>
+          </a:fillRef>
+          <a:effectRef idx="0">
+            <a:schemeClr val="accent1"/>
+          </a:effectRef>
+          <a:fontRef idx="minor">
+            <a:schemeClr val="lt1"/>
+          </a:fontRef>
+        </p:style>
+        <p:txBody>
+          <a:bodyPr rtlCol="0" anchor="ctr"/>
+          <a:lstStyle/>
+          <a:p>
+            <a:pPr algn="ctr"/>
+            <a:endParaRPr lang="en-US"/>
+          </a:p>
+        </p:txBody>
+      </p:sp>
+      <p:sp>
+        <p:nvSpPr>
+          <p:cNvPr id="16" name="Rectangle: Rounded Corners 15">
+            <a:extLst>
+              <a:ext uri="{FF2B5EF4-FFF2-40B4-BE49-F238E27FC236}">
+                <a16:creationId xmlns:a16="http://schemas.microsoft.com/office/drawing/2014/main" id="{929643B7-3C3E-4974-9840-4500E4B8FAA4}"/>
+              </a:ext>
+            </a:extLst>
+          </p:cNvPr>
+          <p:cNvSpPr/>
+          <p:nvPr/>
+        </p:nvSpPr>
+        <p:spPr>
+          <a:xfrm>
+            <a:off x="6217919" y="4460393"/>
+            <a:ext cx="358141" cy="110491"/>
+          </a:xfrm>
+          <a:prstGeom prst="roundRect">
+            <a:avLst/>
+          </a:prstGeom>
+          <a:noFill/>
+          <a:ln w="19050"/>
+        </p:spPr>
+        <p:style>
+          <a:lnRef idx="2">
+            <a:schemeClr val="accent1">
+              <a:shade val="50000"/>
+            </a:schemeClr>
+          </a:lnRef>
+          <a:fillRef idx="1">
+            <a:schemeClr val="accent1"/>
+          </a:fillRef>
+          <a:effectRef idx="0">
+            <a:schemeClr val="accent1"/>
+          </a:effectRef>
+          <a:fontRef idx="minor">
+            <a:schemeClr val="lt1"/>
+          </a:fontRef>
+        </p:style>
+        <p:txBody>
+          <a:bodyPr rtlCol="0" anchor="ctr"/>
+          <a:lstStyle/>
+          <a:p>
+            <a:pPr algn="ctr"/>
+            <a:endParaRPr lang="en-US"/>
+          </a:p>
+        </p:txBody>
+      </p:sp>
+      <p:sp>
+        <p:nvSpPr>
+          <p:cNvPr id="12" name="Rectangle: Rounded Corners 11">
+            <a:extLst>
+              <a:ext uri="{FF2B5EF4-FFF2-40B4-BE49-F238E27FC236}">
+                <a16:creationId xmlns:a16="http://schemas.microsoft.com/office/drawing/2014/main" id="{ECE88EA6-D58C-4DFA-B1C9-91CA2CB674F0}"/>
+              </a:ext>
+            </a:extLst>
+          </p:cNvPr>
+          <p:cNvSpPr/>
+          <p:nvPr/>
+        </p:nvSpPr>
+        <p:spPr>
+          <a:xfrm>
+            <a:off x="2836181" y="2865121"/>
+            <a:ext cx="608059" cy="162479"/>
+          </a:xfrm>
+          <a:prstGeom prst="roundRect">
+            <a:avLst/>
+          </a:prstGeom>
+          <a:noFill/>
+          <a:ln w="19050"/>
+        </p:spPr>
+        <p:style>
+          <a:lnRef idx="2">
+            <a:schemeClr val="accent1">
+              <a:shade val="50000"/>
+            </a:schemeClr>
+          </a:lnRef>
+          <a:fillRef idx="1">
+            <a:schemeClr val="accent1"/>
+          </a:fillRef>
+          <a:effectRef idx="0">
+            <a:schemeClr val="accent1"/>
+          </a:effectRef>
+          <a:fontRef idx="minor">
+            <a:schemeClr val="lt1"/>
+          </a:fontRef>
+        </p:style>
+        <p:txBody>
+          <a:bodyPr rtlCol="0" anchor="ctr"/>
+          <a:lstStyle/>
+          <a:p>
+            <a:pPr algn="ctr"/>
+            <a:endParaRPr lang="en-US"/>
+          </a:p>
+        </p:txBody>
+      </p:sp>
+    </p:spTree>
+    <p:extLst>
+      <p:ext uri="{BB962C8B-B14F-4D97-AF65-F5344CB8AC3E}">
+        <p14:creationId xmlns:p14="http://schemas.microsoft.com/office/powerpoint/2010/main" val="1383250274"/>
+      </p:ext>
+    </p:extLst>
+  </p:cSld>
+  <p:clrMapOvr>
+    <a:masterClrMapping/>
+  </p:clrMapOvr>
+  <p:timing>
+    <p:tnLst>
+      <p:par>
+        <p:cTn id="1" dur="indefinite" restart="never" nodeType="tmRoot">
+          <p:childTnLst>
+            <p:seq concurrent="1" nextAc="seek">
+              <p:cTn id="2" dur="indefinite" nodeType="mainSeq">
+                <p:childTnLst>
+                  <p:par>
+                    <p:cTn id="3" fill="hold">
+                      <p:stCondLst>
+                        <p:cond delay="indefinite"/>
+                      </p:stCondLst>
+                      <p:childTnLst>
+                        <p:par>
+                          <p:cTn id="4" fill="hold">
+                            <p:stCondLst>
+                              <p:cond delay="0"/>
+                            </p:stCondLst>
+                            <p:childTnLst>
+                              <p:par>
+                                <p:cTn id="5" presetID="10" presetClass="entr" presetSubtype="0" fill="hold" grpId="0" nodeType="clickEffect">
+                                  <p:stCondLst>
+                                    <p:cond delay="0"/>
+                                  </p:stCondLst>
+                                  <p:childTnLst>
+                                    <p:set>
+                                      <p:cBhvr>
+                                        <p:cTn id="6" dur="1" fill="hold">
+                                          <p:stCondLst>
+                                            <p:cond delay="0"/>
+                                          </p:stCondLst>
+                                        </p:cTn>
+                                        <p:tgtEl>
+                                          <p:spTgt spid="11">
+                                            <p:txEl>
+                                              <p:pRg st="1" end="1"/>
+                                            </p:txEl>
+                                          </p:spTgt>
+                                        </p:tgtEl>
+                                        <p:attrNameLst>
+                                          <p:attrName>style.visibility</p:attrName>
+                                        </p:attrNameLst>
+                                      </p:cBhvr>
+                                      <p:to>
+                                        <p:strVal val="visible"/>
+                                      </p:to>
+                                    </p:set>
+                                    <p:animEffect transition="in" filter="fade">
+                                      <p:cBhvr>
+                                        <p:cTn id="7" dur="500"/>
+                                        <p:tgtEl>
+                                          <p:spTgt spid="11">
+                                            <p:txEl>
+                                              <p:pRg st="1" end="1"/>
+                                            </p:txEl>
+                                          </p:spTgt>
+                                        </p:tgtEl>
+                                      </p:cBhvr>
+                                    </p:animEffect>
+                                  </p:childTnLst>
+                                </p:cTn>
+                              </p:par>
+                              <p:par>
+                                <p:cTn id="8" presetID="10" presetClass="entr" presetSubtype="0" fill="hold" grpId="0" nodeType="withEffect">
+                                  <p:stCondLst>
+                                    <p:cond delay="0"/>
+                                  </p:stCondLst>
+                                  <p:childTnLst>
+                                    <p:set>
+                                      <p:cBhvr>
+                                        <p:cTn id="9" dur="1" fill="hold">
+                                          <p:stCondLst>
+                                            <p:cond delay="0"/>
+                                          </p:stCondLst>
+                                        </p:cTn>
+                                        <p:tgtEl>
+                                          <p:spTgt spid="3"/>
+                                        </p:tgtEl>
+                                        <p:attrNameLst>
+                                          <p:attrName>style.visibility</p:attrName>
+                                        </p:attrNameLst>
+                                      </p:cBhvr>
+                                      <p:to>
+                                        <p:strVal val="visible"/>
+                                      </p:to>
+                                    </p:set>
+                                    <p:animEffect transition="in" filter="fade">
+                                      <p:cBhvr>
+                                        <p:cTn id="10" dur="500"/>
+                                        <p:tgtEl>
+                                          <p:spTgt spid="3"/>
+                                        </p:tgtEl>
+                                      </p:cBhvr>
+                                    </p:animEffect>
+                                  </p:childTnLst>
+                                </p:cTn>
+                              </p:par>
+                              <p:par>
+                                <p:cTn id="11" presetID="10" presetClass="entr" presetSubtype="0" fill="hold" grpId="0" nodeType="withEffect">
+                                  <p:stCondLst>
+                                    <p:cond delay="0"/>
+                                  </p:stCondLst>
+                                  <p:childTnLst>
+                                    <p:set>
+                                      <p:cBhvr>
+                                        <p:cTn id="12" dur="1" fill="hold">
+                                          <p:stCondLst>
+                                            <p:cond delay="0"/>
+                                          </p:stCondLst>
+                                        </p:cTn>
+                                        <p:tgtEl>
+                                          <p:spTgt spid="13"/>
+                                        </p:tgtEl>
+                                        <p:attrNameLst>
+                                          <p:attrName>style.visibility</p:attrName>
+                                        </p:attrNameLst>
+                                      </p:cBhvr>
+                                      <p:to>
+                                        <p:strVal val="visible"/>
+                                      </p:to>
+                                    </p:set>
+                                    <p:animEffect transition="in" filter="fade">
+                                      <p:cBhvr>
+                                        <p:cTn id="13" dur="500"/>
+                                        <p:tgtEl>
+                                          <p:spTgt spid="13"/>
+                                        </p:tgtEl>
+                                      </p:cBhvr>
+                                    </p:animEffect>
+                                  </p:childTnLst>
+                                </p:cTn>
+                              </p:par>
+                            </p:childTnLst>
+                          </p:cTn>
+                        </p:par>
+                      </p:childTnLst>
+                    </p:cTn>
+                  </p:par>
+                  <p:par>
+                    <p:cTn id="14" fill="hold">
+                      <p:stCondLst>
+                        <p:cond delay="indefinite"/>
+                      </p:stCondLst>
+                      <p:childTnLst>
+                        <p:par>
+                          <p:cTn id="15" fill="hold">
+                            <p:stCondLst>
+                              <p:cond delay="0"/>
+                            </p:stCondLst>
+                            <p:childTnLst>
+                              <p:par>
+                                <p:cTn id="16" presetID="10" presetClass="entr" presetSubtype="0" fill="hold" grpId="0" nodeType="clickEffect">
+                                  <p:stCondLst>
+                                    <p:cond delay="0"/>
+                                  </p:stCondLst>
+                                  <p:childTnLst>
+                                    <p:set>
+                                      <p:cBhvr>
+                                        <p:cTn id="17" dur="1" fill="hold">
+                                          <p:stCondLst>
+                                            <p:cond delay="0"/>
+                                          </p:stCondLst>
+                                        </p:cTn>
+                                        <p:tgtEl>
+                                          <p:spTgt spid="11">
+                                            <p:txEl>
+                                              <p:pRg st="2" end="2"/>
+                                            </p:txEl>
+                                          </p:spTgt>
+                                        </p:tgtEl>
+                                        <p:attrNameLst>
+                                          <p:attrName>style.visibility</p:attrName>
+                                        </p:attrNameLst>
+                                      </p:cBhvr>
+                                      <p:to>
+                                        <p:strVal val="visible"/>
+                                      </p:to>
+                                    </p:set>
+                                    <p:animEffect transition="in" filter="fade">
+                                      <p:cBhvr>
+                                        <p:cTn id="18" dur="500"/>
+                                        <p:tgtEl>
+                                          <p:spTgt spid="11">
+                                            <p:txEl>
+                                              <p:pRg st="2" end="2"/>
+                                            </p:txEl>
+                                          </p:spTgt>
+                                        </p:tgtEl>
+                                      </p:cBhvr>
+                                    </p:animEffect>
+                                  </p:childTnLst>
+                                </p:cTn>
+                              </p:par>
+                              <p:par>
+                                <p:cTn id="19" presetID="10" presetClass="entr" presetSubtype="0" fill="hold" grpId="0" nodeType="withEffect">
+                                  <p:stCondLst>
+                                    <p:cond delay="0"/>
+                                  </p:stCondLst>
+                                  <p:childTnLst>
+                                    <p:set>
+                                      <p:cBhvr>
+                                        <p:cTn id="20" dur="1" fill="hold">
+                                          <p:stCondLst>
+                                            <p:cond delay="0"/>
+                                          </p:stCondLst>
+                                        </p:cTn>
+                                        <p:tgtEl>
+                                          <p:spTgt spid="14"/>
+                                        </p:tgtEl>
+                                        <p:attrNameLst>
+                                          <p:attrName>style.visibility</p:attrName>
+                                        </p:attrNameLst>
+                                      </p:cBhvr>
+                                      <p:to>
+                                        <p:strVal val="visible"/>
+                                      </p:to>
+                                    </p:set>
+                                    <p:animEffect transition="in" filter="fade">
+                                      <p:cBhvr>
+                                        <p:cTn id="21" dur="500"/>
+                                        <p:tgtEl>
+                                          <p:spTgt spid="14"/>
+                                        </p:tgtEl>
+                                      </p:cBhvr>
+                                    </p:animEffect>
+                                  </p:childTnLst>
+                                </p:cTn>
+                              </p:par>
+                              <p:par>
+                                <p:cTn id="22" presetID="10" presetClass="entr" presetSubtype="0" fill="hold" grpId="0" nodeType="withEffect">
+                                  <p:stCondLst>
+                                    <p:cond delay="0"/>
+                                  </p:stCondLst>
+                                  <p:childTnLst>
+                                    <p:set>
+                                      <p:cBhvr>
+                                        <p:cTn id="23" dur="1" fill="hold">
+                                          <p:stCondLst>
+                                            <p:cond delay="0"/>
+                                          </p:stCondLst>
+                                        </p:cTn>
+                                        <p:tgtEl>
+                                          <p:spTgt spid="15"/>
+                                        </p:tgtEl>
+                                        <p:attrNameLst>
+                                          <p:attrName>style.visibility</p:attrName>
+                                        </p:attrNameLst>
+                                      </p:cBhvr>
+                                      <p:to>
+                                        <p:strVal val="visible"/>
+                                      </p:to>
+                                    </p:set>
+                                    <p:animEffect transition="in" filter="fade">
+                                      <p:cBhvr>
+                                        <p:cTn id="24" dur="500"/>
+                                        <p:tgtEl>
+                                          <p:spTgt spid="15"/>
+                                        </p:tgtEl>
+                                      </p:cBhvr>
+                                    </p:animEffect>
+                                  </p:childTnLst>
+                                </p:cTn>
+                              </p:par>
+                            </p:childTnLst>
+                          </p:cTn>
+                        </p:par>
+                      </p:childTnLst>
+                    </p:cTn>
+                  </p:par>
+                  <p:par>
+                    <p:cTn id="25" fill="hold">
+                      <p:stCondLst>
+                        <p:cond delay="indefinite"/>
+                      </p:stCondLst>
+                      <p:childTnLst>
+                        <p:par>
+                          <p:cTn id="26" fill="hold">
+                            <p:stCondLst>
+                              <p:cond delay="0"/>
+                            </p:stCondLst>
+                            <p:childTnLst>
+                              <p:par>
+                                <p:cTn id="27" presetID="10" presetClass="entr" presetSubtype="0" fill="hold" grpId="0" nodeType="clickEffect">
+                                  <p:stCondLst>
+                                    <p:cond delay="0"/>
+                                  </p:stCondLst>
+                                  <p:childTnLst>
+                                    <p:set>
+                                      <p:cBhvr>
+                                        <p:cTn id="28" dur="1" fill="hold">
+                                          <p:stCondLst>
+                                            <p:cond delay="0"/>
+                                          </p:stCondLst>
+                                        </p:cTn>
+                                        <p:tgtEl>
+                                          <p:spTgt spid="11">
+                                            <p:txEl>
+                                              <p:pRg st="3" end="3"/>
+                                            </p:txEl>
+                                          </p:spTgt>
+                                        </p:tgtEl>
+                                        <p:attrNameLst>
+                                          <p:attrName>style.visibility</p:attrName>
+                                        </p:attrNameLst>
+                                      </p:cBhvr>
+                                      <p:to>
+                                        <p:strVal val="visible"/>
+                                      </p:to>
+                                    </p:set>
+                                    <p:animEffect transition="in" filter="fade">
+                                      <p:cBhvr>
+                                        <p:cTn id="29" dur="500"/>
+                                        <p:tgtEl>
+                                          <p:spTgt spid="11">
+                                            <p:txEl>
+                                              <p:pRg st="3" end="3"/>
+                                            </p:txEl>
+                                          </p:spTgt>
+                                        </p:tgtEl>
+                                      </p:cBhvr>
+                                    </p:animEffect>
+                                  </p:childTnLst>
+                                </p:cTn>
+                              </p:par>
+                              <p:par>
+                                <p:cTn id="30" presetID="1" presetClass="entr" presetSubtype="0" fill="hold" grpId="0" nodeType="withEffect">
+                                  <p:stCondLst>
+                                    <p:cond delay="0"/>
+                                  </p:stCondLst>
+                                  <p:childTnLst>
+                                    <p:set>
+                                      <p:cBhvr>
+                                        <p:cTn id="31" dur="1" fill="hold">
+                                          <p:stCondLst>
+                                            <p:cond delay="0"/>
+                                          </p:stCondLst>
+                                        </p:cTn>
+                                        <p:tgtEl>
+                                          <p:spTgt spid="16"/>
+                                        </p:tgtEl>
+                                        <p:attrNameLst>
+                                          <p:attrName>style.visibility</p:attrName>
+                                        </p:attrNameLst>
+                                      </p:cBhvr>
+                                      <p:to>
+                                        <p:strVal val="visible"/>
+                                      </p:to>
+                                    </p:set>
+                                  </p:childTnLst>
+                                </p:cTn>
+                              </p:par>
+                            </p:childTnLst>
+                          </p:cTn>
+                        </p:par>
+                      </p:childTnLst>
+                    </p:cTn>
+                  </p:par>
+                  <p:par>
+                    <p:cTn id="32" fill="hold">
+                      <p:stCondLst>
+                        <p:cond delay="indefinite"/>
+                      </p:stCondLst>
+                      <p:childTnLst>
+                        <p:par>
+                          <p:cTn id="33" fill="hold">
+                            <p:stCondLst>
+                              <p:cond delay="0"/>
+                            </p:stCondLst>
+                            <p:childTnLst>
+                              <p:par>
+                                <p:cTn id="34" presetID="10" presetClass="entr" presetSubtype="0" fill="hold" grpId="0" nodeType="clickEffect">
+                                  <p:stCondLst>
+                                    <p:cond delay="0"/>
+                                  </p:stCondLst>
+                                  <p:childTnLst>
+                                    <p:set>
+                                      <p:cBhvr>
+                                        <p:cTn id="35" dur="1" fill="hold">
+                                          <p:stCondLst>
+                                            <p:cond delay="0"/>
+                                          </p:stCondLst>
+                                        </p:cTn>
+                                        <p:tgtEl>
+                                          <p:spTgt spid="11">
+                                            <p:txEl>
+                                              <p:pRg st="4" end="4"/>
+                                            </p:txEl>
+                                          </p:spTgt>
+                                        </p:tgtEl>
+                                        <p:attrNameLst>
+                                          <p:attrName>style.visibility</p:attrName>
+                                        </p:attrNameLst>
+                                      </p:cBhvr>
+                                      <p:to>
+                                        <p:strVal val="visible"/>
+                                      </p:to>
+                                    </p:set>
+                                    <p:animEffect transition="in" filter="fade">
+                                      <p:cBhvr>
+                                        <p:cTn id="36" dur="500"/>
+                                        <p:tgtEl>
+                                          <p:spTgt spid="11">
+                                            <p:txEl>
+                                              <p:pRg st="4" end="4"/>
+                                            </p:txEl>
+                                          </p:spTgt>
+                                        </p:tgtEl>
+                                      </p:cBhvr>
+                                    </p:animEffect>
+                                  </p:childTnLst>
+                                </p:cTn>
+                              </p:par>
+                              <p:par>
+                                <p:cTn id="37" presetID="10" presetClass="entr" presetSubtype="0" fill="hold" grpId="0" nodeType="withEffect">
+                                  <p:stCondLst>
+                                    <p:cond delay="0"/>
+                                  </p:stCondLst>
+                                  <p:childTnLst>
+                                    <p:set>
+                                      <p:cBhvr>
+                                        <p:cTn id="38" dur="1" fill="hold">
+                                          <p:stCondLst>
+                                            <p:cond delay="0"/>
+                                          </p:stCondLst>
+                                        </p:cTn>
+                                        <p:tgtEl>
+                                          <p:spTgt spid="12"/>
+                                        </p:tgtEl>
+                                        <p:attrNameLst>
+                                          <p:attrName>style.visibility</p:attrName>
+                                        </p:attrNameLst>
+                                      </p:cBhvr>
+                                      <p:to>
+                                        <p:strVal val="visible"/>
+                                      </p:to>
+                                    </p:set>
+                                    <p:animEffect transition="in" filter="fade">
+                                      <p:cBhvr>
+                                        <p:cTn id="39" dur="500"/>
+                                        <p:tgtEl>
+                                          <p:spTgt spid="12"/>
+                                        </p:tgtEl>
+                                      </p:cBhvr>
+                                    </p:animEffect>
+                                  </p:childTnLst>
+                                </p:cTn>
+                              </p:par>
+                            </p:childTnLst>
+                          </p:cTn>
+                        </p:par>
+                      </p:childTnLst>
+                    </p:cTn>
+                  </p:par>
+                </p:childTnLst>
+              </p:cTn>
+              <p:prevCondLst>
+                <p:cond evt="onPrev" delay="0">
+                  <p:tgtEl>
+                    <p:sldTgt/>
+                  </p:tgtEl>
+                </p:cond>
+              </p:prevCondLst>
+              <p:nextCondLst>
+                <p:cond evt="onNext" delay="0">
+                  <p:tgtEl>
+                    <p:sldTgt/>
+                  </p:tgtEl>
+                </p:cond>
+              </p:nextCondLst>
+            </p:seq>
+          </p:childTnLst>
+        </p:cTn>
+      </p:par>
+    </p:tnLst>
+    <p:bldLst>
+      <p:bldP spid="11" grpId="0" uiExpand="1" build="p"/>
+      <p:bldP spid="3" grpId="0" animBg="1"/>
+      <p:bldP spid="13" grpId="0" animBg="1"/>
+      <p:bldP spid="14" grpId="0" animBg="1"/>
+      <p:bldP spid="15" grpId="0" animBg="1"/>
+      <p:bldP spid="16" grpId="0" animBg="1"/>
+      <p:bldP spid="12" grpId="0" animBg="1"/>
+    </p:bldLst>
+  </p:timing>
+</p:sld>
+</file>
+
+<file path=ppt/slides/slide11.xml><?xml version="1.0" encoding="utf-8"?>
+<p:sld xmlns:a="http://schemas.openxmlformats.org/drawingml/2006/main" xmlns:r="http://schemas.openxmlformats.org/officeDocument/2006/relationships" xmlns:p="http://schemas.openxmlformats.org/presentationml/2006/main">
+  <p:cSld>
+    <p:bg>
+      <p:bgPr>
+        <a:solidFill>
+          <a:schemeClr val="bg2"/>
+        </a:solidFill>
+        <a:effectLst/>
+      </p:bgPr>
+    </p:bg>
+    <p:spTree>
+      <p:nvGrpSpPr>
+        <p:cNvPr id="1" name=""/>
+        <p:cNvGrpSpPr/>
+        <p:nvPr/>
+      </p:nvGrpSpPr>
+      <p:grpSpPr>
+        <a:xfrm>
+          <a:off x="0" y="0"/>
+          <a:ext cx="0" cy="0"/>
+          <a:chOff x="0" y="0"/>
+          <a:chExt cx="0" cy="0"/>
+        </a:xfrm>
+      </p:grpSpPr>
+      <p:sp>
+        <p:nvSpPr>
+          <p:cNvPr id="71" name="Rectangle 70">
+            <a:extLst>
+              <a:ext uri="{FF2B5EF4-FFF2-40B4-BE49-F238E27FC236}">
+                <a16:creationId xmlns:a16="http://schemas.microsoft.com/office/drawing/2014/main" id="{1BB56EB9-078F-4952-AC1F-149C7A0AE4D5}"/>
+              </a:ext>
+              <a:ext uri="{C183D7F6-B498-43B3-948B-1728B52AA6E4}">
+                <adec:decorative xmlns:adec="http://schemas.microsoft.com/office/drawing/2017/decorative" val="1"/>
+              </a:ext>
+            </a:extLst>
+          </p:cNvPr>
+          <p:cNvSpPr>
+            <a:spLocks noGrp="1" noRot="1" noChangeAspect="1" noMove="1" noResize="1" noEditPoints="1" noAdjustHandles="1" noChangeArrowheads="1" noChangeShapeType="1" noTextEdit="1"/>
+          </p:cNvSpPr>
+          <p:nvPr>
+            <p:extLst>
+              <p:ext uri="{386F3935-93C4-4BCD-93E2-E3B085C9AB24}">
+                <p16:designElem xmlns:p16="http://schemas.microsoft.com/office/powerpoint/2015/main" val="1"/>
+              </p:ext>
+            </p:extLst>
+          </p:nvPr>
+        </p:nvSpPr>
+        <p:spPr>
+          <a:xfrm>
+            <a:off x="0" y="0"/>
+            <a:ext cx="12192000" cy="6858000"/>
+          </a:xfrm>
+          <a:prstGeom prst="rect">
+            <a:avLst/>
+          </a:prstGeom>
+          <a:solidFill>
+            <a:schemeClr val="tx1"/>
+          </a:solidFill>
+          <a:ln>
+            <a:noFill/>
+          </a:ln>
+        </p:spPr>
+        <p:style>
+          <a:lnRef idx="2">
+            <a:schemeClr val="accent1">
+              <a:shade val="50000"/>
+            </a:schemeClr>
+          </a:lnRef>
+          <a:fillRef idx="1">
+            <a:schemeClr val="accent1"/>
+          </a:fillRef>
+          <a:effectRef idx="0">
+            <a:schemeClr val="accent1"/>
+          </a:effectRef>
+          <a:fontRef idx="minor">
+            <a:schemeClr val="lt1"/>
+          </a:fontRef>
+        </p:style>
+        <p:txBody>
+          <a:bodyPr rtlCol="0" anchor="ctr"/>
+          <a:lstStyle/>
+          <a:p>
+            <a:pPr algn="ctr"/>
+            <a:endParaRPr lang="en-US"/>
+          </a:p>
+        </p:txBody>
+      </p:sp>
+      <p:sp>
+        <p:nvSpPr>
+          <p:cNvPr id="73" name="Rectangle 72">
+            <a:extLst>
+              <a:ext uri="{FF2B5EF4-FFF2-40B4-BE49-F238E27FC236}">
+                <a16:creationId xmlns:a16="http://schemas.microsoft.com/office/drawing/2014/main" id="{D3772EE4-ED5E-4D3A-A306-B22CF866786D}"/>
+              </a:ext>
+              <a:ext uri="{C183D7F6-B498-43B3-948B-1728B52AA6E4}">
+                <adec:decorative xmlns:adec="http://schemas.microsoft.com/office/drawing/2017/decorative" val="1"/>
+              </a:ext>
+            </a:extLst>
+          </p:cNvPr>
+          <p:cNvSpPr>
+            <a:spLocks noGrp="1" noRot="1" noChangeAspect="1" noMove="1" noResize="1" noEditPoints="1" noAdjustHandles="1" noChangeArrowheads="1" noChangeShapeType="1" noTextEdit="1"/>
+          </p:cNvSpPr>
+          <p:nvPr>
+            <p:extLst>
+              <p:ext uri="{386F3935-93C4-4BCD-93E2-E3B085C9AB24}">
+                <p16:designElem xmlns:p16="http://schemas.microsoft.com/office/powerpoint/2015/main" val="1"/>
+              </p:ext>
+            </p:extLst>
+          </p:nvPr>
+        </p:nvSpPr>
+        <p:spPr>
+          <a:xfrm>
+            <a:off x="446534" y="601200"/>
+            <a:ext cx="3703320" cy="5789365"/>
+          </a:xfrm>
+          <a:prstGeom prst="rect">
+            <a:avLst/>
+          </a:prstGeom>
+          <a:solidFill>
+            <a:srgbClr val="465359"/>
+          </a:solidFill>
+          <a:ln>
+            <a:noFill/>
+          </a:ln>
+          <a:effectLst/>
+        </p:spPr>
+        <p:style>
+          <a:lnRef idx="1">
+            <a:schemeClr val="accent1"/>
+          </a:lnRef>
+          <a:fillRef idx="3">
+            <a:schemeClr val="accent1"/>
+          </a:fillRef>
+          <a:effectRef idx="2">
+            <a:schemeClr val="accent1"/>
+          </a:effectRef>
+          <a:fontRef idx="minor">
+            <a:schemeClr val="lt1"/>
+          </a:fontRef>
+        </p:style>
+      </p:sp>
+      <p:sp>
+        <p:nvSpPr>
+          <p:cNvPr id="2" name="Title 1">
+            <a:extLst>
+              <a:ext uri="{FF2B5EF4-FFF2-40B4-BE49-F238E27FC236}">
+                <a16:creationId xmlns:a16="http://schemas.microsoft.com/office/drawing/2014/main" id="{50854756-00A6-4355-9619-5DED5594D93A}"/>
+              </a:ext>
+            </a:extLst>
+          </p:cNvPr>
+          <p:cNvSpPr>
+            <a:spLocks noGrp="1"/>
+          </p:cNvSpPr>
+          <p:nvPr>
+            <p:ph type="title"/>
+          </p:nvPr>
+        </p:nvSpPr>
+        <p:spPr>
+          <a:xfrm>
+            <a:off x="672280" y="944752"/>
+            <a:ext cx="3259016" cy="1462692"/>
+          </a:xfrm>
+        </p:spPr>
+        <p:txBody>
+          <a:bodyPr>
+            <a:normAutofit/>
+          </a:bodyPr>
+          <a:lstStyle/>
+          <a:p>
+            <a:r>
+              <a:rPr lang="en-US" dirty="0">
+                <a:solidFill>
+                  <a:srgbClr val="FFFFFF"/>
+                </a:solidFill>
+              </a:rPr>
+              <a:t>Fun facts</a:t>
+            </a:r>
+          </a:p>
+        </p:txBody>
+      </p:sp>
+      <p:sp>
+        <p:nvSpPr>
+          <p:cNvPr id="75" name="Rectangle 74">
+            <a:extLst>
+              <a:ext uri="{FF2B5EF4-FFF2-40B4-BE49-F238E27FC236}">
+                <a16:creationId xmlns:a16="http://schemas.microsoft.com/office/drawing/2014/main" id="{10058680-D07C-4893-B2B7-91543F18AB32}"/>
+              </a:ext>
+              <a:ext uri="{C183D7F6-B498-43B3-948B-1728B52AA6E4}">
+                <adec:decorative xmlns:adec="http://schemas.microsoft.com/office/drawing/2017/decorative" val="1"/>
+              </a:ext>
+            </a:extLst>
+          </p:cNvPr>
+          <p:cNvSpPr>
+            <a:spLocks noGrp="1" noRot="1" noChangeAspect="1" noMove="1" noResize="1" noEditPoints="1" noAdjustHandles="1" noChangeArrowheads="1" noChangeShapeType="1" noTextEdit="1"/>
+          </p:cNvSpPr>
+          <p:nvPr>
+            <p:extLst>
+              <p:ext uri="{386F3935-93C4-4BCD-93E2-E3B085C9AB24}">
+                <p16:designElem xmlns:p16="http://schemas.microsoft.com/office/powerpoint/2015/main" val="1"/>
+              </p:ext>
+            </p:extLst>
+          </p:nvPr>
+        </p:nvSpPr>
+        <p:spPr>
+          <a:xfrm>
+            <a:off x="446534" y="457200"/>
+            <a:ext cx="3703320" cy="94997"/>
+          </a:xfrm>
+          <a:prstGeom prst="rect">
+            <a:avLst/>
+          </a:prstGeom>
+          <a:solidFill>
+            <a:srgbClr val="465359"/>
+          </a:solidFill>
+          <a:ln>
+            <a:noFill/>
+          </a:ln>
+          <a:effectLst/>
+        </p:spPr>
+        <p:style>
+          <a:lnRef idx="1">
+            <a:schemeClr val="accent1"/>
+          </a:lnRef>
+          <a:fillRef idx="3">
+            <a:schemeClr val="accent1"/>
+          </a:fillRef>
+          <a:effectRef idx="2">
+            <a:schemeClr val="accent1"/>
+          </a:effectRef>
+          <a:fontRef idx="minor">
+            <a:schemeClr val="lt1"/>
+          </a:fontRef>
+        </p:style>
+      </p:sp>
+      <p:sp>
+        <p:nvSpPr>
+          <p:cNvPr id="77" name="Rectangle 76">
+            <a:extLst>
+              <a:ext uri="{FF2B5EF4-FFF2-40B4-BE49-F238E27FC236}">
+                <a16:creationId xmlns:a16="http://schemas.microsoft.com/office/drawing/2014/main" id="{7B42427A-0A1F-4A55-8705-D9179F1E0CFB}"/>
+              </a:ext>
+              <a:ext uri="{C183D7F6-B498-43B3-948B-1728B52AA6E4}">
+                <adec:decorative xmlns:adec="http://schemas.microsoft.com/office/drawing/2017/decorative" val="1"/>
+              </a:ext>
+            </a:extLst>
+          </p:cNvPr>
+          <p:cNvSpPr>
+            <a:spLocks noGrp="1" noRot="1" noChangeAspect="1" noMove="1" noResize="1" noEditPoints="1" noAdjustHandles="1" noChangeArrowheads="1" noChangeShapeType="1" noTextEdit="1"/>
+          </p:cNvSpPr>
+          <p:nvPr>
+            <p:extLst>
+              <p:ext uri="{386F3935-93C4-4BCD-93E2-E3B085C9AB24}">
+                <p16:designElem xmlns:p16="http://schemas.microsoft.com/office/powerpoint/2015/main" val="1"/>
+              </p:ext>
+            </p:extLst>
+          </p:nvPr>
+        </p:nvSpPr>
+        <p:spPr>
+          <a:xfrm>
+            <a:off x="4241830" y="457200"/>
+            <a:ext cx="3703320" cy="91440"/>
+          </a:xfrm>
+          <a:prstGeom prst="rect">
+            <a:avLst/>
+          </a:prstGeom>
+          <a:solidFill>
+            <a:schemeClr val="accent1"/>
+          </a:solidFill>
+          <a:ln>
+            <a:noFill/>
+          </a:ln>
+          <a:effectLst/>
+        </p:spPr>
+        <p:style>
+          <a:lnRef idx="1">
+            <a:schemeClr val="accent1"/>
+          </a:lnRef>
+          <a:fillRef idx="3">
+            <a:schemeClr val="accent1"/>
+          </a:fillRef>
+          <a:effectRef idx="2">
+            <a:schemeClr val="accent1"/>
+          </a:effectRef>
+          <a:fontRef idx="minor">
+            <a:schemeClr val="lt1"/>
+          </a:fontRef>
+        </p:style>
+        <p:txBody>
+          <a:bodyPr/>
+          <a:lstStyle/>
+          <a:p>
+            <a:endParaRPr lang="en-US" dirty="0"/>
+          </a:p>
+        </p:txBody>
+      </p:sp>
+      <p:sp>
+        <p:nvSpPr>
+          <p:cNvPr id="79" name="Rectangle 78">
+            <a:extLst>
+              <a:ext uri="{FF2B5EF4-FFF2-40B4-BE49-F238E27FC236}">
+                <a16:creationId xmlns:a16="http://schemas.microsoft.com/office/drawing/2014/main" id="{EE54A6FE-D8CB-48A3-900B-053D4EBD3B85}"/>
+              </a:ext>
+              <a:ext uri="{C183D7F6-B498-43B3-948B-1728B52AA6E4}">
+                <adec:decorative xmlns:adec="http://schemas.microsoft.com/office/drawing/2017/decorative" val="1"/>
+              </a:ext>
+            </a:extLst>
+          </p:cNvPr>
+          <p:cNvSpPr>
+            <a:spLocks noGrp="1" noRot="1" noChangeAspect="1" noMove="1" noResize="1" noEditPoints="1" noAdjustHandles="1" noChangeArrowheads="1" noChangeShapeType="1" noTextEdit="1"/>
+          </p:cNvSpPr>
+          <p:nvPr>
+            <p:extLst>
+              <p:ext uri="{386F3935-93C4-4BCD-93E2-E3B085C9AB24}">
+                <p16:designElem xmlns:p16="http://schemas.microsoft.com/office/powerpoint/2015/main" val="1"/>
+              </p:ext>
+            </p:extLst>
+          </p:nvPr>
+        </p:nvSpPr>
+        <p:spPr>
+          <a:xfrm>
+            <a:off x="8042147" y="453643"/>
+            <a:ext cx="3703320" cy="98554"/>
+          </a:xfrm>
+          <a:prstGeom prst="rect">
+            <a:avLst/>
+          </a:prstGeom>
+          <a:solidFill>
+            <a:srgbClr val="969FA7"/>
+          </a:solidFill>
+          <a:ln>
+            <a:noFill/>
+          </a:ln>
+          <a:effectLst/>
+        </p:spPr>
+        <p:style>
+          <a:lnRef idx="1">
+            <a:schemeClr val="accent1"/>
+          </a:lnRef>
+          <a:fillRef idx="3">
+            <a:schemeClr val="accent1"/>
+          </a:fillRef>
+          <a:effectRef idx="2">
+            <a:schemeClr val="accent1"/>
+          </a:effectRef>
+          <a:fontRef idx="minor">
+            <a:schemeClr val="lt1"/>
+          </a:fontRef>
+        </p:style>
+      </p:sp>
+      <p:sp>
+        <p:nvSpPr>
+          <p:cNvPr id="3" name="Content Placeholder 2">
+            <a:extLst>
+              <a:ext uri="{FF2B5EF4-FFF2-40B4-BE49-F238E27FC236}">
+                <a16:creationId xmlns:a16="http://schemas.microsoft.com/office/drawing/2014/main" id="{0ED47D8C-AB1B-4FC3-A0E1-D1F7D7CA2DCF}"/>
+              </a:ext>
+            </a:extLst>
+          </p:cNvPr>
+          <p:cNvSpPr>
+            <a:spLocks noGrp="1"/>
+          </p:cNvSpPr>
+          <p:nvPr>
+            <p:ph idx="1"/>
+          </p:nvPr>
+        </p:nvSpPr>
+        <p:spPr>
+          <a:xfrm>
+            <a:off x="671513" y="2536031"/>
+            <a:ext cx="3123783" cy="3671936"/>
+          </a:xfrm>
+        </p:spPr>
+        <p:txBody>
+          <a:bodyPr anchor="t">
+            <a:normAutofit/>
+          </a:bodyPr>
+          <a:lstStyle/>
+          <a:p>
+            <a:pPr>
+              <a:lnSpc>
+                <a:spcPct val="100000"/>
+              </a:lnSpc>
+            </a:pPr>
+            <a:r>
+              <a:rPr lang="en-US" sz="1400" dirty="0">
+                <a:solidFill>
+                  <a:srgbClr val="FFFFFF"/>
+                </a:solidFill>
+              </a:rPr>
+              <a:t>Each Excel spreadsheet can support up to </a:t>
+            </a:r>
+            <a:r>
+              <a:rPr lang="en-US" sz="1400" b="1" dirty="0">
+                <a:solidFill>
+                  <a:srgbClr val="FFFFFF"/>
+                </a:solidFill>
+              </a:rPr>
+              <a:t>1,048,576</a:t>
+            </a:r>
+            <a:r>
+              <a:rPr lang="en-US" sz="1400" dirty="0">
+                <a:solidFill>
+                  <a:srgbClr val="FFFFFF"/>
+                </a:solidFill>
+              </a:rPr>
+              <a:t> </a:t>
+            </a:r>
+            <a:r>
+              <a:rPr lang="en-US" sz="1400" b="1" dirty="0">
+                <a:solidFill>
+                  <a:srgbClr val="FFFFFF"/>
+                </a:solidFill>
+              </a:rPr>
+              <a:t>rows</a:t>
+            </a:r>
+            <a:r>
+              <a:rPr lang="en-US" sz="1400" dirty="0">
+                <a:solidFill>
+                  <a:srgbClr val="FFFFFF"/>
+                </a:solidFill>
+              </a:rPr>
+              <a:t> and </a:t>
+            </a:r>
+            <a:r>
+              <a:rPr lang="en-US" sz="1400" b="1" dirty="0">
+                <a:solidFill>
+                  <a:srgbClr val="FFFFFF"/>
+                </a:solidFill>
+              </a:rPr>
+              <a:t>16,384 columns</a:t>
+            </a:r>
+            <a:r>
+              <a:rPr lang="en-US" sz="1400" dirty="0">
+                <a:solidFill>
+                  <a:srgbClr val="FFFFFF"/>
+                </a:solidFill>
+              </a:rPr>
+              <a:t> of data that’s a whopping </a:t>
+            </a:r>
+            <a:r>
+              <a:rPr lang="en-US" sz="1400" b="1" dirty="0">
+                <a:solidFill>
+                  <a:srgbClr val="FFFFFF"/>
+                </a:solidFill>
+              </a:rPr>
+              <a:t>17,179,869,184 cells</a:t>
+            </a:r>
+            <a:r>
+              <a:rPr lang="en-US" sz="1400" dirty="0">
+                <a:solidFill>
+                  <a:srgbClr val="FFFFFF"/>
+                </a:solidFill>
+              </a:rPr>
+              <a:t>!</a:t>
+            </a:r>
+          </a:p>
+          <a:p>
+            <a:pPr>
+              <a:lnSpc>
+                <a:spcPct val="100000"/>
+              </a:lnSpc>
+            </a:pPr>
+            <a:r>
+              <a:rPr lang="en-US" sz="1400" dirty="0">
+                <a:solidFill>
+                  <a:srgbClr val="FFFFFF"/>
+                </a:solidFill>
+              </a:rPr>
+              <a:t>Each cell in a spreadsheet can contain up to </a:t>
+            </a:r>
+            <a:r>
+              <a:rPr lang="en-US" sz="1400" b="1" dirty="0">
+                <a:solidFill>
+                  <a:srgbClr val="FFFFFF"/>
+                </a:solidFill>
+              </a:rPr>
+              <a:t>32,767 characters</a:t>
+            </a:r>
+          </a:p>
+          <a:p>
+            <a:pPr>
+              <a:lnSpc>
+                <a:spcPct val="100000"/>
+              </a:lnSpc>
+            </a:pPr>
+            <a:r>
+              <a:rPr lang="en-US" sz="1400" dirty="0">
+                <a:solidFill>
+                  <a:srgbClr val="FFFFFF"/>
+                </a:solidFill>
+              </a:rPr>
+              <a:t>If every cell in a spreadsheet was filled to maximum capacity a single excel spreadsheet would contain over </a:t>
+            </a:r>
+            <a:r>
+              <a:rPr lang="en-US" sz="1400" b="1" dirty="0">
+                <a:solidFill>
+                  <a:srgbClr val="FFFFFF"/>
+                </a:solidFill>
+              </a:rPr>
+              <a:t>56 trillion characters!</a:t>
+            </a:r>
+          </a:p>
+          <a:p>
+            <a:pPr>
+              <a:lnSpc>
+                <a:spcPct val="100000"/>
+              </a:lnSpc>
+            </a:pPr>
+            <a:r>
+              <a:rPr lang="en-US" sz="1400" dirty="0">
+                <a:solidFill>
+                  <a:srgbClr val="FFFFFF"/>
+                </a:solidFill>
+              </a:rPr>
+              <a:t>This is still nowhere close to what is needed to manage truly Big Data!</a:t>
+            </a:r>
+          </a:p>
+        </p:txBody>
+      </p:sp>
+      <p:pic>
+        <p:nvPicPr>
+          <p:cNvPr id="4098" name="Picture 2" descr="image-alternative">
+            <a:extLst>
+              <a:ext uri="{FF2B5EF4-FFF2-40B4-BE49-F238E27FC236}">
+                <a16:creationId xmlns:a16="http://schemas.microsoft.com/office/drawing/2014/main" id="{310514C8-4540-4118-A939-C3B1093EE7BE}"/>
+              </a:ext>
+            </a:extLst>
+          </p:cNvPr>
+          <p:cNvPicPr>
+            <a:picLocks noChangeAspect="1" noChangeArrowheads="1"/>
+          </p:cNvPicPr>
+          <p:nvPr/>
+        </p:nvPicPr>
+        <p:blipFill rotWithShape="1">
+          <a:blip r:embed="rId2">
+            <a:extLst>
+              <a:ext uri="{28A0092B-C50C-407E-A947-70E740481C1C}">
+                <a14:useLocalDpi xmlns:a14="http://schemas.microsoft.com/office/drawing/2010/main" val="0"/>
+              </a:ext>
+            </a:extLst>
+          </a:blip>
+          <a:srcRect r="3114" b="-2"/>
+          <a:stretch/>
+        </p:blipFill>
+        <p:spPr bwMode="auto">
+          <a:xfrm>
+            <a:off x="4241830" y="601200"/>
+            <a:ext cx="7503636" cy="5789365"/>
+          </a:xfrm>
+          <a:prstGeom prst="rect">
+            <a:avLst/>
+          </a:prstGeom>
+          <a:noFill/>
+          <a:extLst>
+            <a:ext uri="{909E8E84-426E-40DD-AFC4-6F175D3DCCD1}">
+              <a14:hiddenFill xmlns:a14="http://schemas.microsoft.com/office/drawing/2010/main">
+                <a:solidFill>
+                  <a:srgbClr val="FFFFFF"/>
+                </a:solidFill>
+              </a14:hiddenFill>
+            </a:ext>
+          </a:extLst>
+        </p:spPr>
+      </p:pic>
+    </p:spTree>
+    <p:extLst>
+      <p:ext uri="{BB962C8B-B14F-4D97-AF65-F5344CB8AC3E}">
+        <p14:creationId xmlns:p14="http://schemas.microsoft.com/office/powerpoint/2010/main" val="330183584"/>
+      </p:ext>
+    </p:extLst>
+  </p:cSld>
+  <p:clrMapOvr>
+    <a:overrideClrMapping bg1="dk1" tx1="lt1" bg2="dk2" tx2="lt2" accent1="accent1" accent2="accent2" accent3="accent3" accent4="accent4" accent5="accent5" accent6="accent6" hlink="hlink" folHlink="folHlink"/>
+  </p:clrMapOvr>
+  <p:timing>
+    <p:tnLst>
+      <p:par>
+        <p:cTn id="1" dur="indefinite" restart="never" nodeType="tmRoot">
+          <p:childTnLst>
+            <p:seq concurrent="1" nextAc="seek">
+              <p:cTn id="2" dur="indefinite" nodeType="mainSeq">
+                <p:childTnLst>
+                  <p:par>
+                    <p:cTn id="3" fill="hold">
+                      <p:stCondLst>
+                        <p:cond delay="indefinite"/>
+                      </p:stCondLst>
+                      <p:childTnLst>
+                        <p:par>
+                          <p:cTn id="4" fill="hold">
+                            <p:stCondLst>
+                              <p:cond delay="0"/>
+                            </p:stCondLst>
+                            <p:childTnLst>
+                              <p:par>
+                                <p:cTn id="5" presetID="10" presetClass="entr" presetSubtype="0" fill="hold" nodeType="clickEffect">
+                                  <p:stCondLst>
+                                    <p:cond delay="0"/>
+                                  </p:stCondLst>
+                                  <p:childTnLst>
+                                    <p:set>
+                                      <p:cBhvr>
+                                        <p:cTn id="6" dur="1" fill="hold">
+                                          <p:stCondLst>
+                                            <p:cond delay="0"/>
+                                          </p:stCondLst>
+                                        </p:cTn>
+                                        <p:tgtEl>
+                                          <p:spTgt spid="3">
+                                            <p:txEl>
+                                              <p:pRg st="0" end="0"/>
+                                            </p:txEl>
+                                          </p:spTgt>
+                                        </p:tgtEl>
+                                        <p:attrNameLst>
+                                          <p:attrName>style.visibility</p:attrName>
+                                        </p:attrNameLst>
+                                      </p:cBhvr>
+                                      <p:to>
+                                        <p:strVal val="visible"/>
+                                      </p:to>
+                                    </p:set>
+                                    <p:animEffect transition="in" filter="fade">
+                                      <p:cBhvr>
+                                        <p:cTn id="7" dur="500"/>
+                                        <p:tgtEl>
+                                          <p:spTgt spid="3">
+                                            <p:txEl>
+                                              <p:pRg st="0" end="0"/>
+                                            </p:txEl>
+                                          </p:spTgt>
+                                        </p:tgtEl>
+                                      </p:cBhvr>
+                                    </p:animEffect>
+                                  </p:childTnLst>
+                                </p:cTn>
+                              </p:par>
+                            </p:childTnLst>
+                          </p:cTn>
+                        </p:par>
+                      </p:childTnLst>
+                    </p:cTn>
+                  </p:par>
+                  <p:par>
+                    <p:cTn id="8" fill="hold">
+                      <p:stCondLst>
+                        <p:cond delay="indefinite"/>
+                      </p:stCondLst>
+                      <p:childTnLst>
+                        <p:par>
+                          <p:cTn id="9" fill="hold">
+                            <p:stCondLst>
+                              <p:cond delay="0"/>
+                            </p:stCondLst>
+                            <p:childTnLst>
+                              <p:par>
+                                <p:cTn id="10" presetID="10" presetClass="entr" presetSubtype="0" fill="hold" nodeType="clickEffect">
+                                  <p:stCondLst>
+                                    <p:cond delay="0"/>
+                                  </p:stCondLst>
+                                  <p:childTnLst>
+                                    <p:set>
+                                      <p:cBhvr>
+                                        <p:cTn id="11" dur="1" fill="hold">
+                                          <p:stCondLst>
+                                            <p:cond delay="0"/>
+                                          </p:stCondLst>
+                                        </p:cTn>
+                                        <p:tgtEl>
+                                          <p:spTgt spid="3">
+                                            <p:txEl>
+                                              <p:pRg st="1" end="1"/>
+                                            </p:txEl>
+                                          </p:spTgt>
+                                        </p:tgtEl>
+                                        <p:attrNameLst>
+                                          <p:attrName>style.visibility</p:attrName>
+                                        </p:attrNameLst>
+                                      </p:cBhvr>
+                                      <p:to>
+                                        <p:strVal val="visible"/>
+                                      </p:to>
+                                    </p:set>
+                                    <p:animEffect transition="in" filter="fade">
+                                      <p:cBhvr>
+                                        <p:cTn id="12" dur="500"/>
+                                        <p:tgtEl>
+                                          <p:spTgt spid="3">
+                                            <p:txEl>
+                                              <p:pRg st="1" end="1"/>
+                                            </p:txEl>
+                                          </p:spTgt>
+                                        </p:tgtEl>
+                                      </p:cBhvr>
+                                    </p:animEffect>
+                                  </p:childTnLst>
+                                </p:cTn>
+                              </p:par>
+                            </p:childTnLst>
+                          </p:cTn>
+                        </p:par>
+                      </p:childTnLst>
+                    </p:cTn>
+                  </p:par>
+                  <p:par>
+                    <p:cTn id="13" fill="hold">
+                      <p:stCondLst>
+                        <p:cond delay="indefinite"/>
+                      </p:stCondLst>
+                      <p:childTnLst>
+                        <p:par>
+                          <p:cTn id="14" fill="hold">
+                            <p:stCondLst>
+                              <p:cond delay="0"/>
+                            </p:stCondLst>
+                            <p:childTnLst>
+                              <p:par>
+                                <p:cTn id="15" presetID="10" presetClass="entr" presetSubtype="0" fill="hold" nodeType="clickEffect">
+                                  <p:stCondLst>
+                                    <p:cond delay="0"/>
+                                  </p:stCondLst>
+                                  <p:childTnLst>
+                                    <p:set>
+                                      <p:cBhvr>
+                                        <p:cTn id="16" dur="1" fill="hold">
+                                          <p:stCondLst>
+                                            <p:cond delay="0"/>
+                                          </p:stCondLst>
+                                        </p:cTn>
+                                        <p:tgtEl>
+                                          <p:spTgt spid="3">
+                                            <p:txEl>
+                                              <p:pRg st="2" end="2"/>
+                                            </p:txEl>
+                                          </p:spTgt>
+                                        </p:tgtEl>
+                                        <p:attrNameLst>
+                                          <p:attrName>style.visibility</p:attrName>
+                                        </p:attrNameLst>
+                                      </p:cBhvr>
+                                      <p:to>
+                                        <p:strVal val="visible"/>
+                                      </p:to>
+                                    </p:set>
+                                    <p:animEffect transition="in" filter="fade">
+                                      <p:cBhvr>
+                                        <p:cTn id="17" dur="500"/>
+                                        <p:tgtEl>
+                                          <p:spTgt spid="3">
+                                            <p:txEl>
+                                              <p:pRg st="2" end="2"/>
+                                            </p:txEl>
+                                          </p:spTgt>
+                                        </p:tgtEl>
+                                      </p:cBhvr>
+                                    </p:animEffect>
+                                  </p:childTnLst>
+                                </p:cTn>
+                              </p:par>
+                            </p:childTnLst>
+                          </p:cTn>
+                        </p:par>
+                      </p:childTnLst>
+                    </p:cTn>
+                  </p:par>
+                  <p:par>
+                    <p:cTn id="18" fill="hold">
+                      <p:stCondLst>
+                        <p:cond delay="indefinite"/>
+                      </p:stCondLst>
+                      <p:childTnLst>
+                        <p:par>
+                          <p:cTn id="19" fill="hold">
+                            <p:stCondLst>
+                              <p:cond delay="0"/>
+                            </p:stCondLst>
+                            <p:childTnLst>
+                              <p:par>
+                                <p:cTn id="20" presetID="10" presetClass="entr" presetSubtype="0" fill="hold" nodeType="clickEffect">
+                                  <p:stCondLst>
+                                    <p:cond delay="0"/>
+                                  </p:stCondLst>
+                                  <p:childTnLst>
+                                    <p:set>
+                                      <p:cBhvr>
+                                        <p:cTn id="21" dur="1" fill="hold">
+                                          <p:stCondLst>
+                                            <p:cond delay="0"/>
+                                          </p:stCondLst>
+                                        </p:cTn>
+                                        <p:tgtEl>
+                                          <p:spTgt spid="3">
+                                            <p:txEl>
+                                              <p:pRg st="3" end="3"/>
+                                            </p:txEl>
+                                          </p:spTgt>
+                                        </p:tgtEl>
+                                        <p:attrNameLst>
+                                          <p:attrName>style.visibility</p:attrName>
+                                        </p:attrNameLst>
+                                      </p:cBhvr>
+                                      <p:to>
+                                        <p:strVal val="visible"/>
+                                      </p:to>
+                                    </p:set>
+                                    <p:animEffect transition="in" filter="fade">
+                                      <p:cBhvr>
+                                        <p:cTn id="22" dur="500"/>
+                                        <p:tgtEl>
+                                          <p:spTgt spid="3">
+                                            <p:txEl>
+                                              <p:pRg st="3" end="3"/>
+                                            </p:txEl>
+                                          </p:spTgt>
+                                        </p:tgtEl>
+                                      </p:cBhvr>
+                                    </p:animEffect>
+                                  </p:childTnLst>
+                                </p:cTn>
+                              </p:par>
+                            </p:childTnLst>
+                          </p:cTn>
+                        </p:par>
+                      </p:childTnLst>
+                    </p:cTn>
+                  </p:par>
+                </p:childTnLst>
+              </p:cTn>
+              <p:prevCondLst>
+                <p:cond evt="onPrev" delay="0">
+                  <p:tgtEl>
+                    <p:sldTgt/>
+                  </p:tgtEl>
+                </p:cond>
+              </p:prevCondLst>
+              <p:nextCondLst>
+                <p:cond evt="onNext" delay="0">
+                  <p:tgtEl>
+                    <p:sldTgt/>
+                  </p:tgtEl>
+                </p:cond>
+              </p:nextCondLst>
+            </p:seq>
+          </p:childTnLst>
+        </p:cTn>
+      </p:par>
+    </p:tnLst>
+  </p:timing>
+</p:sld>
+</file>
+
+<file path=ppt/slides/slide12.xml><?xml version="1.0" encoding="utf-8"?>
+<p:sld xmlns:a="http://schemas.openxmlformats.org/drawingml/2006/main" xmlns:r="http://schemas.openxmlformats.org/officeDocument/2006/relationships" xmlns:p="http://schemas.openxmlformats.org/presentationml/2006/main">
+  <p:cSld>
+    <p:spTree>
+      <p:nvGrpSpPr>
+        <p:cNvPr id="1" name=""/>
+        <p:cNvGrpSpPr/>
+        <p:nvPr/>
+      </p:nvGrpSpPr>
+      <p:grpSpPr>
+        <a:xfrm>
+          <a:off x="0" y="0"/>
+          <a:ext cx="0" cy="0"/>
+          <a:chOff x="0" y="0"/>
+          <a:chExt cx="0" cy="0"/>
+        </a:xfrm>
+      </p:grpSpPr>
+      <p:sp>
+        <p:nvSpPr>
+          <p:cNvPr id="2" name="Title 1">
+            <a:extLst>
+              <a:ext uri="{FF2B5EF4-FFF2-40B4-BE49-F238E27FC236}">
+                <a16:creationId xmlns:a16="http://schemas.microsoft.com/office/drawing/2014/main" id="{767903C7-CFBB-401F-A773-F48543A62057}"/>
+              </a:ext>
+            </a:extLst>
+          </p:cNvPr>
+          <p:cNvSpPr>
+            <a:spLocks noGrp="1"/>
+          </p:cNvSpPr>
+          <p:nvPr>
+            <p:ph type="title"/>
+          </p:nvPr>
+        </p:nvSpPr>
+        <p:spPr/>
+        <p:txBody>
+          <a:bodyPr/>
+          <a:lstStyle/>
+          <a:p>
+            <a:r>
+              <a:rPr lang="en-US" dirty="0"/>
+              <a:t>Selecting a cell</a:t>
+            </a:r>
+          </a:p>
+        </p:txBody>
+      </p:sp>
+      <p:sp>
+        <p:nvSpPr>
+          <p:cNvPr id="11" name="Content Placeholder 2">
+            <a:extLst>
+              <a:ext uri="{FF2B5EF4-FFF2-40B4-BE49-F238E27FC236}">
+                <a16:creationId xmlns:a16="http://schemas.microsoft.com/office/drawing/2014/main" id="{28942560-B092-4487-BF6A-20897975FDF5}"/>
+              </a:ext>
+            </a:extLst>
+          </p:cNvPr>
+          <p:cNvSpPr>
+            <a:spLocks noGrp="1"/>
+          </p:cNvSpPr>
+          <p:nvPr>
+            <p:ph idx="1"/>
+          </p:nvPr>
+        </p:nvSpPr>
+        <p:spPr>
+          <a:xfrm>
+            <a:off x="581191" y="1920802"/>
+            <a:ext cx="2137071" cy="4618261"/>
+          </a:xfrm>
+        </p:spPr>
+        <p:txBody>
+          <a:bodyPr>
+            <a:normAutofit/>
+          </a:bodyPr>
+          <a:lstStyle/>
+          <a:p>
+            <a:r>
+              <a:rPr lang="en-US" dirty="0"/>
+              <a:t>Your mouse cursor will turn into a cross as you hover it over the spreadsheet</a:t>
+            </a:r>
+          </a:p>
+          <a:p>
+            <a:r>
+              <a:rPr lang="en-US" dirty="0"/>
+              <a:t>To select a cell click on it</a:t>
+            </a:r>
+          </a:p>
+          <a:p>
+            <a:r>
+              <a:rPr lang="en-US" dirty="0"/>
+              <a:t>Now you can write in the cell</a:t>
+            </a:r>
+          </a:p>
+        </p:txBody>
+      </p:sp>
+      <p:pic>
+        <p:nvPicPr>
+          <p:cNvPr id="9" name="Picture 8">
+            <a:extLst>
+              <a:ext uri="{FF2B5EF4-FFF2-40B4-BE49-F238E27FC236}">
+                <a16:creationId xmlns:a16="http://schemas.microsoft.com/office/drawing/2014/main" id="{4D839F62-7450-4679-A578-1FA156080C4B}"/>
+              </a:ext>
+            </a:extLst>
+          </p:cNvPr>
+          <p:cNvPicPr>
+            <a:picLocks noChangeAspect="1"/>
+          </p:cNvPicPr>
+          <p:nvPr/>
+        </p:nvPicPr>
+        <p:blipFill>
+          <a:blip r:embed="rId2"/>
+          <a:stretch>
+            <a:fillRect/>
+          </a:stretch>
+        </p:blipFill>
+        <p:spPr>
+          <a:xfrm>
+            <a:off x="2836182" y="1920800"/>
+            <a:ext cx="8617163" cy="4618261"/>
+          </a:xfrm>
+          <a:prstGeom prst="rect">
+            <a:avLst/>
+          </a:prstGeom>
+        </p:spPr>
+      </p:pic>
+      <p:pic>
+        <p:nvPicPr>
+          <p:cNvPr id="17" name="Picture 16" descr="A picture containing clock&#10;&#10;Description automatically generated">
+            <a:extLst>
+              <a:ext uri="{FF2B5EF4-FFF2-40B4-BE49-F238E27FC236}">
+                <a16:creationId xmlns:a16="http://schemas.microsoft.com/office/drawing/2014/main" id="{595547EB-8D97-43A7-9B1A-228A996FF413}"/>
+              </a:ext>
+            </a:extLst>
+          </p:cNvPr>
+          <p:cNvPicPr>
+            <a:picLocks noChangeAspect="1"/>
+          </p:cNvPicPr>
+          <p:nvPr/>
+        </p:nvPicPr>
+        <p:blipFill>
+          <a:blip r:embed="rId3"/>
+          <a:stretch>
+            <a:fillRect/>
+          </a:stretch>
+        </p:blipFill>
+        <p:spPr>
+          <a:xfrm>
+            <a:off x="5920739" y="4418809"/>
+            <a:ext cx="175261" cy="175261"/>
+          </a:xfrm>
+          <a:prstGeom prst="rect">
+            <a:avLst/>
+          </a:prstGeom>
+        </p:spPr>
+      </p:pic>
+      <p:sp>
+        <p:nvSpPr>
+          <p:cNvPr id="10" name="TextBox 9">
+            <a:extLst>
+              <a:ext uri="{FF2B5EF4-FFF2-40B4-BE49-F238E27FC236}">
+                <a16:creationId xmlns:a16="http://schemas.microsoft.com/office/drawing/2014/main" id="{2F216A21-896B-4E78-97E0-9B5084F6A282}"/>
+              </a:ext>
+            </a:extLst>
+          </p:cNvPr>
+          <p:cNvSpPr txBox="1"/>
+          <p:nvPr/>
+        </p:nvSpPr>
+        <p:spPr>
+          <a:xfrm>
+            <a:off x="6149691" y="4418809"/>
+            <a:ext cx="478980" cy="215444"/>
+          </a:xfrm>
+          <a:prstGeom prst="rect">
+            <a:avLst/>
+          </a:prstGeom>
+          <a:noFill/>
+        </p:spPr>
+        <p:txBody>
+          <a:bodyPr wrap="square" rtlCol="0">
+            <a:spAutoFit/>
+          </a:bodyPr>
+          <a:lstStyle/>
+          <a:p>
+            <a:r>
+              <a:rPr lang="en-US" sz="800" dirty="0"/>
+              <a:t>hello</a:t>
+            </a:r>
+          </a:p>
+        </p:txBody>
+      </p:sp>
+    </p:spTree>
+    <p:extLst>
+      <p:ext uri="{BB962C8B-B14F-4D97-AF65-F5344CB8AC3E}">
+        <p14:creationId xmlns:p14="http://schemas.microsoft.com/office/powerpoint/2010/main" val="2277105264"/>
+      </p:ext>
+    </p:extLst>
+  </p:cSld>
+  <p:clrMapOvr>
+    <a:masterClrMapping/>
+  </p:clrMapOvr>
+  <p:timing>
+    <p:tnLst>
+      <p:par>
+        <p:cTn id="1" dur="indefinite" restart="never" nodeType="tmRoot">
+          <p:childTnLst>
+            <p:seq concurrent="1" nextAc="seek">
+              <p:cTn id="2" dur="indefinite" nodeType="mainSeq">
+                <p:childTnLst>
+                  <p:par>
+                    <p:cTn id="3" fill="hold">
+                      <p:stCondLst>
+                        <p:cond delay="indefinite"/>
+                      </p:stCondLst>
+                      <p:childTnLst>
+                        <p:par>
+                          <p:cTn id="4" fill="hold">
+                            <p:stCondLst>
+                              <p:cond delay="0"/>
+                            </p:stCondLst>
+                            <p:childTnLst>
+                              <p:par>
+                                <p:cTn id="5" presetID="10" presetClass="entr" presetSubtype="0" fill="hold" grpId="0" nodeType="clickEffect">
+                                  <p:stCondLst>
+                                    <p:cond delay="0"/>
+                                  </p:stCondLst>
+                                  <p:childTnLst>
+                                    <p:set>
+                                      <p:cBhvr>
+                                        <p:cTn id="6" dur="1" fill="hold">
+                                          <p:stCondLst>
+                                            <p:cond delay="0"/>
+                                          </p:stCondLst>
+                                        </p:cTn>
+                                        <p:tgtEl>
+                                          <p:spTgt spid="11">
+                                            <p:txEl>
+                                              <p:pRg st="0" end="0"/>
+                                            </p:txEl>
+                                          </p:spTgt>
+                                        </p:tgtEl>
+                                        <p:attrNameLst>
+                                          <p:attrName>style.visibility</p:attrName>
+                                        </p:attrNameLst>
+                                      </p:cBhvr>
+                                      <p:to>
+                                        <p:strVal val="visible"/>
+                                      </p:to>
+                                    </p:set>
+                                    <p:animEffect transition="in" filter="fade">
+                                      <p:cBhvr>
+                                        <p:cTn id="7" dur="500"/>
+                                        <p:tgtEl>
+                                          <p:spTgt spid="11">
+                                            <p:txEl>
+                                              <p:pRg st="0" end="0"/>
+                                            </p:txEl>
+                                          </p:spTgt>
+                                        </p:tgtEl>
+                                      </p:cBhvr>
+                                    </p:animEffect>
+                                  </p:childTnLst>
+                                </p:cTn>
+                              </p:par>
+                              <p:par>
+                                <p:cTn id="8" presetID="2" presetClass="entr" presetSubtype="4" fill="hold" nodeType="withEffect">
+                                  <p:stCondLst>
+                                    <p:cond delay="0"/>
+                                  </p:stCondLst>
+                                  <p:childTnLst>
+                                    <p:set>
+                                      <p:cBhvr>
+                                        <p:cTn id="9" dur="1" fill="hold">
+                                          <p:stCondLst>
+                                            <p:cond delay="0"/>
+                                          </p:stCondLst>
+                                        </p:cTn>
+                                        <p:tgtEl>
+                                          <p:spTgt spid="17"/>
+                                        </p:tgtEl>
+                                        <p:attrNameLst>
+                                          <p:attrName>style.visibility</p:attrName>
+                                        </p:attrNameLst>
+                                      </p:cBhvr>
+                                      <p:to>
+                                        <p:strVal val="visible"/>
+                                      </p:to>
+                                    </p:set>
+                                    <p:anim calcmode="lin" valueType="num">
+                                      <p:cBhvr additive="base">
+                                        <p:cTn id="10" dur="1000" fill="hold"/>
+                                        <p:tgtEl>
+                                          <p:spTgt spid="17"/>
+                                        </p:tgtEl>
+                                        <p:attrNameLst>
+                                          <p:attrName>ppt_x</p:attrName>
+                                        </p:attrNameLst>
+                                      </p:cBhvr>
+                                      <p:tavLst>
+                                        <p:tav tm="0">
+                                          <p:val>
+                                            <p:strVal val="#ppt_x"/>
+                                          </p:val>
+                                        </p:tav>
+                                        <p:tav tm="100000">
+                                          <p:val>
+                                            <p:strVal val="#ppt_x"/>
+                                          </p:val>
+                                        </p:tav>
+                                      </p:tavLst>
+                                    </p:anim>
+                                    <p:anim calcmode="lin" valueType="num">
+                                      <p:cBhvr additive="base">
+                                        <p:cTn id="11" dur="1000" fill="hold"/>
+                                        <p:tgtEl>
+                                          <p:spTgt spid="17"/>
+                                        </p:tgtEl>
+                                        <p:attrNameLst>
+                                          <p:attrName>ppt_y</p:attrName>
+                                        </p:attrNameLst>
+                                      </p:cBhvr>
+                                      <p:tavLst>
+                                        <p:tav tm="0">
+                                          <p:val>
+                                            <p:strVal val="1+#ppt_h/2"/>
+                                          </p:val>
+                                        </p:tav>
+                                        <p:tav tm="100000">
+                                          <p:val>
+                                            <p:strVal val="#ppt_y"/>
+                                          </p:val>
+                                        </p:tav>
+                                      </p:tavLst>
+                                    </p:anim>
+                                  </p:childTnLst>
+                                </p:cTn>
+                              </p:par>
+                            </p:childTnLst>
+                          </p:cTn>
+                        </p:par>
+                      </p:childTnLst>
+                    </p:cTn>
+                  </p:par>
+                  <p:par>
+                    <p:cTn id="12" fill="hold">
+                      <p:stCondLst>
+                        <p:cond delay="indefinite"/>
+                      </p:stCondLst>
+                      <p:childTnLst>
+                        <p:par>
+                          <p:cTn id="13" fill="hold">
+                            <p:stCondLst>
+                              <p:cond delay="0"/>
+                            </p:stCondLst>
+                            <p:childTnLst>
+                              <p:par>
+                                <p:cTn id="14" presetID="10" presetClass="entr" presetSubtype="0" fill="hold" grpId="0" nodeType="clickEffect">
+                                  <p:stCondLst>
+                                    <p:cond delay="0"/>
+                                  </p:stCondLst>
+                                  <p:childTnLst>
+                                    <p:set>
+                                      <p:cBhvr>
+                                        <p:cTn id="15" dur="1" fill="hold">
+                                          <p:stCondLst>
+                                            <p:cond delay="0"/>
+                                          </p:stCondLst>
+                                        </p:cTn>
+                                        <p:tgtEl>
+                                          <p:spTgt spid="11">
+                                            <p:txEl>
+                                              <p:pRg st="1" end="1"/>
+                                            </p:txEl>
+                                          </p:spTgt>
+                                        </p:tgtEl>
+                                        <p:attrNameLst>
+                                          <p:attrName>style.visibility</p:attrName>
+                                        </p:attrNameLst>
+                                      </p:cBhvr>
+                                      <p:to>
+                                        <p:strVal val="visible"/>
+                                      </p:to>
+                                    </p:set>
+                                    <p:animEffect transition="in" filter="fade">
+                                      <p:cBhvr>
+                                        <p:cTn id="16" dur="500"/>
+                                        <p:tgtEl>
+                                          <p:spTgt spid="11">
+                                            <p:txEl>
+                                              <p:pRg st="1" end="1"/>
+                                            </p:txEl>
+                                          </p:spTgt>
+                                        </p:tgtEl>
+                                      </p:cBhvr>
+                                    </p:animEffect>
+                                  </p:childTnLst>
+                                </p:cTn>
+                              </p:par>
+                            </p:childTnLst>
+                          </p:cTn>
+                        </p:par>
+                      </p:childTnLst>
+                    </p:cTn>
+                  </p:par>
+                  <p:par>
+                    <p:cTn id="17" fill="hold">
+                      <p:stCondLst>
+                        <p:cond delay="indefinite"/>
+                      </p:stCondLst>
+                      <p:childTnLst>
+                        <p:par>
+                          <p:cTn id="18" fill="hold">
+                            <p:stCondLst>
+                              <p:cond delay="0"/>
+                            </p:stCondLst>
+                            <p:childTnLst>
+                              <p:par>
+                                <p:cTn id="19" presetID="10" presetClass="entr" presetSubtype="0" fill="hold" grpId="0" nodeType="clickEffect">
+                                  <p:stCondLst>
+                                    <p:cond delay="0"/>
+                                  </p:stCondLst>
+                                  <p:childTnLst>
+                                    <p:set>
+                                      <p:cBhvr>
+                                        <p:cTn id="20" dur="1" fill="hold">
+                                          <p:stCondLst>
+                                            <p:cond delay="0"/>
+                                          </p:stCondLst>
+                                        </p:cTn>
+                                        <p:tgtEl>
+                                          <p:spTgt spid="11">
+                                            <p:txEl>
+                                              <p:pRg st="2" end="2"/>
+                                            </p:txEl>
+                                          </p:spTgt>
+                                        </p:tgtEl>
+                                        <p:attrNameLst>
+                                          <p:attrName>style.visibility</p:attrName>
+                                        </p:attrNameLst>
+                                      </p:cBhvr>
+                                      <p:to>
+                                        <p:strVal val="visible"/>
+                                      </p:to>
+                                    </p:set>
+                                    <p:animEffect transition="in" filter="fade">
+                                      <p:cBhvr>
+                                        <p:cTn id="21" dur="500"/>
+                                        <p:tgtEl>
+                                          <p:spTgt spid="11">
+                                            <p:txEl>
+                                              <p:pRg st="2" end="2"/>
+                                            </p:txEl>
+                                          </p:spTgt>
+                                        </p:tgtEl>
+                                      </p:cBhvr>
+                                    </p:animEffect>
+                                  </p:childTnLst>
+                                </p:cTn>
+                              </p:par>
+                            </p:childTnLst>
+                          </p:cTn>
+                        </p:par>
+                      </p:childTnLst>
+                    </p:cTn>
+                  </p:par>
+                  <p:par>
+                    <p:cTn id="22" fill="hold">
+                      <p:stCondLst>
+                        <p:cond delay="indefinite"/>
+                      </p:stCondLst>
+                      <p:childTnLst>
+                        <p:par>
+                          <p:cTn id="23" fill="hold">
+                            <p:stCondLst>
+                              <p:cond delay="0"/>
+                            </p:stCondLst>
+                            <p:childTnLst>
+                              <p:par>
+                                <p:cTn id="24" presetID="10" presetClass="entr" presetSubtype="0" fill="hold" grpId="0" nodeType="clickEffect">
+                                  <p:stCondLst>
+                                    <p:cond delay="0"/>
+                                  </p:stCondLst>
+                                  <p:childTnLst>
+                                    <p:set>
+                                      <p:cBhvr>
+                                        <p:cTn id="25" dur="1" fill="hold">
+                                          <p:stCondLst>
+                                            <p:cond delay="0"/>
+                                          </p:stCondLst>
+                                        </p:cTn>
+                                        <p:tgtEl>
+                                          <p:spTgt spid="10"/>
+                                        </p:tgtEl>
+                                        <p:attrNameLst>
+                                          <p:attrName>style.visibility</p:attrName>
+                                        </p:attrNameLst>
+                                      </p:cBhvr>
+                                      <p:to>
+                                        <p:strVal val="visible"/>
+                                      </p:to>
+                                    </p:set>
+                                    <p:animEffect transition="in" filter="fade">
+                                      <p:cBhvr>
+                                        <p:cTn id="26" dur="500"/>
+                                        <p:tgtEl>
+                                          <p:spTgt spid="10"/>
+                                        </p:tgtEl>
+                                      </p:cBhvr>
+                                    </p:animEffect>
+                                  </p:childTnLst>
+                                </p:cTn>
+                              </p:par>
+                            </p:childTnLst>
+                          </p:cTn>
+                        </p:par>
+                      </p:childTnLst>
+                    </p:cTn>
+                  </p:par>
+                </p:childTnLst>
+              </p:cTn>
+              <p:prevCondLst>
+                <p:cond evt="onPrev" delay="0">
+                  <p:tgtEl>
+                    <p:sldTgt/>
+                  </p:tgtEl>
+                </p:cond>
+              </p:prevCondLst>
+              <p:nextCondLst>
+                <p:cond evt="onNext" delay="0">
+                  <p:tgtEl>
+                    <p:sldTgt/>
+                  </p:tgtEl>
+                </p:cond>
+              </p:nextCondLst>
+            </p:seq>
+          </p:childTnLst>
+        </p:cTn>
+      </p:par>
+    </p:tnLst>
+    <p:bldLst>
+      <p:bldP spid="11" grpId="0" uiExpand="1" build="p"/>
+      <p:bldP spid="10" grpId="0"/>
+    </p:bldLst>
+  </p:timing>
+</p:sld>
+</file>
+
+<file path=ppt/slides/slide13.xml><?xml version="1.0" encoding="utf-8"?>
+<p:sld xmlns:a="http://schemas.openxmlformats.org/drawingml/2006/main" xmlns:r="http://schemas.openxmlformats.org/officeDocument/2006/relationships" xmlns:p="http://schemas.openxmlformats.org/presentationml/2006/main">
+  <p:cSld>
+    <p:spTree>
+      <p:nvGrpSpPr>
+        <p:cNvPr id="1" name=""/>
+        <p:cNvGrpSpPr/>
+        <p:nvPr/>
+      </p:nvGrpSpPr>
+      <p:grpSpPr>
+        <a:xfrm>
+          <a:off x="0" y="0"/>
+          <a:ext cx="0" cy="0"/>
+          <a:chOff x="0" y="0"/>
+          <a:chExt cx="0" cy="0"/>
+        </a:xfrm>
+      </p:grpSpPr>
+      <p:sp>
+        <p:nvSpPr>
+          <p:cNvPr id="2" name="Title 1">
+            <a:extLst>
+              <a:ext uri="{FF2B5EF4-FFF2-40B4-BE49-F238E27FC236}">
+                <a16:creationId xmlns:a16="http://schemas.microsoft.com/office/drawing/2014/main" id="{767903C7-CFBB-401F-A773-F48543A62057}"/>
+              </a:ext>
+            </a:extLst>
+          </p:cNvPr>
+          <p:cNvSpPr>
+            <a:spLocks noGrp="1"/>
+          </p:cNvSpPr>
+          <p:nvPr>
+            <p:ph type="title"/>
+          </p:nvPr>
+        </p:nvSpPr>
+        <p:spPr/>
+        <p:txBody>
+          <a:bodyPr/>
+          <a:lstStyle/>
+          <a:p>
+            <a:r>
+              <a:rPr lang="en-US" dirty="0"/>
+              <a:t>Selecting multiple cells / range</a:t>
+            </a:r>
+          </a:p>
+        </p:txBody>
+      </p:sp>
+      <p:sp>
+        <p:nvSpPr>
+          <p:cNvPr id="11" name="Content Placeholder 2">
+            <a:extLst>
+              <a:ext uri="{FF2B5EF4-FFF2-40B4-BE49-F238E27FC236}">
+                <a16:creationId xmlns:a16="http://schemas.microsoft.com/office/drawing/2014/main" id="{28942560-B092-4487-BF6A-20897975FDF5}"/>
+              </a:ext>
+            </a:extLst>
+          </p:cNvPr>
+          <p:cNvSpPr>
+            <a:spLocks noGrp="1"/>
+          </p:cNvSpPr>
+          <p:nvPr>
+            <p:ph idx="1"/>
+          </p:nvPr>
+        </p:nvSpPr>
+        <p:spPr>
+          <a:xfrm>
+            <a:off x="581191" y="1920802"/>
+            <a:ext cx="2137071" cy="4618261"/>
+          </a:xfrm>
+        </p:spPr>
+        <p:txBody>
+          <a:bodyPr>
+            <a:normAutofit/>
+          </a:bodyPr>
+          <a:lstStyle/>
+          <a:p>
+            <a:r>
+              <a:rPr lang="en-US" dirty="0"/>
+              <a:t>To select multiple cells just click  and drag cursor</a:t>
+            </a:r>
+          </a:p>
+          <a:p>
+            <a:r>
+              <a:rPr lang="en-US" dirty="0"/>
+              <a:t>This is a </a:t>
+            </a:r>
+            <a:r>
+              <a:rPr lang="en-US" b="1" dirty="0"/>
+              <a:t>range </a:t>
+            </a:r>
+            <a:r>
+              <a:rPr lang="en-US" dirty="0"/>
+              <a:t>of cells</a:t>
+            </a:r>
+          </a:p>
+          <a:p>
+            <a:pPr marL="0" indent="0">
+              <a:buNone/>
+            </a:pPr>
+            <a:endParaRPr lang="en-US" dirty="0"/>
+          </a:p>
+        </p:txBody>
+      </p:sp>
+      <p:pic>
+        <p:nvPicPr>
+          <p:cNvPr id="12" name="Picture 11">
+            <a:extLst>
+              <a:ext uri="{FF2B5EF4-FFF2-40B4-BE49-F238E27FC236}">
+                <a16:creationId xmlns:a16="http://schemas.microsoft.com/office/drawing/2014/main" id="{03E5255B-98D0-4FD8-BB85-F2C7117C3109}"/>
+              </a:ext>
+            </a:extLst>
+          </p:cNvPr>
+          <p:cNvPicPr>
+            <a:picLocks noChangeAspect="1"/>
+          </p:cNvPicPr>
+          <p:nvPr/>
+        </p:nvPicPr>
+        <p:blipFill>
+          <a:blip r:embed="rId2"/>
+          <a:stretch>
+            <a:fillRect/>
+          </a:stretch>
+        </p:blipFill>
+        <p:spPr>
+          <a:xfrm>
+            <a:off x="2836182" y="1920799"/>
+            <a:ext cx="8608797" cy="4618261"/>
+          </a:xfrm>
+          <a:prstGeom prst="rect">
+            <a:avLst/>
+          </a:prstGeom>
+        </p:spPr>
+      </p:pic>
+      <p:pic>
+        <p:nvPicPr>
+          <p:cNvPr id="13" name="Picture 12" descr="A picture containing clock&#10;&#10;Description automatically generated">
+            <a:extLst>
+              <a:ext uri="{FF2B5EF4-FFF2-40B4-BE49-F238E27FC236}">
+                <a16:creationId xmlns:a16="http://schemas.microsoft.com/office/drawing/2014/main" id="{C3294FB2-8043-4904-92B5-A2632D8D5CA0}"/>
+              </a:ext>
+            </a:extLst>
+          </p:cNvPr>
+          <p:cNvPicPr>
+            <a:picLocks noChangeAspect="1"/>
+          </p:cNvPicPr>
+          <p:nvPr/>
+        </p:nvPicPr>
+        <p:blipFill>
+          <a:blip r:embed="rId3"/>
+          <a:stretch>
+            <a:fillRect/>
+          </a:stretch>
+        </p:blipFill>
+        <p:spPr>
+          <a:xfrm>
+            <a:off x="6204824" y="5510762"/>
+            <a:ext cx="175261" cy="175261"/>
+          </a:xfrm>
+          <a:prstGeom prst="rect">
+            <a:avLst/>
+          </a:prstGeom>
+        </p:spPr>
+      </p:pic>
+    </p:spTree>
+    <p:extLst>
+      <p:ext uri="{BB962C8B-B14F-4D97-AF65-F5344CB8AC3E}">
+        <p14:creationId xmlns:p14="http://schemas.microsoft.com/office/powerpoint/2010/main" val="1378183879"/>
+      </p:ext>
+    </p:extLst>
+  </p:cSld>
+  <p:clrMapOvr>
+    <a:masterClrMapping/>
+  </p:clrMapOvr>
+  <p:timing>
+    <p:tnLst>
+      <p:par>
+        <p:cTn id="1" dur="indefinite" restart="never" nodeType="tmRoot">
+          <p:childTnLst>
+            <p:seq concurrent="1" nextAc="seek">
+              <p:cTn id="2" dur="indefinite" nodeType="mainSeq">
+                <p:childTnLst>
+                  <p:par>
+                    <p:cTn id="3" fill="hold">
+                      <p:stCondLst>
+                        <p:cond delay="indefinite"/>
+                      </p:stCondLst>
+                      <p:childTnLst>
+                        <p:par>
+                          <p:cTn id="4" fill="hold">
+                            <p:stCondLst>
+                              <p:cond delay="0"/>
+                            </p:stCondLst>
+                            <p:childTnLst>
+                              <p:par>
+                                <p:cTn id="5" presetID="10" presetClass="entr" presetSubtype="0" fill="hold" grpId="0" nodeType="clickEffect">
+                                  <p:stCondLst>
+                                    <p:cond delay="0"/>
+                                  </p:stCondLst>
+                                  <p:childTnLst>
+                                    <p:set>
+                                      <p:cBhvr>
+                                        <p:cTn id="6" dur="1" fill="hold">
+                                          <p:stCondLst>
+                                            <p:cond delay="0"/>
+                                          </p:stCondLst>
+                                        </p:cTn>
+                                        <p:tgtEl>
+                                          <p:spTgt spid="11">
+                                            <p:txEl>
+                                              <p:pRg st="0" end="0"/>
+                                            </p:txEl>
+                                          </p:spTgt>
+                                        </p:tgtEl>
+                                        <p:attrNameLst>
+                                          <p:attrName>style.visibility</p:attrName>
+                                        </p:attrNameLst>
+                                      </p:cBhvr>
+                                      <p:to>
+                                        <p:strVal val="visible"/>
+                                      </p:to>
+                                    </p:set>
+                                    <p:animEffect transition="in" filter="fade">
+                                      <p:cBhvr>
+                                        <p:cTn id="7" dur="500"/>
+                                        <p:tgtEl>
+                                          <p:spTgt spid="11">
+                                            <p:txEl>
+                                              <p:pRg st="0" end="0"/>
+                                            </p:txEl>
+                                          </p:spTgt>
+                                        </p:tgtEl>
+                                      </p:cBhvr>
+                                    </p:animEffect>
+                                  </p:childTnLst>
+                                </p:cTn>
+                              </p:par>
+                            </p:childTnLst>
+                          </p:cTn>
+                        </p:par>
+                      </p:childTnLst>
+                    </p:cTn>
+                  </p:par>
+                  <p:par>
+                    <p:cTn id="8" fill="hold">
+                      <p:stCondLst>
+                        <p:cond delay="indefinite"/>
+                      </p:stCondLst>
+                      <p:childTnLst>
+                        <p:par>
+                          <p:cTn id="9" fill="hold">
+                            <p:stCondLst>
+                              <p:cond delay="0"/>
+                            </p:stCondLst>
+                            <p:childTnLst>
+                              <p:par>
+                                <p:cTn id="10" presetID="10" presetClass="entr" presetSubtype="0" fill="hold" grpId="0" nodeType="clickEffect">
+                                  <p:stCondLst>
+                                    <p:cond delay="0"/>
+                                  </p:stCondLst>
+                                  <p:childTnLst>
+                                    <p:set>
+                                      <p:cBhvr>
+                                        <p:cTn id="11" dur="1" fill="hold">
+                                          <p:stCondLst>
+                                            <p:cond delay="0"/>
+                                          </p:stCondLst>
+                                        </p:cTn>
+                                        <p:tgtEl>
+                                          <p:spTgt spid="11">
+                                            <p:txEl>
+                                              <p:pRg st="1" end="1"/>
+                                            </p:txEl>
+                                          </p:spTgt>
+                                        </p:tgtEl>
+                                        <p:attrNameLst>
+                                          <p:attrName>style.visibility</p:attrName>
+                                        </p:attrNameLst>
+                                      </p:cBhvr>
+                                      <p:to>
+                                        <p:strVal val="visible"/>
+                                      </p:to>
+                                    </p:set>
+                                    <p:animEffect transition="in" filter="fade">
+                                      <p:cBhvr>
+                                        <p:cTn id="12" dur="500"/>
+                                        <p:tgtEl>
+                                          <p:spTgt spid="11">
+                                            <p:txEl>
+                                              <p:pRg st="1" end="1"/>
+                                            </p:txEl>
+                                          </p:spTgt>
+                                        </p:tgtEl>
+                                      </p:cBhvr>
+                                    </p:animEffect>
+                                  </p:childTnLst>
+                                </p:cTn>
+                              </p:par>
+                            </p:childTnLst>
+                          </p:cTn>
+                        </p:par>
+                      </p:childTnLst>
+                    </p:cTn>
+                  </p:par>
+                </p:childTnLst>
+              </p:cTn>
+              <p:prevCondLst>
+                <p:cond evt="onPrev" delay="0">
+                  <p:tgtEl>
+                    <p:sldTgt/>
+                  </p:tgtEl>
+                </p:cond>
+              </p:prevCondLst>
+              <p:nextCondLst>
+                <p:cond evt="onNext" delay="0">
+                  <p:tgtEl>
+                    <p:sldTgt/>
+                  </p:tgtEl>
+                </p:cond>
+              </p:nextCondLst>
+            </p:seq>
+          </p:childTnLst>
+        </p:cTn>
+      </p:par>
+    </p:tnLst>
+    <p:bldLst>
+      <p:bldP spid="11" grpId="0" uiExpand="1" build="p"/>
+    </p:bldLst>
+  </p:timing>
+</p:sld>
+</file>
+
+<file path=ppt/slides/slide14.xml><?xml version="1.0" encoding="utf-8"?>
+<p:sld xmlns:a="http://schemas.openxmlformats.org/drawingml/2006/main" xmlns:r="http://schemas.openxmlformats.org/officeDocument/2006/relationships" xmlns:p="http://schemas.openxmlformats.org/presentationml/2006/main">
+  <p:cSld>
+    <p:spTree>
+      <p:nvGrpSpPr>
+        <p:cNvPr id="1" name=""/>
+        <p:cNvGrpSpPr/>
+        <p:nvPr/>
+      </p:nvGrpSpPr>
+      <p:grpSpPr>
+        <a:xfrm>
+          <a:off x="0" y="0"/>
+          <a:ext cx="0" cy="0"/>
+          <a:chOff x="0" y="0"/>
+          <a:chExt cx="0" cy="0"/>
+        </a:xfrm>
+      </p:grpSpPr>
+      <p:sp>
+        <p:nvSpPr>
+          <p:cNvPr id="2" name="Title 1">
+            <a:extLst>
+              <a:ext uri="{FF2B5EF4-FFF2-40B4-BE49-F238E27FC236}">
+                <a16:creationId xmlns:a16="http://schemas.microsoft.com/office/drawing/2014/main" id="{767903C7-CFBB-401F-A773-F48543A62057}"/>
+              </a:ext>
+            </a:extLst>
+          </p:cNvPr>
+          <p:cNvSpPr>
+            <a:spLocks noGrp="1"/>
+          </p:cNvSpPr>
+          <p:nvPr>
+            <p:ph type="title"/>
+          </p:nvPr>
+        </p:nvSpPr>
+        <p:spPr/>
+        <p:txBody>
+          <a:bodyPr/>
+          <a:lstStyle/>
+          <a:p>
+            <a:r>
+              <a:rPr lang="en-US" dirty="0"/>
+              <a:t>Naming a range</a:t>
+            </a:r>
+          </a:p>
+        </p:txBody>
+      </p:sp>
+      <p:sp>
+        <p:nvSpPr>
+          <p:cNvPr id="11" name="Content Placeholder 2">
+            <a:extLst>
+              <a:ext uri="{FF2B5EF4-FFF2-40B4-BE49-F238E27FC236}">
+                <a16:creationId xmlns:a16="http://schemas.microsoft.com/office/drawing/2014/main" id="{28942560-B092-4487-BF6A-20897975FDF5}"/>
+              </a:ext>
+            </a:extLst>
+          </p:cNvPr>
+          <p:cNvSpPr>
+            <a:spLocks noGrp="1"/>
+          </p:cNvSpPr>
+          <p:nvPr>
+            <p:ph idx="1"/>
+          </p:nvPr>
+        </p:nvSpPr>
+        <p:spPr>
+          <a:xfrm>
+            <a:off x="581191" y="1920802"/>
+            <a:ext cx="2137071" cy="4618261"/>
+          </a:xfrm>
+        </p:spPr>
+        <p:txBody>
+          <a:bodyPr>
+            <a:normAutofit/>
+          </a:bodyPr>
+          <a:lstStyle/>
+          <a:p>
+            <a:r>
+              <a:rPr lang="en-US" dirty="0"/>
+              <a:t>Find the name of the top left cell in the range (B2)</a:t>
+            </a:r>
+          </a:p>
+          <a:p>
+            <a:r>
+              <a:rPr lang="en-US" dirty="0"/>
+              <a:t>Find the name of the bottom right cell in the range (I22)</a:t>
+            </a:r>
+          </a:p>
+          <a:p>
+            <a:r>
+              <a:rPr lang="en-US" dirty="0"/>
+              <a:t>The name of the range is ‘B2:I22’</a:t>
+            </a:r>
+          </a:p>
+          <a:p>
+            <a:r>
+              <a:rPr lang="en-US" dirty="0"/>
+              <a:t>Read out loud as B2 through I22</a:t>
+            </a:r>
+          </a:p>
+          <a:p>
+            <a:pPr marL="0" indent="0">
+              <a:buNone/>
+            </a:pPr>
+            <a:endParaRPr lang="en-US" dirty="0"/>
+          </a:p>
+        </p:txBody>
+      </p:sp>
+      <p:pic>
+        <p:nvPicPr>
+          <p:cNvPr id="12" name="Picture 11">
+            <a:extLst>
+              <a:ext uri="{FF2B5EF4-FFF2-40B4-BE49-F238E27FC236}">
+                <a16:creationId xmlns:a16="http://schemas.microsoft.com/office/drawing/2014/main" id="{03E5255B-98D0-4FD8-BB85-F2C7117C3109}"/>
+              </a:ext>
+            </a:extLst>
+          </p:cNvPr>
+          <p:cNvPicPr>
+            <a:picLocks noChangeAspect="1"/>
+          </p:cNvPicPr>
+          <p:nvPr/>
+        </p:nvPicPr>
+        <p:blipFill>
+          <a:blip r:embed="rId2"/>
+          <a:stretch>
+            <a:fillRect/>
+          </a:stretch>
+        </p:blipFill>
+        <p:spPr>
+          <a:xfrm>
+            <a:off x="2836182" y="1920799"/>
+            <a:ext cx="8608797" cy="4618261"/>
+          </a:xfrm>
+          <a:prstGeom prst="rect">
+            <a:avLst/>
+          </a:prstGeom>
+        </p:spPr>
+      </p:pic>
+      <p:pic>
+        <p:nvPicPr>
+          <p:cNvPr id="13" name="Picture 12" descr="A picture containing clock&#10;&#10;Description automatically generated">
+            <a:extLst>
+              <a:ext uri="{FF2B5EF4-FFF2-40B4-BE49-F238E27FC236}">
+                <a16:creationId xmlns:a16="http://schemas.microsoft.com/office/drawing/2014/main" id="{C3294FB2-8043-4904-92B5-A2632D8D5CA0}"/>
+              </a:ext>
+            </a:extLst>
+          </p:cNvPr>
+          <p:cNvPicPr>
+            <a:picLocks noChangeAspect="1"/>
+          </p:cNvPicPr>
+          <p:nvPr/>
+        </p:nvPicPr>
+        <p:blipFill>
+          <a:blip r:embed="rId3"/>
+          <a:stretch>
+            <a:fillRect/>
+          </a:stretch>
+        </p:blipFill>
+        <p:spPr>
+          <a:xfrm>
+            <a:off x="6204824" y="5510762"/>
+            <a:ext cx="175261" cy="175261"/>
+          </a:xfrm>
+          <a:prstGeom prst="rect">
+            <a:avLst/>
+          </a:prstGeom>
+        </p:spPr>
+      </p:pic>
+      <p:sp>
+        <p:nvSpPr>
+          <p:cNvPr id="6" name="Rectangle 5">
+            <a:extLst>
+              <a:ext uri="{FF2B5EF4-FFF2-40B4-BE49-F238E27FC236}">
+                <a16:creationId xmlns:a16="http://schemas.microsoft.com/office/drawing/2014/main" id="{0821F6E8-FB51-46F5-8883-836815853DEE}"/>
+              </a:ext>
+            </a:extLst>
+          </p:cNvPr>
+          <p:cNvSpPr/>
+          <p:nvPr/>
+        </p:nvSpPr>
+        <p:spPr>
+          <a:xfrm>
+            <a:off x="3350895" y="3274695"/>
+            <a:ext cx="350519" cy="106680"/>
+          </a:xfrm>
+          <a:prstGeom prst="rect">
+            <a:avLst/>
+          </a:prstGeom>
+          <a:solidFill>
+            <a:srgbClr val="FFFF00">
+              <a:alpha val="80000"/>
+            </a:srgbClr>
+          </a:solidFill>
+          <a:ln>
+            <a:noFill/>
+          </a:ln>
+        </p:spPr>
+        <p:style>
+          <a:lnRef idx="2">
+            <a:schemeClr val="accent1">
+              <a:shade val="50000"/>
+            </a:schemeClr>
+          </a:lnRef>
+          <a:fillRef idx="1">
+            <a:schemeClr val="accent1"/>
+          </a:fillRef>
+          <a:effectRef idx="0">
+            <a:schemeClr val="accent1"/>
+          </a:effectRef>
+          <a:fontRef idx="minor">
+            <a:schemeClr val="lt1"/>
+          </a:fontRef>
+        </p:style>
+        <p:txBody>
+          <a:bodyPr rtlCol="0" anchor="ctr"/>
+          <a:lstStyle/>
+          <a:p>
+            <a:pPr algn="ctr"/>
+            <a:endParaRPr lang="en-US"/>
+          </a:p>
+        </p:txBody>
+      </p:sp>
+      <p:sp>
+        <p:nvSpPr>
+          <p:cNvPr id="7" name="Rectangle 6">
+            <a:extLst>
+              <a:ext uri="{FF2B5EF4-FFF2-40B4-BE49-F238E27FC236}">
+                <a16:creationId xmlns:a16="http://schemas.microsoft.com/office/drawing/2014/main" id="{BE985247-7A1C-4BDA-BB52-D040B4902C77}"/>
+              </a:ext>
+            </a:extLst>
+          </p:cNvPr>
+          <p:cNvSpPr/>
+          <p:nvPr/>
+        </p:nvSpPr>
+        <p:spPr>
+          <a:xfrm>
+            <a:off x="5854305" y="5427499"/>
+            <a:ext cx="350519" cy="106680"/>
+          </a:xfrm>
+          <a:prstGeom prst="rect">
+            <a:avLst/>
+          </a:prstGeom>
+          <a:solidFill>
+            <a:srgbClr val="FFFF00">
+              <a:alpha val="80000"/>
+            </a:srgbClr>
+          </a:solidFill>
+          <a:ln>
+            <a:noFill/>
+          </a:ln>
+        </p:spPr>
+        <p:style>
+          <a:lnRef idx="2">
+            <a:schemeClr val="accent1">
+              <a:shade val="50000"/>
+            </a:schemeClr>
+          </a:lnRef>
+          <a:fillRef idx="1">
+            <a:schemeClr val="accent1"/>
+          </a:fillRef>
+          <a:effectRef idx="0">
+            <a:schemeClr val="accent1"/>
+          </a:effectRef>
+          <a:fontRef idx="minor">
+            <a:schemeClr val="lt1"/>
+          </a:fontRef>
+        </p:style>
+        <p:txBody>
+          <a:bodyPr rtlCol="0" anchor="ctr"/>
+          <a:lstStyle/>
+          <a:p>
+            <a:pPr algn="ctr"/>
+            <a:endParaRPr lang="en-US"/>
+          </a:p>
+        </p:txBody>
+      </p:sp>
+    </p:spTree>
+    <p:extLst>
+      <p:ext uri="{BB962C8B-B14F-4D97-AF65-F5344CB8AC3E}">
+        <p14:creationId xmlns:p14="http://schemas.microsoft.com/office/powerpoint/2010/main" val="367981785"/>
+      </p:ext>
+    </p:extLst>
+  </p:cSld>
+  <p:clrMapOvr>
+    <a:masterClrMapping/>
+  </p:clrMapOvr>
+  <p:timing>
+    <p:tnLst>
+      <p:par>
+        <p:cTn id="1" dur="indefinite" restart="never" nodeType="tmRoot">
+          <p:childTnLst>
+            <p:seq concurrent="1" nextAc="seek">
+              <p:cTn id="2" dur="indefinite" nodeType="mainSeq">
+                <p:childTnLst>
+                  <p:par>
+                    <p:cTn id="3" fill="hold">
+                      <p:stCondLst>
+                        <p:cond delay="indefinite"/>
+                      </p:stCondLst>
+                      <p:childTnLst>
+                        <p:par>
+                          <p:cTn id="4" fill="hold">
+                            <p:stCondLst>
+                              <p:cond delay="0"/>
+                            </p:stCondLst>
+                            <p:childTnLst>
+                              <p:par>
+                                <p:cTn id="5" presetID="10" presetClass="entr" presetSubtype="0" fill="hold" grpId="0" nodeType="clickEffect">
+                                  <p:stCondLst>
+                                    <p:cond delay="0"/>
+                                  </p:stCondLst>
+                                  <p:childTnLst>
+                                    <p:set>
+                                      <p:cBhvr>
+                                        <p:cTn id="6" dur="1" fill="hold">
+                                          <p:stCondLst>
+                                            <p:cond delay="0"/>
+                                          </p:stCondLst>
+                                        </p:cTn>
+                                        <p:tgtEl>
+                                          <p:spTgt spid="11">
+                                            <p:txEl>
+                                              <p:pRg st="0" end="0"/>
+                                            </p:txEl>
+                                          </p:spTgt>
+                                        </p:tgtEl>
+                                        <p:attrNameLst>
+                                          <p:attrName>style.visibility</p:attrName>
+                                        </p:attrNameLst>
+                                      </p:cBhvr>
+                                      <p:to>
+                                        <p:strVal val="visible"/>
+                                      </p:to>
+                                    </p:set>
+                                    <p:animEffect transition="in" filter="fade">
+                                      <p:cBhvr>
+                                        <p:cTn id="7" dur="500"/>
+                                        <p:tgtEl>
+                                          <p:spTgt spid="11">
+                                            <p:txEl>
+                                              <p:pRg st="0" end="0"/>
+                                            </p:txEl>
+                                          </p:spTgt>
+                                        </p:tgtEl>
+                                      </p:cBhvr>
+                                    </p:animEffect>
+                                  </p:childTnLst>
+                                </p:cTn>
+                              </p:par>
+                              <p:par>
+                                <p:cTn id="8" presetID="10" presetClass="entr" presetSubtype="0" fill="hold" grpId="0" nodeType="withEffect">
+                                  <p:stCondLst>
+                                    <p:cond delay="0"/>
+                                  </p:stCondLst>
+                                  <p:childTnLst>
+                                    <p:set>
+                                      <p:cBhvr>
+                                        <p:cTn id="9" dur="1" fill="hold">
+                                          <p:stCondLst>
+                                            <p:cond delay="0"/>
+                                          </p:stCondLst>
+                                        </p:cTn>
+                                        <p:tgtEl>
+                                          <p:spTgt spid="6"/>
+                                        </p:tgtEl>
+                                        <p:attrNameLst>
+                                          <p:attrName>style.visibility</p:attrName>
+                                        </p:attrNameLst>
+                                      </p:cBhvr>
+                                      <p:to>
+                                        <p:strVal val="visible"/>
+                                      </p:to>
+                                    </p:set>
+                                    <p:animEffect transition="in" filter="fade">
+                                      <p:cBhvr>
+                                        <p:cTn id="10" dur="500"/>
+                                        <p:tgtEl>
+                                          <p:spTgt spid="6"/>
+                                        </p:tgtEl>
+                                      </p:cBhvr>
+                                    </p:animEffect>
+                                  </p:childTnLst>
+                                </p:cTn>
+                              </p:par>
+                            </p:childTnLst>
+                          </p:cTn>
+                        </p:par>
+                      </p:childTnLst>
+                    </p:cTn>
+                  </p:par>
+                  <p:par>
+                    <p:cTn id="11" fill="hold">
+                      <p:stCondLst>
+                        <p:cond delay="indefinite"/>
+                      </p:stCondLst>
+                      <p:childTnLst>
+                        <p:par>
+                          <p:cTn id="12" fill="hold">
+                            <p:stCondLst>
+                              <p:cond delay="0"/>
+                            </p:stCondLst>
+                            <p:childTnLst>
+                              <p:par>
+                                <p:cTn id="13" presetID="10" presetClass="entr" presetSubtype="0" fill="hold" grpId="0" nodeType="clickEffect">
+                                  <p:stCondLst>
+                                    <p:cond delay="0"/>
+                                  </p:stCondLst>
+                                  <p:childTnLst>
+                                    <p:set>
+                                      <p:cBhvr>
+                                        <p:cTn id="14" dur="1" fill="hold">
+                                          <p:stCondLst>
+                                            <p:cond delay="0"/>
+                                          </p:stCondLst>
+                                        </p:cTn>
+                                        <p:tgtEl>
+                                          <p:spTgt spid="11">
+                                            <p:txEl>
+                                              <p:pRg st="1" end="1"/>
+                                            </p:txEl>
+                                          </p:spTgt>
+                                        </p:tgtEl>
+                                        <p:attrNameLst>
+                                          <p:attrName>style.visibility</p:attrName>
+                                        </p:attrNameLst>
+                                      </p:cBhvr>
+                                      <p:to>
+                                        <p:strVal val="visible"/>
+                                      </p:to>
+                                    </p:set>
+                                    <p:animEffect transition="in" filter="fade">
+                                      <p:cBhvr>
+                                        <p:cTn id="15" dur="500"/>
+                                        <p:tgtEl>
+                                          <p:spTgt spid="11">
+                                            <p:txEl>
+                                              <p:pRg st="1" end="1"/>
+                                            </p:txEl>
+                                          </p:spTgt>
+                                        </p:tgtEl>
+                                      </p:cBhvr>
+                                    </p:animEffect>
+                                  </p:childTnLst>
+                                </p:cTn>
+                              </p:par>
+                              <p:par>
+                                <p:cTn id="16" presetID="10" presetClass="entr" presetSubtype="0" fill="hold" grpId="0" nodeType="withEffect">
+                                  <p:stCondLst>
+                                    <p:cond delay="0"/>
+                                  </p:stCondLst>
+                                  <p:childTnLst>
+                                    <p:set>
+                                      <p:cBhvr>
+                                        <p:cTn id="17" dur="1" fill="hold">
+                                          <p:stCondLst>
+                                            <p:cond delay="0"/>
+                                          </p:stCondLst>
+                                        </p:cTn>
+                                        <p:tgtEl>
+                                          <p:spTgt spid="7"/>
+                                        </p:tgtEl>
+                                        <p:attrNameLst>
+                                          <p:attrName>style.visibility</p:attrName>
+                                        </p:attrNameLst>
+                                      </p:cBhvr>
+                                      <p:to>
+                                        <p:strVal val="visible"/>
+                                      </p:to>
+                                    </p:set>
+                                    <p:animEffect transition="in" filter="fade">
+                                      <p:cBhvr>
+                                        <p:cTn id="18" dur="500"/>
+                                        <p:tgtEl>
+                                          <p:spTgt spid="7"/>
+                                        </p:tgtEl>
+                                      </p:cBhvr>
+                                    </p:animEffect>
+                                  </p:childTnLst>
+                                </p:cTn>
+                              </p:par>
+                            </p:childTnLst>
+                          </p:cTn>
+                        </p:par>
+                      </p:childTnLst>
+                    </p:cTn>
+                  </p:par>
+                  <p:par>
+                    <p:cTn id="19" fill="hold">
+                      <p:stCondLst>
+                        <p:cond delay="indefinite"/>
+                      </p:stCondLst>
+                      <p:childTnLst>
+                        <p:par>
+                          <p:cTn id="20" fill="hold">
+                            <p:stCondLst>
+                              <p:cond delay="0"/>
+                            </p:stCondLst>
+                            <p:childTnLst>
+                              <p:par>
+                                <p:cTn id="21" presetID="10" presetClass="entr" presetSubtype="0" fill="hold" grpId="0" nodeType="clickEffect">
+                                  <p:stCondLst>
+                                    <p:cond delay="0"/>
+                                  </p:stCondLst>
+                                  <p:childTnLst>
+                                    <p:set>
+                                      <p:cBhvr>
+                                        <p:cTn id="22" dur="1" fill="hold">
+                                          <p:stCondLst>
+                                            <p:cond delay="0"/>
+                                          </p:stCondLst>
+                                        </p:cTn>
+                                        <p:tgtEl>
+                                          <p:spTgt spid="11">
+                                            <p:txEl>
+                                              <p:pRg st="2" end="2"/>
+                                            </p:txEl>
+                                          </p:spTgt>
+                                        </p:tgtEl>
+                                        <p:attrNameLst>
+                                          <p:attrName>style.visibility</p:attrName>
+                                        </p:attrNameLst>
+                                      </p:cBhvr>
+                                      <p:to>
+                                        <p:strVal val="visible"/>
+                                      </p:to>
+                                    </p:set>
+                                    <p:animEffect transition="in" filter="fade">
+                                      <p:cBhvr>
+                                        <p:cTn id="23" dur="500"/>
+                                        <p:tgtEl>
+                                          <p:spTgt spid="11">
+                                            <p:txEl>
+                                              <p:pRg st="2" end="2"/>
+                                            </p:txEl>
+                                          </p:spTgt>
+                                        </p:tgtEl>
+                                      </p:cBhvr>
+                                    </p:animEffect>
+                                  </p:childTnLst>
+                                </p:cTn>
+                              </p:par>
+                            </p:childTnLst>
+                          </p:cTn>
+                        </p:par>
+                      </p:childTnLst>
+                    </p:cTn>
+                  </p:par>
+                  <p:par>
+                    <p:cTn id="24" fill="hold">
+                      <p:stCondLst>
+                        <p:cond delay="indefinite"/>
+                      </p:stCondLst>
+                      <p:childTnLst>
+                        <p:par>
+                          <p:cTn id="25" fill="hold">
+                            <p:stCondLst>
+                              <p:cond delay="0"/>
+                            </p:stCondLst>
+                            <p:childTnLst>
+                              <p:par>
+                                <p:cTn id="26" presetID="10" presetClass="entr" presetSubtype="0" fill="hold" grpId="0" nodeType="clickEffect">
+                                  <p:stCondLst>
+                                    <p:cond delay="0"/>
+                                  </p:stCondLst>
+                                  <p:childTnLst>
+                                    <p:set>
+                                      <p:cBhvr>
+                                        <p:cTn id="27" dur="1" fill="hold">
+                                          <p:stCondLst>
+                                            <p:cond delay="0"/>
+                                          </p:stCondLst>
+                                        </p:cTn>
+                                        <p:tgtEl>
+                                          <p:spTgt spid="11">
+                                            <p:txEl>
+                                              <p:pRg st="3" end="3"/>
+                                            </p:txEl>
+                                          </p:spTgt>
+                                        </p:tgtEl>
+                                        <p:attrNameLst>
+                                          <p:attrName>style.visibility</p:attrName>
+                                        </p:attrNameLst>
+                                      </p:cBhvr>
+                                      <p:to>
+                                        <p:strVal val="visible"/>
+                                      </p:to>
+                                    </p:set>
+                                    <p:animEffect transition="in" filter="fade">
+                                      <p:cBhvr>
+                                        <p:cTn id="28" dur="500"/>
+                                        <p:tgtEl>
+                                          <p:spTgt spid="11">
+                                            <p:txEl>
+                                              <p:pRg st="3" end="3"/>
+                                            </p:txEl>
+                                          </p:spTgt>
+                                        </p:tgtEl>
+                                      </p:cBhvr>
+                                    </p:animEffect>
+                                  </p:childTnLst>
+                                </p:cTn>
+                              </p:par>
+                            </p:childTnLst>
+                          </p:cTn>
+                        </p:par>
+                      </p:childTnLst>
+                    </p:cTn>
+                  </p:par>
+                </p:childTnLst>
+              </p:cTn>
+              <p:prevCondLst>
+                <p:cond evt="onPrev" delay="0">
+                  <p:tgtEl>
+                    <p:sldTgt/>
+                  </p:tgtEl>
+                </p:cond>
+              </p:prevCondLst>
+              <p:nextCondLst>
+                <p:cond evt="onNext" delay="0">
+                  <p:tgtEl>
+                    <p:sldTgt/>
+                  </p:tgtEl>
+                </p:cond>
+              </p:nextCondLst>
+            </p:seq>
+          </p:childTnLst>
+        </p:cTn>
+      </p:par>
+    </p:tnLst>
+    <p:bldLst>
+      <p:bldP spid="11" grpId="0" uiExpand="1" build="p"/>
+      <p:bldP spid="6" grpId="0" animBg="1"/>
+      <p:bldP spid="7" grpId="0" animBg="1"/>
+    </p:bldLst>
+  </p:timing>
+</p:sld>
+</file>
+
+<file path=ppt/slides/slide15.xml><?xml version="1.0" encoding="utf-8"?>
+<p:sld xmlns:a="http://schemas.openxmlformats.org/drawingml/2006/main" xmlns:r="http://schemas.openxmlformats.org/officeDocument/2006/relationships" xmlns:p="http://schemas.openxmlformats.org/presentationml/2006/main">
+  <p:cSld>
+    <p:spTree>
+      <p:nvGrpSpPr>
+        <p:cNvPr id="1" name=""/>
+        <p:cNvGrpSpPr/>
+        <p:nvPr/>
+      </p:nvGrpSpPr>
+      <p:grpSpPr>
+        <a:xfrm>
+          <a:off x="0" y="0"/>
+          <a:ext cx="0" cy="0"/>
+          <a:chOff x="0" y="0"/>
+          <a:chExt cx="0" cy="0"/>
+        </a:xfrm>
+      </p:grpSpPr>
+      <p:sp>
+        <p:nvSpPr>
+          <p:cNvPr id="2" name="Title 1">
+            <a:extLst>
+              <a:ext uri="{FF2B5EF4-FFF2-40B4-BE49-F238E27FC236}">
+                <a16:creationId xmlns:a16="http://schemas.microsoft.com/office/drawing/2014/main" id="{3A7FE848-774D-40AD-BF51-C70EF4F6FE5D}"/>
+              </a:ext>
+            </a:extLst>
+          </p:cNvPr>
+          <p:cNvSpPr>
+            <a:spLocks noGrp="1"/>
+          </p:cNvSpPr>
+          <p:nvPr>
+            <p:ph type="title"/>
+          </p:nvPr>
+        </p:nvSpPr>
+        <p:spPr/>
+        <p:txBody>
+          <a:bodyPr/>
+          <a:lstStyle/>
+          <a:p>
+            <a:r>
+              <a:rPr lang="en-US" dirty="0"/>
+              <a:t>Make a spreadsheet</a:t>
+            </a:r>
+          </a:p>
+        </p:txBody>
+      </p:sp>
+      <p:sp>
+        <p:nvSpPr>
+          <p:cNvPr id="3" name="Content Placeholder 2">
+            <a:extLst>
+              <a:ext uri="{FF2B5EF4-FFF2-40B4-BE49-F238E27FC236}">
+                <a16:creationId xmlns:a16="http://schemas.microsoft.com/office/drawing/2014/main" id="{BC3DD1B6-5F4C-4CA2-8921-17E91F99D941}"/>
+              </a:ext>
+            </a:extLst>
+          </p:cNvPr>
+          <p:cNvSpPr>
+            <a:spLocks noGrp="1"/>
+          </p:cNvSpPr>
+          <p:nvPr>
+            <p:ph idx="1"/>
+          </p:nvPr>
+        </p:nvSpPr>
+        <p:spPr/>
+        <p:txBody>
+          <a:bodyPr/>
+          <a:lstStyle/>
+          <a:p>
+            <a:endParaRPr lang="en-US"/>
+          </a:p>
+        </p:txBody>
+      </p:sp>
+    </p:spTree>
+    <p:extLst>
+      <p:ext uri="{BB962C8B-B14F-4D97-AF65-F5344CB8AC3E}">
+        <p14:creationId xmlns:p14="http://schemas.microsoft.com/office/powerpoint/2010/main" val="2463615091"/>
+      </p:ext>
+    </p:extLst>
+  </p:cSld>
+  <p:clrMapOvr>
+    <a:masterClrMapping/>
+  </p:clrMapOvr>
+</p:sld>
+</file>
+
+<file path=ppt/slides/slide16.xml><?xml version="1.0" encoding="utf-8"?>
+<p:sld xmlns:a="http://schemas.openxmlformats.org/drawingml/2006/main" xmlns:r="http://schemas.openxmlformats.org/officeDocument/2006/relationships" xmlns:p="http://schemas.openxmlformats.org/presentationml/2006/main">
+  <p:cSld>
+    <p:spTree>
+      <p:nvGrpSpPr>
+        <p:cNvPr id="1" name=""/>
+        <p:cNvGrpSpPr/>
+        <p:nvPr/>
+      </p:nvGrpSpPr>
+      <p:grpSpPr>
+        <a:xfrm>
+          <a:off x="0" y="0"/>
+          <a:ext cx="0" cy="0"/>
+          <a:chOff x="0" y="0"/>
+          <a:chExt cx="0" cy="0"/>
+        </a:xfrm>
+      </p:grpSpPr>
       <p:sp>
         <p:nvSpPr>
           <p:cNvPr id="2" name="Title 1">
@@ -6438,7 +9824,7 @@
 </p:sld>
 </file>
 
-<file path=ppt/slides/slide11.xml><?xml version="1.0" encoding="utf-8"?>
+<file path=ppt/slides/slide17.xml><?xml version="1.0" encoding="utf-8"?>
 <p:sld xmlns:a="http://schemas.openxmlformats.org/drawingml/2006/main" xmlns:r="http://schemas.openxmlformats.org/officeDocument/2006/relationships" xmlns:p="http://schemas.openxmlformats.org/presentationml/2006/main">
   <p:cSld>
     <p:spTree>
@@ -6559,6 +9945,14 @@
 <file path=ppt/slides/slide2.xml><?xml version="1.0" encoding="utf-8"?>
 <p:sld xmlns:a="http://schemas.openxmlformats.org/drawingml/2006/main" xmlns:r="http://schemas.openxmlformats.org/officeDocument/2006/relationships" xmlns:p="http://schemas.openxmlformats.org/presentationml/2006/main">
   <p:cSld>
+    <p:bg>
+      <p:bgPr>
+        <a:solidFill>
+          <a:schemeClr val="bg2"/>
+        </a:solidFill>
+        <a:effectLst/>
+      </p:bgPr>
+    </p:bg>
     <p:spTree>
       <p:nvGrpSpPr>
         <p:cNvPr id="1" name=""/>
@@ -6575,6 +9969,123 @@
       </p:grpSpPr>
       <p:sp>
         <p:nvSpPr>
+          <p:cNvPr id="71" name="Rectangle 70">
+            <a:extLst>
+              <a:ext uri="{FF2B5EF4-FFF2-40B4-BE49-F238E27FC236}">
+                <a16:creationId xmlns:a16="http://schemas.microsoft.com/office/drawing/2014/main" id="{1BB56EB9-078F-4952-AC1F-149C7A0AE4D5}"/>
+              </a:ext>
+              <a:ext uri="{C183D7F6-B498-43B3-948B-1728B52AA6E4}">
+                <adec:decorative xmlns:adec="http://schemas.microsoft.com/office/drawing/2017/decorative" val="1"/>
+              </a:ext>
+            </a:extLst>
+          </p:cNvPr>
+          <p:cNvSpPr>
+            <a:spLocks noGrp="1" noRot="1" noChangeAspect="1" noMove="1" noResize="1" noEditPoints="1" noAdjustHandles="1" noChangeArrowheads="1" noChangeShapeType="1" noTextEdit="1"/>
+          </p:cNvSpPr>
+          <p:nvPr>
+            <p:extLst>
+              <p:ext uri="{386F3935-93C4-4BCD-93E2-E3B085C9AB24}">
+                <p16:designElem xmlns:p16="http://schemas.microsoft.com/office/powerpoint/2015/main" val="1"/>
+              </p:ext>
+            </p:extLst>
+          </p:nvPr>
+        </p:nvSpPr>
+        <p:spPr>
+          <a:xfrm>
+            <a:off x="0" y="0"/>
+            <a:ext cx="12192000" cy="6858000"/>
+          </a:xfrm>
+          <a:prstGeom prst="rect">
+            <a:avLst/>
+          </a:prstGeom>
+          <a:solidFill>
+            <a:schemeClr val="tx1"/>
+          </a:solidFill>
+          <a:ln>
+            <a:noFill/>
+          </a:ln>
+        </p:spPr>
+        <p:style>
+          <a:lnRef idx="2">
+            <a:schemeClr val="accent1">
+              <a:shade val="50000"/>
+            </a:schemeClr>
+          </a:lnRef>
+          <a:fillRef idx="1">
+            <a:schemeClr val="accent1"/>
+          </a:fillRef>
+          <a:effectRef idx="0">
+            <a:schemeClr val="accent1"/>
+          </a:effectRef>
+          <a:fontRef idx="minor">
+            <a:schemeClr val="lt1"/>
+          </a:fontRef>
+        </p:style>
+        <p:txBody>
+          <a:bodyPr rtlCol="0" anchor="ctr"/>
+          <a:lstStyle/>
+          <a:p>
+            <a:pPr algn="ctr"/>
+            <a:endParaRPr lang="en-US"/>
+          </a:p>
+        </p:txBody>
+      </p:sp>
+      <p:sp>
+        <p:nvSpPr>
+          <p:cNvPr id="73" name="Rectangle 72">
+            <a:extLst>
+              <a:ext uri="{FF2B5EF4-FFF2-40B4-BE49-F238E27FC236}">
+                <a16:creationId xmlns:a16="http://schemas.microsoft.com/office/drawing/2014/main" id="{D3772EE4-ED5E-4D3A-A306-B22CF866786D}"/>
+              </a:ext>
+              <a:ext uri="{C183D7F6-B498-43B3-948B-1728B52AA6E4}">
+                <adec:decorative xmlns:adec="http://schemas.microsoft.com/office/drawing/2017/decorative" val="1"/>
+              </a:ext>
+            </a:extLst>
+          </p:cNvPr>
+          <p:cNvSpPr>
+            <a:spLocks noGrp="1" noRot="1" noChangeAspect="1" noMove="1" noResize="1" noEditPoints="1" noAdjustHandles="1" noChangeArrowheads="1" noChangeShapeType="1" noTextEdit="1"/>
+          </p:cNvSpPr>
+          <p:nvPr>
+            <p:extLst>
+              <p:ext uri="{386F3935-93C4-4BCD-93E2-E3B085C9AB24}">
+                <p16:designElem xmlns:p16="http://schemas.microsoft.com/office/powerpoint/2015/main" val="1"/>
+              </p:ext>
+            </p:extLst>
+          </p:nvPr>
+        </p:nvSpPr>
+        <p:spPr>
+          <a:xfrm>
+            <a:off x="446534" y="601200"/>
+            <a:ext cx="3703320" cy="5789365"/>
+          </a:xfrm>
+          <a:prstGeom prst="rect">
+            <a:avLst/>
+          </a:prstGeom>
+          <a:solidFill>
+            <a:srgbClr val="465359"/>
+          </a:solidFill>
+          <a:ln>
+            <a:noFill/>
+          </a:ln>
+          <a:effectLst/>
+        </p:spPr>
+        <p:style>
+          <a:lnRef idx="1">
+            <a:schemeClr val="accent1"/>
+          </a:lnRef>
+          <a:fillRef idx="3">
+            <a:schemeClr val="accent1"/>
+          </a:fillRef>
+          <a:effectRef idx="2">
+            <a:schemeClr val="accent1"/>
+          </a:effectRef>
+          <a:fontRef idx="minor">
+            <a:schemeClr val="lt1"/>
+          </a:fontRef>
+        </p:style>
+      </p:sp>
+      <p:sp>
+        <p:nvSpPr>
           <p:cNvPr id="2" name="Title 1">
             <a:extLst>
               <a:ext uri="{FF2B5EF4-FFF2-40B4-BE49-F238E27FC236}">
@@ -6589,17 +10100,197 @@
             <p:ph type="title"/>
           </p:nvPr>
         </p:nvSpPr>
-        <p:spPr/>
+        <p:spPr>
+          <a:xfrm>
+            <a:off x="672280" y="944752"/>
+            <a:ext cx="3259016" cy="1462692"/>
+          </a:xfrm>
+        </p:spPr>
+        <p:txBody>
+          <a:bodyPr>
+            <a:normAutofit/>
+          </a:bodyPr>
+          <a:lstStyle/>
+          <a:p>
+            <a:r>
+              <a:rPr lang="en-US" dirty="0">
+                <a:solidFill>
+                  <a:srgbClr val="FFFFFF"/>
+                </a:solidFill>
+              </a:rPr>
+              <a:t>outline</a:t>
+            </a:r>
+          </a:p>
+        </p:txBody>
+      </p:sp>
+      <p:sp>
+        <p:nvSpPr>
+          <p:cNvPr id="75" name="Rectangle 74">
+            <a:extLst>
+              <a:ext uri="{FF2B5EF4-FFF2-40B4-BE49-F238E27FC236}">
+                <a16:creationId xmlns:a16="http://schemas.microsoft.com/office/drawing/2014/main" id="{10058680-D07C-4893-B2B7-91543F18AB32}"/>
+              </a:ext>
+              <a:ext uri="{C183D7F6-B498-43B3-948B-1728B52AA6E4}">
+                <adec:decorative xmlns:adec="http://schemas.microsoft.com/office/drawing/2017/decorative" val="1"/>
+              </a:ext>
+            </a:extLst>
+          </p:cNvPr>
+          <p:cNvSpPr>
+            <a:spLocks noGrp="1" noRot="1" noChangeAspect="1" noMove="1" noResize="1" noEditPoints="1" noAdjustHandles="1" noChangeArrowheads="1" noChangeShapeType="1" noTextEdit="1"/>
+          </p:cNvSpPr>
+          <p:nvPr>
+            <p:extLst>
+              <p:ext uri="{386F3935-93C4-4BCD-93E2-E3B085C9AB24}">
+                <p16:designElem xmlns:p16="http://schemas.microsoft.com/office/powerpoint/2015/main" val="1"/>
+              </p:ext>
+            </p:extLst>
+          </p:nvPr>
+        </p:nvSpPr>
+        <p:spPr>
+          <a:xfrm>
+            <a:off x="446534" y="457200"/>
+            <a:ext cx="3703320" cy="94997"/>
+          </a:xfrm>
+          <a:prstGeom prst="rect">
+            <a:avLst/>
+          </a:prstGeom>
+          <a:solidFill>
+            <a:srgbClr val="465359"/>
+          </a:solidFill>
+          <a:ln>
+            <a:noFill/>
+          </a:ln>
+          <a:effectLst/>
+        </p:spPr>
+        <p:style>
+          <a:lnRef idx="1">
+            <a:schemeClr val="accent1"/>
+          </a:lnRef>
+          <a:fillRef idx="3">
+            <a:schemeClr val="accent1"/>
+          </a:fillRef>
+          <a:effectRef idx="2">
+            <a:schemeClr val="accent1"/>
+          </a:effectRef>
+          <a:fontRef idx="minor">
+            <a:schemeClr val="lt1"/>
+          </a:fontRef>
+        </p:style>
+      </p:sp>
+      <p:sp>
+        <p:nvSpPr>
+          <p:cNvPr id="77" name="Rectangle 76">
+            <a:extLst>
+              <a:ext uri="{FF2B5EF4-FFF2-40B4-BE49-F238E27FC236}">
+                <a16:creationId xmlns:a16="http://schemas.microsoft.com/office/drawing/2014/main" id="{7B42427A-0A1F-4A55-8705-D9179F1E0CFB}"/>
+              </a:ext>
+              <a:ext uri="{C183D7F6-B498-43B3-948B-1728B52AA6E4}">
+                <adec:decorative xmlns:adec="http://schemas.microsoft.com/office/drawing/2017/decorative" val="1"/>
+              </a:ext>
+            </a:extLst>
+          </p:cNvPr>
+          <p:cNvSpPr>
+            <a:spLocks noGrp="1" noRot="1" noChangeAspect="1" noMove="1" noResize="1" noEditPoints="1" noAdjustHandles="1" noChangeArrowheads="1" noChangeShapeType="1" noTextEdit="1"/>
+          </p:cNvSpPr>
+          <p:nvPr>
+            <p:extLst>
+              <p:ext uri="{386F3935-93C4-4BCD-93E2-E3B085C9AB24}">
+                <p16:designElem xmlns:p16="http://schemas.microsoft.com/office/powerpoint/2015/main" val="1"/>
+              </p:ext>
+            </p:extLst>
+          </p:nvPr>
+        </p:nvSpPr>
+        <p:spPr>
+          <a:xfrm>
+            <a:off x="4241830" y="457200"/>
+            <a:ext cx="3703320" cy="91440"/>
+          </a:xfrm>
+          <a:prstGeom prst="rect">
+            <a:avLst/>
+          </a:prstGeom>
+          <a:solidFill>
+            <a:schemeClr val="accent1"/>
+          </a:solidFill>
+          <a:ln>
+            <a:noFill/>
+          </a:ln>
+          <a:effectLst/>
+        </p:spPr>
+        <p:style>
+          <a:lnRef idx="1">
+            <a:schemeClr val="accent1"/>
+          </a:lnRef>
+          <a:fillRef idx="3">
+            <a:schemeClr val="accent1"/>
+          </a:fillRef>
+          <a:effectRef idx="2">
+            <a:schemeClr val="accent1"/>
+          </a:effectRef>
+          <a:fontRef idx="minor">
+            <a:schemeClr val="lt1"/>
+          </a:fontRef>
+        </p:style>
         <p:txBody>
           <a:bodyPr/>
           <a:lstStyle/>
           <a:p>
-            <a:r>
-              <a:rPr lang="en-US" dirty="0"/>
-              <a:t>outline</a:t>
-            </a:r>
+            <a:endParaRPr lang="en-US" dirty="0"/>
           </a:p>
         </p:txBody>
+      </p:sp>
+      <p:sp>
+        <p:nvSpPr>
+          <p:cNvPr id="79" name="Rectangle 78">
+            <a:extLst>
+              <a:ext uri="{FF2B5EF4-FFF2-40B4-BE49-F238E27FC236}">
+                <a16:creationId xmlns:a16="http://schemas.microsoft.com/office/drawing/2014/main" id="{EE54A6FE-D8CB-48A3-900B-053D4EBD3B85}"/>
+              </a:ext>
+              <a:ext uri="{C183D7F6-B498-43B3-948B-1728B52AA6E4}">
+                <adec:decorative xmlns:adec="http://schemas.microsoft.com/office/drawing/2017/decorative" val="1"/>
+              </a:ext>
+            </a:extLst>
+          </p:cNvPr>
+          <p:cNvSpPr>
+            <a:spLocks noGrp="1" noRot="1" noChangeAspect="1" noMove="1" noResize="1" noEditPoints="1" noAdjustHandles="1" noChangeArrowheads="1" noChangeShapeType="1" noTextEdit="1"/>
+          </p:cNvSpPr>
+          <p:nvPr>
+            <p:extLst>
+              <p:ext uri="{386F3935-93C4-4BCD-93E2-E3B085C9AB24}">
+                <p16:designElem xmlns:p16="http://schemas.microsoft.com/office/powerpoint/2015/main" val="1"/>
+              </p:ext>
+            </p:extLst>
+          </p:nvPr>
+        </p:nvSpPr>
+        <p:spPr>
+          <a:xfrm>
+            <a:off x="8042147" y="453643"/>
+            <a:ext cx="3703320" cy="98554"/>
+          </a:xfrm>
+          <a:prstGeom prst="rect">
+            <a:avLst/>
+          </a:prstGeom>
+          <a:solidFill>
+            <a:srgbClr val="969FA7"/>
+          </a:solidFill>
+          <a:ln>
+            <a:noFill/>
+          </a:ln>
+          <a:effectLst/>
+        </p:spPr>
+        <p:style>
+          <a:lnRef idx="1">
+            <a:schemeClr val="accent1"/>
+          </a:lnRef>
+          <a:fillRef idx="3">
+            <a:schemeClr val="accent1"/>
+          </a:fillRef>
+          <a:effectRef idx="2">
+            <a:schemeClr val="accent1"/>
+          </a:effectRef>
+          <a:fontRef idx="minor">
+            <a:schemeClr val="lt1"/>
+          </a:fontRef>
+        </p:style>
       </p:sp>
       <p:sp>
         <p:nvSpPr>
@@ -6617,81 +10308,83 @@
             <p:ph idx="1"/>
           </p:nvPr>
         </p:nvSpPr>
-        <p:spPr/>
+        <p:spPr>
+          <a:xfrm>
+            <a:off x="671513" y="2536031"/>
+            <a:ext cx="3123783" cy="3671936"/>
+          </a:xfrm>
+        </p:spPr>
         <p:txBody>
-          <a:bodyPr/>
+          <a:bodyPr anchor="t">
+            <a:normAutofit/>
+          </a:bodyPr>
           <a:lstStyle/>
           <a:p>
             <a:r>
-              <a:rPr lang="en-US" dirty="0"/>
-              <a:t>Introduction to the interface </a:t>
+              <a:rPr lang="en-US" dirty="0">
+                <a:solidFill>
+                  <a:srgbClr val="FFFFFF"/>
+                </a:solidFill>
+              </a:rPr>
+              <a:t>Getting Started</a:t>
             </a:r>
           </a:p>
           <a:p>
             <a:r>
-              <a:rPr lang="en-US" dirty="0" err="1"/>
+              <a:rPr lang="en-US" dirty="0">
+                <a:solidFill>
+                  <a:srgbClr val="FFFFFF"/>
+                </a:solidFill>
+              </a:rPr>
+              <a:t>The Interface</a:t>
+            </a:r>
+          </a:p>
+          <a:p>
+            <a:r>
+              <a:rPr lang="en-US" dirty="0">
+                <a:solidFill>
+                  <a:srgbClr val="FFFFFF"/>
+                </a:solidFill>
+              </a:rPr>
+              <a:t>Making a </a:t>
+            </a:r>
+            <a:r>
+              <a:rPr lang="en-US" dirty="0" err="1">
+                <a:solidFill>
+                  <a:srgbClr val="FFFFFF"/>
+                </a:solidFill>
+              </a:rPr>
+              <a:t>Spradsheet</a:t>
+            </a:r>
+            <a:endParaRPr lang="en-US" dirty="0">
+              <a:solidFill>
+                <a:srgbClr val="FFFFFF"/>
+              </a:solidFill>
+            </a:endParaRPr>
+          </a:p>
+          <a:p>
+            <a:r>
+              <a:rPr lang="en-US" dirty="0" err="1">
+                <a:solidFill>
+                  <a:srgbClr val="FFFFFF"/>
+                </a:solidFill>
+              </a:rPr>
               <a:t>Bla</a:t>
             </a:r>
-            <a:r>
-              <a:rPr lang="en-US" dirty="0"/>
-              <a:t> </a:t>
-            </a:r>
-          </a:p>
-          <a:p>
-            <a:r>
-              <a:rPr lang="en-US" dirty="0" err="1"/>
-              <a:t>Bla</a:t>
-            </a:r>
-            <a:r>
-              <a:rPr lang="en-US" dirty="0"/>
-              <a:t> </a:t>
-            </a:r>
-          </a:p>
-          <a:p>
-            <a:r>
-              <a:rPr lang="en-US" dirty="0" err="1"/>
-              <a:t>Bla</a:t>
-            </a:r>
-            <a:endParaRPr lang="en-US" dirty="0"/>
+            <a:endParaRPr lang="en-US" dirty="0">
+              <a:solidFill>
+                <a:srgbClr val="FFFFFF"/>
+              </a:solidFill>
+            </a:endParaRPr>
           </a:p>
         </p:txBody>
       </p:sp>
-    </p:spTree>
-    <p:extLst>
-      <p:ext uri="{BB962C8B-B14F-4D97-AF65-F5344CB8AC3E}">
-        <p14:creationId xmlns:p14="http://schemas.microsoft.com/office/powerpoint/2010/main" val="901851667"/>
-      </p:ext>
-    </p:extLst>
-  </p:cSld>
-  <p:clrMapOvr>
-    <a:masterClrMapping/>
-  </p:clrMapOvr>
-</p:sld>
-</file>
-
-<file path=ppt/slides/slide3.xml><?xml version="1.0" encoding="utf-8"?>
-<p:sld xmlns:a="http://schemas.openxmlformats.org/drawingml/2006/main" xmlns:r="http://schemas.openxmlformats.org/officeDocument/2006/relationships" xmlns:p="http://schemas.openxmlformats.org/presentationml/2006/main">
-  <p:cSld>
-    <p:spTree>
-      <p:nvGrpSpPr>
-        <p:cNvPr id="1" name=""/>
-        <p:cNvGrpSpPr/>
-        <p:nvPr/>
-      </p:nvGrpSpPr>
-      <p:grpSpPr>
-        <a:xfrm>
-          <a:off x="0" y="0"/>
-          <a:ext cx="0" cy="0"/>
-          <a:chOff x="0" y="0"/>
-          <a:chExt cx="0" cy="0"/>
-        </a:xfrm>
-      </p:grpSpPr>
       <p:pic>
         <p:nvPicPr>
-          <p:cNvPr id="1026" name="Picture 2">
+          <p:cNvPr id="2050" name="Picture 2" descr="Outlining-A-Novel">
             <a:extLst>
               <a:ext uri="{FF2B5EF4-FFF2-40B4-BE49-F238E27FC236}">
-                <a16:creationId xmlns:a16="http://schemas.microsoft.com/office/drawing/2014/main" id="{628A7BF1-9D85-4446-932F-DC3D05965E70}"/>
+                <a16:creationId xmlns:a16="http://schemas.microsoft.com/office/drawing/2014/main" id="{77AFD375-77D2-4AF9-815A-4118DD1D540A}"/>
               </a:ext>
             </a:extLst>
           </p:cNvPr>
@@ -6700,7 +10393,7 @@
           </p:cNvPicPr>
           <p:nvPr/>
         </p:nvPicPr>
-        <p:blipFill>
+        <p:blipFill rotWithShape="1">
           <a:blip r:embed="rId2">
             <a:extLst>
               <a:ext uri="{28A0092B-C50C-407E-A947-70E740481C1C}">
@@ -6708,15 +10401,13 @@
               </a:ext>
             </a:extLst>
           </a:blip>
-          <a:srcRect/>
-          <a:stretch>
-            <a:fillRect/>
-          </a:stretch>
+          <a:srcRect l="2122" r="6178" b="-1"/>
+          <a:stretch/>
         </p:blipFill>
         <p:spPr bwMode="auto">
           <a:xfrm>
-            <a:off x="0" y="0"/>
-            <a:ext cx="12191999" cy="6858000"/>
+            <a:off x="4241830" y="601200"/>
+            <a:ext cx="7503636" cy="5789365"/>
           </a:xfrm>
           <a:prstGeom prst="rect">
             <a:avLst/>
@@ -6733,128 +10424,454 @@
           </a:extLst>
         </p:spPr>
       </p:pic>
+    </p:spTree>
+    <p:extLst>
+      <p:ext uri="{BB962C8B-B14F-4D97-AF65-F5344CB8AC3E}">
+        <p14:creationId xmlns:p14="http://schemas.microsoft.com/office/powerpoint/2010/main" val="901851667"/>
+      </p:ext>
+    </p:extLst>
+  </p:cSld>
+  <p:clrMapOvr>
+    <a:overrideClrMapping bg1="dk1" tx1="lt1" bg2="dk2" tx2="lt2" accent1="accent1" accent2="accent2" accent3="accent3" accent4="accent4" accent5="accent5" accent6="accent6" hlink="hlink" folHlink="folHlink"/>
+  </p:clrMapOvr>
+</p:sld>
+</file>
+
+<file path=ppt/slides/slide3.xml><?xml version="1.0" encoding="utf-8"?>
+<p:sld xmlns:a="http://schemas.openxmlformats.org/drawingml/2006/main" xmlns:r="http://schemas.openxmlformats.org/officeDocument/2006/relationships" xmlns:p="http://schemas.openxmlformats.org/presentationml/2006/main">
+  <p:cSld>
+    <p:bg>
+      <p:bgPr>
+        <a:solidFill>
+          <a:schemeClr val="bg2"/>
+        </a:solidFill>
+        <a:effectLst/>
+      </p:bgPr>
+    </p:bg>
+    <p:spTree>
+      <p:nvGrpSpPr>
+        <p:cNvPr id="1" name=""/>
+        <p:cNvGrpSpPr/>
+        <p:nvPr/>
+      </p:nvGrpSpPr>
+      <p:grpSpPr>
+        <a:xfrm>
+          <a:off x="0" y="0"/>
+          <a:ext cx="0" cy="0"/>
+          <a:chOff x="0" y="0"/>
+          <a:chExt cx="0" cy="0"/>
+        </a:xfrm>
+      </p:grpSpPr>
+      <p:sp>
+        <p:nvSpPr>
+          <p:cNvPr id="81" name="Rectangle 80">
+            <a:extLst>
+              <a:ext uri="{FF2B5EF4-FFF2-40B4-BE49-F238E27FC236}">
+                <a16:creationId xmlns:a16="http://schemas.microsoft.com/office/drawing/2014/main" id="{1BB56EB9-078F-4952-AC1F-149C7A0AE4D5}"/>
+              </a:ext>
+              <a:ext uri="{C183D7F6-B498-43B3-948B-1728B52AA6E4}">
+                <adec:decorative xmlns:adec="http://schemas.microsoft.com/office/drawing/2017/decorative" val="1"/>
+              </a:ext>
+            </a:extLst>
+          </p:cNvPr>
+          <p:cNvSpPr>
+            <a:spLocks noGrp="1" noRot="1" noChangeAspect="1" noMove="1" noResize="1" noEditPoints="1" noAdjustHandles="1" noChangeArrowheads="1" noChangeShapeType="1" noTextEdit="1"/>
+          </p:cNvSpPr>
+          <p:nvPr>
+            <p:extLst>
+              <p:ext uri="{386F3935-93C4-4BCD-93E2-E3B085C9AB24}">
+                <p16:designElem xmlns:p16="http://schemas.microsoft.com/office/powerpoint/2015/main" val="1"/>
+              </p:ext>
+            </p:extLst>
+          </p:nvPr>
+        </p:nvSpPr>
+        <p:spPr>
+          <a:xfrm>
+            <a:off x="0" y="0"/>
+            <a:ext cx="12192000" cy="6858000"/>
+          </a:xfrm>
+          <a:prstGeom prst="rect">
+            <a:avLst/>
+          </a:prstGeom>
+          <a:solidFill>
+            <a:schemeClr val="tx1"/>
+          </a:solidFill>
+          <a:ln>
+            <a:noFill/>
+          </a:ln>
+        </p:spPr>
+        <p:style>
+          <a:lnRef idx="2">
+            <a:schemeClr val="accent1">
+              <a:shade val="50000"/>
+            </a:schemeClr>
+          </a:lnRef>
+          <a:fillRef idx="1">
+            <a:schemeClr val="accent1"/>
+          </a:fillRef>
+          <a:effectRef idx="0">
+            <a:schemeClr val="accent1"/>
+          </a:effectRef>
+          <a:fontRef idx="minor">
+            <a:schemeClr val="lt1"/>
+          </a:fontRef>
+        </p:style>
+        <p:txBody>
+          <a:bodyPr rtlCol="0" anchor="ctr"/>
+          <a:lstStyle/>
+          <a:p>
+            <a:pPr algn="ctr"/>
+            <a:endParaRPr lang="en-US"/>
+          </a:p>
+        </p:txBody>
+      </p:sp>
+      <p:sp>
+        <p:nvSpPr>
+          <p:cNvPr id="83" name="Rectangle 82">
+            <a:extLst>
+              <a:ext uri="{FF2B5EF4-FFF2-40B4-BE49-F238E27FC236}">
+                <a16:creationId xmlns:a16="http://schemas.microsoft.com/office/drawing/2014/main" id="{D3772EE4-ED5E-4D3A-A306-B22CF866786D}"/>
+              </a:ext>
+              <a:ext uri="{C183D7F6-B498-43B3-948B-1728B52AA6E4}">
+                <adec:decorative xmlns:adec="http://schemas.microsoft.com/office/drawing/2017/decorative" val="1"/>
+              </a:ext>
+            </a:extLst>
+          </p:cNvPr>
+          <p:cNvSpPr>
+            <a:spLocks noGrp="1" noRot="1" noChangeAspect="1" noMove="1" noResize="1" noEditPoints="1" noAdjustHandles="1" noChangeArrowheads="1" noChangeShapeType="1" noTextEdit="1"/>
+          </p:cNvSpPr>
+          <p:nvPr>
+            <p:extLst>
+              <p:ext uri="{386F3935-93C4-4BCD-93E2-E3B085C9AB24}">
+                <p16:designElem xmlns:p16="http://schemas.microsoft.com/office/powerpoint/2015/main" val="1"/>
+              </p:ext>
+            </p:extLst>
+          </p:nvPr>
+        </p:nvSpPr>
+        <p:spPr>
+          <a:xfrm>
+            <a:off x="446534" y="601200"/>
+            <a:ext cx="3703320" cy="5789365"/>
+          </a:xfrm>
+          <a:prstGeom prst="rect">
+            <a:avLst/>
+          </a:prstGeom>
+          <a:solidFill>
+            <a:srgbClr val="465359"/>
+          </a:solidFill>
+          <a:ln>
+            <a:noFill/>
+          </a:ln>
+          <a:effectLst/>
+        </p:spPr>
+        <p:style>
+          <a:lnRef idx="1">
+            <a:schemeClr val="accent1"/>
+          </a:lnRef>
+          <a:fillRef idx="3">
+            <a:schemeClr val="accent1"/>
+          </a:fillRef>
+          <a:effectRef idx="2">
+            <a:schemeClr val="accent1"/>
+          </a:effectRef>
+          <a:fontRef idx="minor">
+            <a:schemeClr val="lt1"/>
+          </a:fontRef>
+        </p:style>
+      </p:sp>
+      <p:sp>
+        <p:nvSpPr>
+          <p:cNvPr id="2" name="Title 1">
+            <a:extLst>
+              <a:ext uri="{FF2B5EF4-FFF2-40B4-BE49-F238E27FC236}">
+                <a16:creationId xmlns:a16="http://schemas.microsoft.com/office/drawing/2014/main" id="{492E7821-7673-4556-8124-DBC7EEED01B5}"/>
+              </a:ext>
+            </a:extLst>
+          </p:cNvPr>
+          <p:cNvSpPr>
+            <a:spLocks noGrp="1"/>
+          </p:cNvSpPr>
+          <p:nvPr>
+            <p:ph type="title"/>
+          </p:nvPr>
+        </p:nvSpPr>
+        <p:spPr>
+          <a:xfrm>
+            <a:off x="672280" y="944752"/>
+            <a:ext cx="3259016" cy="1462692"/>
+          </a:xfrm>
+        </p:spPr>
+        <p:txBody>
+          <a:bodyPr vert="horz" lIns="91440" tIns="45720" rIns="91440" bIns="45720" rtlCol="0">
+            <a:normAutofit/>
+          </a:bodyPr>
+          <a:lstStyle/>
+          <a:p>
+            <a:r>
+              <a:rPr lang="en-US" dirty="0">
+                <a:solidFill>
+                  <a:srgbClr val="FFFFFF"/>
+                </a:solidFill>
+              </a:rPr>
+              <a:t>Getting started</a:t>
+            </a:r>
+          </a:p>
+        </p:txBody>
+      </p:sp>
+      <p:sp>
+        <p:nvSpPr>
+          <p:cNvPr id="85" name="Rectangle 84">
+            <a:extLst>
+              <a:ext uri="{FF2B5EF4-FFF2-40B4-BE49-F238E27FC236}">
+                <a16:creationId xmlns:a16="http://schemas.microsoft.com/office/drawing/2014/main" id="{10058680-D07C-4893-B2B7-91543F18AB32}"/>
+              </a:ext>
+              <a:ext uri="{C183D7F6-B498-43B3-948B-1728B52AA6E4}">
+                <adec:decorative xmlns:adec="http://schemas.microsoft.com/office/drawing/2017/decorative" val="1"/>
+              </a:ext>
+            </a:extLst>
+          </p:cNvPr>
+          <p:cNvSpPr>
+            <a:spLocks noGrp="1" noRot="1" noChangeAspect="1" noMove="1" noResize="1" noEditPoints="1" noAdjustHandles="1" noChangeArrowheads="1" noChangeShapeType="1" noTextEdit="1"/>
+          </p:cNvSpPr>
+          <p:nvPr>
+            <p:extLst>
+              <p:ext uri="{386F3935-93C4-4BCD-93E2-E3B085C9AB24}">
+                <p16:designElem xmlns:p16="http://schemas.microsoft.com/office/powerpoint/2015/main" val="1"/>
+              </p:ext>
+            </p:extLst>
+          </p:nvPr>
+        </p:nvSpPr>
+        <p:spPr>
+          <a:xfrm>
+            <a:off x="446534" y="457200"/>
+            <a:ext cx="3703320" cy="94997"/>
+          </a:xfrm>
+          <a:prstGeom prst="rect">
+            <a:avLst/>
+          </a:prstGeom>
+          <a:solidFill>
+            <a:srgbClr val="465359"/>
+          </a:solidFill>
+          <a:ln>
+            <a:noFill/>
+          </a:ln>
+          <a:effectLst/>
+        </p:spPr>
+        <p:style>
+          <a:lnRef idx="1">
+            <a:schemeClr val="accent1"/>
+          </a:lnRef>
+          <a:fillRef idx="3">
+            <a:schemeClr val="accent1"/>
+          </a:fillRef>
+          <a:effectRef idx="2">
+            <a:schemeClr val="accent1"/>
+          </a:effectRef>
+          <a:fontRef idx="minor">
+            <a:schemeClr val="lt1"/>
+          </a:fontRef>
+        </p:style>
+      </p:sp>
+      <p:sp>
+        <p:nvSpPr>
+          <p:cNvPr id="87" name="Rectangle 86">
+            <a:extLst>
+              <a:ext uri="{FF2B5EF4-FFF2-40B4-BE49-F238E27FC236}">
+                <a16:creationId xmlns:a16="http://schemas.microsoft.com/office/drawing/2014/main" id="{7B42427A-0A1F-4A55-8705-D9179F1E0CFB}"/>
+              </a:ext>
+              <a:ext uri="{C183D7F6-B498-43B3-948B-1728B52AA6E4}">
+                <adec:decorative xmlns:adec="http://schemas.microsoft.com/office/drawing/2017/decorative" val="1"/>
+              </a:ext>
+            </a:extLst>
+          </p:cNvPr>
+          <p:cNvSpPr>
+            <a:spLocks noGrp="1" noRot="1" noChangeAspect="1" noMove="1" noResize="1" noEditPoints="1" noAdjustHandles="1" noChangeArrowheads="1" noChangeShapeType="1" noTextEdit="1"/>
+          </p:cNvSpPr>
+          <p:nvPr>
+            <p:extLst>
+              <p:ext uri="{386F3935-93C4-4BCD-93E2-E3B085C9AB24}">
+                <p16:designElem xmlns:p16="http://schemas.microsoft.com/office/powerpoint/2015/main" val="1"/>
+              </p:ext>
+            </p:extLst>
+          </p:nvPr>
+        </p:nvSpPr>
+        <p:spPr>
+          <a:xfrm>
+            <a:off x="4241830" y="457200"/>
+            <a:ext cx="3703320" cy="91440"/>
+          </a:xfrm>
+          <a:prstGeom prst="rect">
+            <a:avLst/>
+          </a:prstGeom>
+          <a:solidFill>
+            <a:schemeClr val="accent1"/>
+          </a:solidFill>
+          <a:ln>
+            <a:noFill/>
+          </a:ln>
+          <a:effectLst/>
+        </p:spPr>
+        <p:style>
+          <a:lnRef idx="1">
+            <a:schemeClr val="accent1"/>
+          </a:lnRef>
+          <a:fillRef idx="3">
+            <a:schemeClr val="accent1"/>
+          </a:fillRef>
+          <a:effectRef idx="2">
+            <a:schemeClr val="accent1"/>
+          </a:effectRef>
+          <a:fontRef idx="minor">
+            <a:schemeClr val="lt1"/>
+          </a:fontRef>
+        </p:style>
+        <p:txBody>
+          <a:bodyPr/>
+          <a:lstStyle/>
+          <a:p>
+            <a:endParaRPr lang="en-US" dirty="0"/>
+          </a:p>
+        </p:txBody>
+      </p:sp>
+      <p:sp>
+        <p:nvSpPr>
+          <p:cNvPr id="89" name="Rectangle 88">
+            <a:extLst>
+              <a:ext uri="{FF2B5EF4-FFF2-40B4-BE49-F238E27FC236}">
+                <a16:creationId xmlns:a16="http://schemas.microsoft.com/office/drawing/2014/main" id="{EE54A6FE-D8CB-48A3-900B-053D4EBD3B85}"/>
+              </a:ext>
+              <a:ext uri="{C183D7F6-B498-43B3-948B-1728B52AA6E4}">
+                <adec:decorative xmlns:adec="http://schemas.microsoft.com/office/drawing/2017/decorative" val="1"/>
+              </a:ext>
+            </a:extLst>
+          </p:cNvPr>
+          <p:cNvSpPr>
+            <a:spLocks noGrp="1" noRot="1" noChangeAspect="1" noMove="1" noResize="1" noEditPoints="1" noAdjustHandles="1" noChangeArrowheads="1" noChangeShapeType="1" noTextEdit="1"/>
+          </p:cNvSpPr>
+          <p:nvPr>
+            <p:extLst>
+              <p:ext uri="{386F3935-93C4-4BCD-93E2-E3B085C9AB24}">
+                <p16:designElem xmlns:p16="http://schemas.microsoft.com/office/powerpoint/2015/main" val="1"/>
+              </p:ext>
+            </p:extLst>
+          </p:nvPr>
+        </p:nvSpPr>
+        <p:spPr>
+          <a:xfrm>
+            <a:off x="8042147" y="453643"/>
+            <a:ext cx="3703320" cy="98554"/>
+          </a:xfrm>
+          <a:prstGeom prst="rect">
+            <a:avLst/>
+          </a:prstGeom>
+          <a:solidFill>
+            <a:srgbClr val="969FA7"/>
+          </a:solidFill>
+          <a:ln>
+            <a:noFill/>
+          </a:ln>
+          <a:effectLst/>
+        </p:spPr>
+        <p:style>
+          <a:lnRef idx="1">
+            <a:schemeClr val="accent1"/>
+          </a:lnRef>
+          <a:fillRef idx="3">
+            <a:schemeClr val="accent1"/>
+          </a:fillRef>
+          <a:effectRef idx="2">
+            <a:schemeClr val="accent1"/>
+          </a:effectRef>
+          <a:fontRef idx="minor">
+            <a:schemeClr val="lt1"/>
+          </a:fontRef>
+        </p:style>
+      </p:sp>
+      <p:sp>
+        <p:nvSpPr>
+          <p:cNvPr id="1030" name="Content Placeholder 1029">
+            <a:extLst>
+              <a:ext uri="{FF2B5EF4-FFF2-40B4-BE49-F238E27FC236}">
+                <a16:creationId xmlns:a16="http://schemas.microsoft.com/office/drawing/2014/main" id="{A33BE6BA-C0EF-47D8-BF99-89788CCF7B1C}"/>
+              </a:ext>
+            </a:extLst>
+          </p:cNvPr>
+          <p:cNvSpPr>
+            <a:spLocks noGrp="1"/>
+          </p:cNvSpPr>
+          <p:nvPr>
+            <p:ph idx="1"/>
+          </p:nvPr>
+        </p:nvSpPr>
+        <p:spPr>
+          <a:xfrm>
+            <a:off x="671513" y="2536031"/>
+            <a:ext cx="3123783" cy="3671936"/>
+          </a:xfrm>
+        </p:spPr>
+        <p:txBody>
+          <a:bodyPr anchor="t">
+            <a:normAutofit/>
+          </a:bodyPr>
+          <a:lstStyle/>
+          <a:p>
+            <a:r>
+              <a:rPr lang="en-US" dirty="0">
+                <a:solidFill>
+                  <a:srgbClr val="FFFFFF"/>
+                </a:solidFill>
+              </a:rPr>
+              <a:t>Click on the Excel Icon</a:t>
+            </a:r>
+          </a:p>
+          <a:p>
+            <a:endParaRPr lang="en-US" dirty="0">
+              <a:solidFill>
+                <a:srgbClr val="FFFFFF"/>
+              </a:solidFill>
+            </a:endParaRPr>
+          </a:p>
+        </p:txBody>
+      </p:sp>
       <p:pic>
         <p:nvPicPr>
-          <p:cNvPr id="9" name="Content Placeholder 4" descr="A close up of a sign&#10;&#10;Description automatically generated">
+          <p:cNvPr id="4" name="Picture 3">
             <a:extLst>
               <a:ext uri="{FF2B5EF4-FFF2-40B4-BE49-F238E27FC236}">
-                <a16:creationId xmlns:a16="http://schemas.microsoft.com/office/drawing/2014/main" id="{5C135416-CFF4-41AC-B601-EEF210A5CD16}"/>
+                <a16:creationId xmlns:a16="http://schemas.microsoft.com/office/drawing/2014/main" id="{423EC76D-DC86-40E8-A343-4C4CC218FFB9}"/>
               </a:ext>
             </a:extLst>
           </p:cNvPr>
           <p:cNvPicPr>
-            <a:picLocks noGrp="1" noChangeAspect="1"/>
+            <a:picLocks noChangeAspect="1"/>
           </p:cNvPicPr>
-          <p:nvPr>
-            <p:ph idx="1"/>
-          </p:nvPr>
+          <p:nvPr/>
         </p:nvPicPr>
-        <p:blipFill>
-          <a:blip r:embed="rId3"/>
-          <a:stretch>
-            <a:fillRect/>
-          </a:stretch>
+        <p:blipFill rotWithShape="1">
+          <a:blip r:embed="rId2"/>
+          <a:srcRect l="6472" r="6366" b="1"/>
+          <a:stretch/>
         </p:blipFill>
         <p:spPr>
           <a:xfrm>
-            <a:off x="5016253" y="3941685"/>
-            <a:ext cx="1287177" cy="1287177"/>
+            <a:off x="4241830" y="601200"/>
+            <a:ext cx="7503636" cy="5789365"/>
           </a:xfrm>
+          <a:prstGeom prst="rect">
+            <a:avLst/>
+          </a:prstGeom>
         </p:spPr>
       </p:pic>
     </p:spTree>
     <p:extLst>
       <p:ext uri="{BB962C8B-B14F-4D97-AF65-F5344CB8AC3E}">
-        <p14:creationId xmlns:p14="http://schemas.microsoft.com/office/powerpoint/2010/main" val="3492578506"/>
+        <p14:creationId xmlns:p14="http://schemas.microsoft.com/office/powerpoint/2010/main" val="1520112130"/>
       </p:ext>
     </p:extLst>
   </p:cSld>
   <p:clrMapOvr>
-    <a:masterClrMapping/>
+    <a:overrideClrMapping bg1="dk1" tx1="lt1" bg2="dk2" tx2="lt2" accent1="accent1" accent2="accent2" accent3="accent3" accent4="accent4" accent5="accent5" accent6="accent6" hlink="hlink" folHlink="folHlink"/>
   </p:clrMapOvr>
-  <p:timing>
-    <p:tnLst>
-      <p:par>
-        <p:cTn id="1" dur="indefinite" restart="never" nodeType="tmRoot">
-          <p:childTnLst>
-            <p:seq concurrent="1" nextAc="seek">
-              <p:cTn id="2" dur="indefinite" nodeType="mainSeq">
-                <p:childTnLst>
-                  <p:par>
-                    <p:cTn id="3" fill="hold">
-                      <p:stCondLst>
-                        <p:cond delay="indefinite"/>
-                      </p:stCondLst>
-                      <p:childTnLst>
-                        <p:par>
-                          <p:cTn id="4" fill="hold">
-                            <p:stCondLst>
-                              <p:cond delay="0"/>
-                            </p:stCondLst>
-                            <p:childTnLst>
-                              <p:par>
-                                <p:cTn id="5" presetID="10" presetClass="entr" presetSubtype="0" fill="hold" nodeType="clickEffect">
-                                  <p:stCondLst>
-                                    <p:cond delay="0"/>
-                                  </p:stCondLst>
-                                  <p:childTnLst>
-                                    <p:set>
-                                      <p:cBhvr>
-                                        <p:cTn id="6" dur="1" fill="hold">
-                                          <p:stCondLst>
-                                            <p:cond delay="0"/>
-                                          </p:stCondLst>
-                                        </p:cTn>
-                                        <p:tgtEl>
-                                          <p:spTgt spid="9"/>
-                                        </p:tgtEl>
-                                        <p:attrNameLst>
-                                          <p:attrName>style.visibility</p:attrName>
-                                        </p:attrNameLst>
-                                      </p:cBhvr>
-                                      <p:to>
-                                        <p:strVal val="visible"/>
-                                      </p:to>
-                                    </p:set>
-                                    <p:animEffect transition="in" filter="fade">
-                                      <p:cBhvr>
-                                        <p:cTn id="7" dur="1000"/>
-                                        <p:tgtEl>
-                                          <p:spTgt spid="9"/>
-                                        </p:tgtEl>
-                                      </p:cBhvr>
-                                    </p:animEffect>
-                                  </p:childTnLst>
-                                </p:cTn>
-                              </p:par>
-                            </p:childTnLst>
-                          </p:cTn>
-                        </p:par>
-                      </p:childTnLst>
-                    </p:cTn>
-                  </p:par>
-                </p:childTnLst>
-              </p:cTn>
-              <p:prevCondLst>
-                <p:cond evt="onPrev" delay="0">
-                  <p:tgtEl>
-                    <p:sldTgt/>
-                  </p:tgtEl>
-                </p:cond>
-              </p:prevCondLst>
-              <p:nextCondLst>
-                <p:cond evt="onNext" delay="0">
-                  <p:tgtEl>
-                    <p:sldTgt/>
-                  </p:tgtEl>
-                </p:cond>
-              </p:nextCondLst>
-            </p:seq>
-          </p:childTnLst>
-        </p:cTn>
-      </p:par>
-    </p:tnLst>
-  </p:timing>
 </p:sld>
 </file>
 
@@ -6875,6 +10892,36 @@
           <a:chExt cx="0" cy="0"/>
         </a:xfrm>
       </p:grpSpPr>
+      <p:pic>
+        <p:nvPicPr>
+          <p:cNvPr id="7" name="Picture 6">
+            <a:extLst>
+              <a:ext uri="{FF2B5EF4-FFF2-40B4-BE49-F238E27FC236}">
+                <a16:creationId xmlns:a16="http://schemas.microsoft.com/office/drawing/2014/main" id="{848A07E5-1B4A-4AB3-A5C0-615590DACEB4}"/>
+              </a:ext>
+            </a:extLst>
+          </p:cNvPr>
+          <p:cNvPicPr>
+            <a:picLocks noChangeAspect="1"/>
+          </p:cNvPicPr>
+          <p:nvPr/>
+        </p:nvPicPr>
+        <p:blipFill>
+          <a:blip r:embed="rId2"/>
+          <a:stretch>
+            <a:fillRect/>
+          </a:stretch>
+        </p:blipFill>
+        <p:spPr>
+          <a:xfrm>
+            <a:off x="2960477" y="702155"/>
+            <a:ext cx="8663415" cy="5982336"/>
+          </a:xfrm>
+          <a:prstGeom prst="rect">
+            <a:avLst/>
+          </a:prstGeom>
+        </p:spPr>
+      </p:pic>
       <p:sp>
         <p:nvSpPr>
           <p:cNvPr id="2" name="Title 1">
@@ -6954,36 +11001,6 @@
           </a:p>
         </p:txBody>
       </p:sp>
-      <p:pic>
-        <p:nvPicPr>
-          <p:cNvPr id="5" name="Picture 4">
-            <a:extLst>
-              <a:ext uri="{FF2B5EF4-FFF2-40B4-BE49-F238E27FC236}">
-                <a16:creationId xmlns:a16="http://schemas.microsoft.com/office/drawing/2014/main" id="{BB3E31B5-73D4-43CC-9C5A-40AE89A0E7D0}"/>
-              </a:ext>
-            </a:extLst>
-          </p:cNvPr>
-          <p:cNvPicPr>
-            <a:picLocks noChangeAspect="1"/>
-          </p:cNvPicPr>
-          <p:nvPr/>
-        </p:nvPicPr>
-        <p:blipFill>
-          <a:blip r:embed="rId2"/>
-          <a:stretch>
-            <a:fillRect/>
-          </a:stretch>
-        </p:blipFill>
-        <p:spPr>
-          <a:xfrm>
-            <a:off x="2960478" y="702155"/>
-            <a:ext cx="8650330" cy="5973852"/>
-          </a:xfrm>
-          <a:prstGeom prst="rect">
-            <a:avLst/>
-          </a:prstGeom>
-        </p:spPr>
-      </p:pic>
       <p:sp>
         <p:nvSpPr>
           <p:cNvPr id="6" name="Speech Bubble: Oval 5">
@@ -7046,7 +11063,7 @@
     </p:spTree>
     <p:extLst>
       <p:ext uri="{BB962C8B-B14F-4D97-AF65-F5344CB8AC3E}">
-        <p14:creationId xmlns:p14="http://schemas.microsoft.com/office/powerpoint/2010/main" val="1295770818"/>
+        <p14:creationId xmlns:p14="http://schemas.microsoft.com/office/powerpoint/2010/main" val="3085060465"/>
       </p:ext>
     </p:extLst>
   </p:cSld>
@@ -8025,6 +12042,14 @@
 <file path=ppt/slides/slide6.xml><?xml version="1.0" encoding="utf-8"?>
 <p:sld xmlns:a="http://schemas.openxmlformats.org/drawingml/2006/main" xmlns:r="http://schemas.openxmlformats.org/officeDocument/2006/relationships" xmlns:p="http://schemas.openxmlformats.org/presentationml/2006/main">
   <p:cSld>
+    <p:bg>
+      <p:bgPr>
+        <a:solidFill>
+          <a:schemeClr val="bg2"/>
+        </a:solidFill>
+        <a:effectLst/>
+      </p:bgPr>
+    </p:bg>
     <p:spTree>
       <p:nvGrpSpPr>
         <p:cNvPr id="1" name=""/>
@@ -8041,976 +12066,37 @@
       </p:grpSpPr>
       <p:sp>
         <p:nvSpPr>
-          <p:cNvPr id="2" name="Title 1">
+          <p:cNvPr id="137" name="Rectangle 136">
             <a:extLst>
               <a:ext uri="{FF2B5EF4-FFF2-40B4-BE49-F238E27FC236}">
-                <a16:creationId xmlns:a16="http://schemas.microsoft.com/office/drawing/2014/main" id="{767903C7-CFBB-401F-A773-F48543A62057}"/>
+                <a16:creationId xmlns:a16="http://schemas.microsoft.com/office/drawing/2014/main" id="{1BB56EB9-078F-4952-AC1F-149C7A0AE4D5}"/>
+              </a:ext>
+              <a:ext uri="{C183D7F6-B498-43B3-948B-1728B52AA6E4}">
+                <adec:decorative xmlns:adec="http://schemas.microsoft.com/office/drawing/2017/decorative" val="1"/>
               </a:ext>
             </a:extLst>
           </p:cNvPr>
           <p:cNvSpPr>
-            <a:spLocks noGrp="1"/>
+            <a:spLocks noGrp="1" noRot="1" noChangeAspect="1" noMove="1" noResize="1" noEditPoints="1" noAdjustHandles="1" noChangeArrowheads="1" noChangeShapeType="1" noTextEdit="1"/>
           </p:cNvSpPr>
           <p:nvPr>
-            <p:ph type="title"/>
-          </p:nvPr>
-        </p:nvSpPr>
-        <p:spPr/>
-        <p:txBody>
-          <a:bodyPr/>
-          <a:lstStyle/>
-          <a:p>
-            <a:r>
-              <a:rPr lang="en-US" dirty="0"/>
-              <a:t>The spreadsheet</a:t>
-            </a:r>
-          </a:p>
-        </p:txBody>
-      </p:sp>
-      <p:pic>
-        <p:nvPicPr>
-          <p:cNvPr id="4" name="Picture 3">
-            <a:extLst>
-              <a:ext uri="{FF2B5EF4-FFF2-40B4-BE49-F238E27FC236}">
-                <a16:creationId xmlns:a16="http://schemas.microsoft.com/office/drawing/2014/main" id="{56017306-E0A6-42BC-9C64-13B9511DCA67}"/>
-              </a:ext>
-            </a:extLst>
-          </p:cNvPr>
-          <p:cNvPicPr>
-            <a:picLocks noChangeAspect="1"/>
-          </p:cNvPicPr>
-          <p:nvPr/>
-        </p:nvPicPr>
-        <p:blipFill>
-          <a:blip r:embed="rId2"/>
-          <a:stretch>
-            <a:fillRect/>
-          </a:stretch>
-        </p:blipFill>
-        <p:spPr>
-          <a:xfrm>
-            <a:off x="2836184" y="1920802"/>
-            <a:ext cx="8612677" cy="4618261"/>
-          </a:xfrm>
-          <a:prstGeom prst="rect">
-            <a:avLst/>
-          </a:prstGeom>
-        </p:spPr>
-      </p:pic>
-      <p:sp>
-        <p:nvSpPr>
-          <p:cNvPr id="11" name="Content Placeholder 2">
-            <a:extLst>
-              <a:ext uri="{FF2B5EF4-FFF2-40B4-BE49-F238E27FC236}">
-                <a16:creationId xmlns:a16="http://schemas.microsoft.com/office/drawing/2014/main" id="{28942560-B092-4487-BF6A-20897975FDF5}"/>
-              </a:ext>
-            </a:extLst>
-          </p:cNvPr>
-          <p:cNvSpPr>
-            <a:spLocks noGrp="1"/>
-          </p:cNvSpPr>
-          <p:nvPr>
-            <p:ph idx="1"/>
+            <p:extLst>
+              <p:ext uri="{386F3935-93C4-4BCD-93E2-E3B085C9AB24}">
+                <p16:designElem xmlns:p16="http://schemas.microsoft.com/office/powerpoint/2015/main" val="1"/>
+              </p:ext>
+            </p:extLst>
           </p:nvPr>
         </p:nvSpPr>
         <p:spPr>
           <a:xfrm>
-            <a:off x="581191" y="2188612"/>
-            <a:ext cx="1860167" cy="4082642"/>
-          </a:xfrm>
-        </p:spPr>
-        <p:txBody>
-          <a:bodyPr/>
-          <a:lstStyle/>
-          <a:p>
-            <a:endParaRPr lang="en-US" dirty="0"/>
-          </a:p>
-          <a:p>
-            <a:r>
-              <a:rPr lang="en-US" dirty="0"/>
-              <a:t>Spreadsheet</a:t>
-            </a:r>
-          </a:p>
-          <a:p>
-            <a:r>
-              <a:rPr lang="en-US" dirty="0"/>
-              <a:t>Spreadsheet tab (double click to name spreadsheet)</a:t>
-            </a:r>
-          </a:p>
-        </p:txBody>
-      </p:sp>
-      <p:sp>
-        <p:nvSpPr>
-          <p:cNvPr id="8" name="Rectangle: Rounded Corners 7">
-            <a:extLst>
-              <a:ext uri="{FF2B5EF4-FFF2-40B4-BE49-F238E27FC236}">
-                <a16:creationId xmlns:a16="http://schemas.microsoft.com/office/drawing/2014/main" id="{69974F8A-EAB8-4BA2-8A85-77923431C97E}"/>
-              </a:ext>
-            </a:extLst>
-          </p:cNvPr>
-          <p:cNvSpPr/>
-          <p:nvPr/>
-        </p:nvSpPr>
-        <p:spPr>
-          <a:xfrm>
-            <a:off x="2836183" y="2867487"/>
-            <a:ext cx="8612677" cy="3671576"/>
-          </a:xfrm>
-          <a:prstGeom prst="roundRect">
-            <a:avLst/>
-          </a:prstGeom>
-          <a:noFill/>
-          <a:ln w="19050"/>
-        </p:spPr>
-        <p:style>
-          <a:lnRef idx="2">
-            <a:schemeClr val="accent1">
-              <a:shade val="50000"/>
-            </a:schemeClr>
-          </a:lnRef>
-          <a:fillRef idx="1">
-            <a:schemeClr val="accent1"/>
-          </a:fillRef>
-          <a:effectRef idx="0">
-            <a:schemeClr val="accent1"/>
-          </a:effectRef>
-          <a:fontRef idx="minor">
-            <a:schemeClr val="lt1"/>
-          </a:fontRef>
-        </p:style>
-        <p:txBody>
-          <a:bodyPr rtlCol="0" anchor="ctr"/>
-          <a:lstStyle/>
-          <a:p>
-            <a:pPr algn="ctr"/>
-            <a:endParaRPr lang="en-US"/>
-          </a:p>
-        </p:txBody>
-      </p:sp>
-      <p:sp>
-        <p:nvSpPr>
-          <p:cNvPr id="9" name="Rectangle: Rounded Corners 8">
-            <a:extLst>
-              <a:ext uri="{FF2B5EF4-FFF2-40B4-BE49-F238E27FC236}">
-                <a16:creationId xmlns:a16="http://schemas.microsoft.com/office/drawing/2014/main" id="{95BDEF31-5B33-4D06-8066-A5648FC8B509}"/>
-              </a:ext>
-            </a:extLst>
-          </p:cNvPr>
-          <p:cNvSpPr/>
-          <p:nvPr/>
-        </p:nvSpPr>
-        <p:spPr>
-          <a:xfrm>
-            <a:off x="3231010" y="6271254"/>
-            <a:ext cx="453223" cy="147010"/>
-          </a:xfrm>
-          <a:prstGeom prst="roundRect">
-            <a:avLst/>
-          </a:prstGeom>
-          <a:noFill/>
-          <a:ln w="19050"/>
-        </p:spPr>
-        <p:style>
-          <a:lnRef idx="2">
-            <a:schemeClr val="accent1">
-              <a:shade val="50000"/>
-            </a:schemeClr>
-          </a:lnRef>
-          <a:fillRef idx="1">
-            <a:schemeClr val="accent1"/>
-          </a:fillRef>
-          <a:effectRef idx="0">
-            <a:schemeClr val="accent1"/>
-          </a:effectRef>
-          <a:fontRef idx="minor">
-            <a:schemeClr val="lt1"/>
-          </a:fontRef>
-        </p:style>
-        <p:txBody>
-          <a:bodyPr rtlCol="0" anchor="ctr"/>
-          <a:lstStyle/>
-          <a:p>
-            <a:pPr algn="ctr"/>
-            <a:endParaRPr lang="en-US"/>
-          </a:p>
-        </p:txBody>
-      </p:sp>
-    </p:spTree>
-    <p:extLst>
-      <p:ext uri="{BB962C8B-B14F-4D97-AF65-F5344CB8AC3E}">
-        <p14:creationId xmlns:p14="http://schemas.microsoft.com/office/powerpoint/2010/main" val="1118779051"/>
-      </p:ext>
-    </p:extLst>
-  </p:cSld>
-  <p:clrMapOvr>
-    <a:masterClrMapping/>
-  </p:clrMapOvr>
-  <p:timing>
-    <p:tnLst>
-      <p:par>
-        <p:cTn id="1" dur="indefinite" restart="never" nodeType="tmRoot">
-          <p:childTnLst>
-            <p:seq concurrent="1" nextAc="seek">
-              <p:cTn id="2" dur="indefinite" nodeType="mainSeq">
-                <p:childTnLst>
-                  <p:par>
-                    <p:cTn id="3" fill="hold">
-                      <p:stCondLst>
-                        <p:cond delay="indefinite"/>
-                      </p:stCondLst>
-                      <p:childTnLst>
-                        <p:par>
-                          <p:cTn id="4" fill="hold">
-                            <p:stCondLst>
-                              <p:cond delay="0"/>
-                            </p:stCondLst>
-                            <p:childTnLst>
-                              <p:par>
-                                <p:cTn id="5" presetID="10" presetClass="entr" presetSubtype="0" fill="hold" grpId="0" nodeType="clickEffect">
-                                  <p:stCondLst>
-                                    <p:cond delay="0"/>
-                                  </p:stCondLst>
-                                  <p:childTnLst>
-                                    <p:set>
-                                      <p:cBhvr>
-                                        <p:cTn id="6" dur="1" fill="hold">
-                                          <p:stCondLst>
-                                            <p:cond delay="0"/>
-                                          </p:stCondLst>
-                                        </p:cTn>
-                                        <p:tgtEl>
-                                          <p:spTgt spid="11">
-                                            <p:txEl>
-                                              <p:pRg st="1" end="1"/>
-                                            </p:txEl>
-                                          </p:spTgt>
-                                        </p:tgtEl>
-                                        <p:attrNameLst>
-                                          <p:attrName>style.visibility</p:attrName>
-                                        </p:attrNameLst>
-                                      </p:cBhvr>
-                                      <p:to>
-                                        <p:strVal val="visible"/>
-                                      </p:to>
-                                    </p:set>
-                                    <p:animEffect transition="in" filter="fade">
-                                      <p:cBhvr>
-                                        <p:cTn id="7" dur="500"/>
-                                        <p:tgtEl>
-                                          <p:spTgt spid="11">
-                                            <p:txEl>
-                                              <p:pRg st="1" end="1"/>
-                                            </p:txEl>
-                                          </p:spTgt>
-                                        </p:tgtEl>
-                                      </p:cBhvr>
-                                    </p:animEffect>
-                                  </p:childTnLst>
-                                </p:cTn>
-                              </p:par>
-                              <p:par>
-                                <p:cTn id="8" presetID="10" presetClass="entr" presetSubtype="0" fill="hold" grpId="0" nodeType="withEffect">
-                                  <p:stCondLst>
-                                    <p:cond delay="0"/>
-                                  </p:stCondLst>
-                                  <p:childTnLst>
-                                    <p:set>
-                                      <p:cBhvr>
-                                        <p:cTn id="9" dur="1" fill="hold">
-                                          <p:stCondLst>
-                                            <p:cond delay="0"/>
-                                          </p:stCondLst>
-                                        </p:cTn>
-                                        <p:tgtEl>
-                                          <p:spTgt spid="8"/>
-                                        </p:tgtEl>
-                                        <p:attrNameLst>
-                                          <p:attrName>style.visibility</p:attrName>
-                                        </p:attrNameLst>
-                                      </p:cBhvr>
-                                      <p:to>
-                                        <p:strVal val="visible"/>
-                                      </p:to>
-                                    </p:set>
-                                    <p:animEffect transition="in" filter="fade">
-                                      <p:cBhvr>
-                                        <p:cTn id="10" dur="500"/>
-                                        <p:tgtEl>
-                                          <p:spTgt spid="8"/>
-                                        </p:tgtEl>
-                                      </p:cBhvr>
-                                    </p:animEffect>
-                                  </p:childTnLst>
-                                </p:cTn>
-                              </p:par>
-                            </p:childTnLst>
-                          </p:cTn>
-                        </p:par>
-                      </p:childTnLst>
-                    </p:cTn>
-                  </p:par>
-                  <p:par>
-                    <p:cTn id="11" fill="hold">
-                      <p:stCondLst>
-                        <p:cond delay="indefinite"/>
-                      </p:stCondLst>
-                      <p:childTnLst>
-                        <p:par>
-                          <p:cTn id="12" fill="hold">
-                            <p:stCondLst>
-                              <p:cond delay="0"/>
-                            </p:stCondLst>
-                            <p:childTnLst>
-                              <p:par>
-                                <p:cTn id="13" presetID="1" presetClass="entr" presetSubtype="0" fill="hold" grpId="0" nodeType="clickEffect">
-                                  <p:stCondLst>
-                                    <p:cond delay="0"/>
-                                  </p:stCondLst>
-                                  <p:childTnLst>
-                                    <p:set>
-                                      <p:cBhvr>
-                                        <p:cTn id="14" dur="1" fill="hold">
-                                          <p:stCondLst>
-                                            <p:cond delay="0"/>
-                                          </p:stCondLst>
-                                        </p:cTn>
-                                        <p:tgtEl>
-                                          <p:spTgt spid="9"/>
-                                        </p:tgtEl>
-                                        <p:attrNameLst>
-                                          <p:attrName>style.visibility</p:attrName>
-                                        </p:attrNameLst>
-                                      </p:cBhvr>
-                                      <p:to>
-                                        <p:strVal val="visible"/>
-                                      </p:to>
-                                    </p:set>
-                                  </p:childTnLst>
-                                </p:cTn>
-                              </p:par>
-                            </p:childTnLst>
-                          </p:cTn>
-                        </p:par>
-                        <p:par>
-                          <p:cTn id="15" fill="hold">
-                            <p:stCondLst>
-                              <p:cond delay="0"/>
-                            </p:stCondLst>
-                            <p:childTnLst>
-                              <p:par>
-                                <p:cTn id="16" presetID="10" presetClass="entr" presetSubtype="0" fill="hold" grpId="0" nodeType="afterEffect">
-                                  <p:stCondLst>
-                                    <p:cond delay="0"/>
-                                  </p:stCondLst>
-                                  <p:childTnLst>
-                                    <p:set>
-                                      <p:cBhvr>
-                                        <p:cTn id="17" dur="1" fill="hold">
-                                          <p:stCondLst>
-                                            <p:cond delay="0"/>
-                                          </p:stCondLst>
-                                        </p:cTn>
-                                        <p:tgtEl>
-                                          <p:spTgt spid="11">
-                                            <p:txEl>
-                                              <p:pRg st="2" end="2"/>
-                                            </p:txEl>
-                                          </p:spTgt>
-                                        </p:tgtEl>
-                                        <p:attrNameLst>
-                                          <p:attrName>style.visibility</p:attrName>
-                                        </p:attrNameLst>
-                                      </p:cBhvr>
-                                      <p:to>
-                                        <p:strVal val="visible"/>
-                                      </p:to>
-                                    </p:set>
-                                    <p:animEffect transition="in" filter="fade">
-                                      <p:cBhvr>
-                                        <p:cTn id="18" dur="500"/>
-                                        <p:tgtEl>
-                                          <p:spTgt spid="11">
-                                            <p:txEl>
-                                              <p:pRg st="2" end="2"/>
-                                            </p:txEl>
-                                          </p:spTgt>
-                                        </p:tgtEl>
-                                      </p:cBhvr>
-                                    </p:animEffect>
-                                  </p:childTnLst>
-                                </p:cTn>
-                              </p:par>
-                            </p:childTnLst>
-                          </p:cTn>
-                        </p:par>
-                      </p:childTnLst>
-                    </p:cTn>
-                  </p:par>
-                </p:childTnLst>
-              </p:cTn>
-              <p:prevCondLst>
-                <p:cond evt="onPrev" delay="0">
-                  <p:tgtEl>
-                    <p:sldTgt/>
-                  </p:tgtEl>
-                </p:cond>
-              </p:prevCondLst>
-              <p:nextCondLst>
-                <p:cond evt="onNext" delay="0">
-                  <p:tgtEl>
-                    <p:sldTgt/>
-                  </p:tgtEl>
-                </p:cond>
-              </p:nextCondLst>
-            </p:seq>
-          </p:childTnLst>
-        </p:cTn>
-      </p:par>
-    </p:tnLst>
-    <p:bldLst>
-      <p:bldP spid="11" grpId="0" uiExpand="1" build="p"/>
-      <p:bldP spid="8" grpId="0" animBg="1"/>
-      <p:bldP spid="9" grpId="0" animBg="1"/>
-    </p:bldLst>
-  </p:timing>
-</p:sld>
-</file>
-
-<file path=ppt/slides/slide7.xml><?xml version="1.0" encoding="utf-8"?>
-<p:sld xmlns:a="http://schemas.openxmlformats.org/drawingml/2006/main" xmlns:r="http://schemas.openxmlformats.org/officeDocument/2006/relationships" xmlns:p="http://schemas.openxmlformats.org/presentationml/2006/main">
-  <p:cSld>
-    <p:spTree>
-      <p:nvGrpSpPr>
-        <p:cNvPr id="1" name=""/>
-        <p:cNvGrpSpPr/>
-        <p:nvPr/>
-      </p:nvGrpSpPr>
-      <p:grpSpPr>
-        <a:xfrm>
-          <a:off x="0" y="0"/>
-          <a:ext cx="0" cy="0"/>
-          <a:chOff x="0" y="0"/>
-          <a:chExt cx="0" cy="0"/>
-        </a:xfrm>
-      </p:grpSpPr>
-      <p:sp>
-        <p:nvSpPr>
-          <p:cNvPr id="2" name="Title 1">
-            <a:extLst>
-              <a:ext uri="{FF2B5EF4-FFF2-40B4-BE49-F238E27FC236}">
-                <a16:creationId xmlns:a16="http://schemas.microsoft.com/office/drawing/2014/main" id="{767903C7-CFBB-401F-A773-F48543A62057}"/>
-              </a:ext>
-            </a:extLst>
-          </p:cNvPr>
-          <p:cNvSpPr>
-            <a:spLocks noGrp="1"/>
-          </p:cNvSpPr>
-          <p:nvPr>
-            <p:ph type="title"/>
-          </p:nvPr>
-        </p:nvSpPr>
-        <p:spPr/>
-        <p:txBody>
-          <a:bodyPr/>
-          <a:lstStyle/>
-          <a:p>
-            <a:r>
-              <a:rPr lang="en-US" dirty="0"/>
-              <a:t>View adjustment</a:t>
-            </a:r>
-          </a:p>
-        </p:txBody>
-      </p:sp>
-      <p:pic>
-        <p:nvPicPr>
-          <p:cNvPr id="4" name="Picture 3">
-            <a:extLst>
-              <a:ext uri="{FF2B5EF4-FFF2-40B4-BE49-F238E27FC236}">
-                <a16:creationId xmlns:a16="http://schemas.microsoft.com/office/drawing/2014/main" id="{56017306-E0A6-42BC-9C64-13B9511DCA67}"/>
-              </a:ext>
-            </a:extLst>
-          </p:cNvPr>
-          <p:cNvPicPr>
-            <a:picLocks noChangeAspect="1"/>
-          </p:cNvPicPr>
-          <p:nvPr/>
-        </p:nvPicPr>
-        <p:blipFill>
-          <a:blip r:embed="rId2"/>
-          <a:stretch>
-            <a:fillRect/>
-          </a:stretch>
-        </p:blipFill>
-        <p:spPr>
-          <a:xfrm>
-            <a:off x="2836184" y="1920802"/>
-            <a:ext cx="8612677" cy="4618261"/>
-          </a:xfrm>
-          <a:prstGeom prst="rect">
-            <a:avLst/>
-          </a:prstGeom>
-        </p:spPr>
-      </p:pic>
-      <p:sp>
-        <p:nvSpPr>
-          <p:cNvPr id="11" name="Content Placeholder 2">
-            <a:extLst>
-              <a:ext uri="{FF2B5EF4-FFF2-40B4-BE49-F238E27FC236}">
-                <a16:creationId xmlns:a16="http://schemas.microsoft.com/office/drawing/2014/main" id="{28942560-B092-4487-BF6A-20897975FDF5}"/>
-              </a:ext>
-            </a:extLst>
-          </p:cNvPr>
-          <p:cNvSpPr>
-            <a:spLocks noGrp="1"/>
-          </p:cNvSpPr>
-          <p:nvPr>
-            <p:ph idx="1"/>
-          </p:nvPr>
-        </p:nvSpPr>
-        <p:spPr>
-          <a:xfrm>
-            <a:off x="581191" y="1920801"/>
-            <a:ext cx="2099865" cy="4618261"/>
-          </a:xfrm>
-        </p:spPr>
-        <p:txBody>
-          <a:bodyPr/>
-          <a:lstStyle/>
-          <a:p>
-            <a:r>
-              <a:rPr lang="en-US" dirty="0"/>
-              <a:t>Click here to get a preview of your spreadsheet printed on A4 paper</a:t>
-            </a:r>
-          </a:p>
-        </p:txBody>
-      </p:sp>
-      <p:sp>
-        <p:nvSpPr>
-          <p:cNvPr id="9" name="Rectangle: Rounded Corners 8">
-            <a:extLst>
-              <a:ext uri="{FF2B5EF4-FFF2-40B4-BE49-F238E27FC236}">
-                <a16:creationId xmlns:a16="http://schemas.microsoft.com/office/drawing/2014/main" id="{95BDEF31-5B33-4D06-8066-A5648FC8B509}"/>
-              </a:ext>
-            </a:extLst>
-          </p:cNvPr>
-          <p:cNvSpPr/>
-          <p:nvPr/>
-        </p:nvSpPr>
-        <p:spPr>
-          <a:xfrm>
-            <a:off x="9809824" y="6411782"/>
-            <a:ext cx="612559" cy="120508"/>
-          </a:xfrm>
-          <a:prstGeom prst="roundRect">
-            <a:avLst/>
-          </a:prstGeom>
-          <a:noFill/>
-          <a:ln w="19050"/>
-        </p:spPr>
-        <p:style>
-          <a:lnRef idx="2">
-            <a:schemeClr val="accent1">
-              <a:shade val="50000"/>
-            </a:schemeClr>
-          </a:lnRef>
-          <a:fillRef idx="1">
-            <a:schemeClr val="accent1"/>
-          </a:fillRef>
-          <a:effectRef idx="0">
-            <a:schemeClr val="accent1"/>
-          </a:effectRef>
-          <a:fontRef idx="minor">
-            <a:schemeClr val="lt1"/>
-          </a:fontRef>
-        </p:style>
-        <p:txBody>
-          <a:bodyPr rtlCol="0" anchor="ctr"/>
-          <a:lstStyle/>
-          <a:p>
-            <a:pPr algn="ctr"/>
-            <a:endParaRPr lang="en-US"/>
-          </a:p>
-        </p:txBody>
-      </p:sp>
-      <p:pic>
-        <p:nvPicPr>
-          <p:cNvPr id="10" name="Picture 9">
-            <a:extLst>
-              <a:ext uri="{FF2B5EF4-FFF2-40B4-BE49-F238E27FC236}">
-                <a16:creationId xmlns:a16="http://schemas.microsoft.com/office/drawing/2014/main" id="{5967E18B-8A33-4434-96CF-05FBA99630A8}"/>
-              </a:ext>
-            </a:extLst>
-          </p:cNvPr>
-          <p:cNvPicPr>
-            <a:picLocks noChangeAspect="1"/>
-          </p:cNvPicPr>
-          <p:nvPr/>
-        </p:nvPicPr>
-        <p:blipFill>
-          <a:blip r:embed="rId3"/>
-          <a:stretch>
-            <a:fillRect/>
-          </a:stretch>
-        </p:blipFill>
-        <p:spPr>
-          <a:xfrm>
-            <a:off x="2836184" y="1950728"/>
-            <a:ext cx="8616561" cy="4618261"/>
-          </a:xfrm>
-          <a:prstGeom prst="rect">
-            <a:avLst/>
-          </a:prstGeom>
-        </p:spPr>
-      </p:pic>
-    </p:spTree>
-    <p:extLst>
-      <p:ext uri="{BB962C8B-B14F-4D97-AF65-F5344CB8AC3E}">
-        <p14:creationId xmlns:p14="http://schemas.microsoft.com/office/powerpoint/2010/main" val="618604346"/>
-      </p:ext>
-    </p:extLst>
-  </p:cSld>
-  <p:clrMapOvr>
-    <a:masterClrMapping/>
-  </p:clrMapOvr>
-  <p:timing>
-    <p:tnLst>
-      <p:par>
-        <p:cTn id="1" dur="indefinite" restart="never" nodeType="tmRoot">
-          <p:childTnLst>
-            <p:seq concurrent="1" nextAc="seek">
-              <p:cTn id="2" dur="indefinite" nodeType="mainSeq">
-                <p:childTnLst>
-                  <p:par>
-                    <p:cTn id="3" fill="hold">
-                      <p:stCondLst>
-                        <p:cond delay="indefinite"/>
-                      </p:stCondLst>
-                      <p:childTnLst>
-                        <p:par>
-                          <p:cTn id="4" fill="hold">
-                            <p:stCondLst>
-                              <p:cond delay="0"/>
-                            </p:stCondLst>
-                            <p:childTnLst>
-                              <p:par>
-                                <p:cTn id="5" presetID="10" presetClass="entr" presetSubtype="0" fill="hold" grpId="0" nodeType="clickEffect">
-                                  <p:stCondLst>
-                                    <p:cond delay="0"/>
-                                  </p:stCondLst>
-                                  <p:childTnLst>
-                                    <p:set>
-                                      <p:cBhvr>
-                                        <p:cTn id="6" dur="1" fill="hold">
-                                          <p:stCondLst>
-                                            <p:cond delay="0"/>
-                                          </p:stCondLst>
-                                        </p:cTn>
-                                        <p:tgtEl>
-                                          <p:spTgt spid="11">
-                                            <p:txEl>
-                                              <p:pRg st="0" end="0"/>
-                                            </p:txEl>
-                                          </p:spTgt>
-                                        </p:tgtEl>
-                                        <p:attrNameLst>
-                                          <p:attrName>style.visibility</p:attrName>
-                                        </p:attrNameLst>
-                                      </p:cBhvr>
-                                      <p:to>
-                                        <p:strVal val="visible"/>
-                                      </p:to>
-                                    </p:set>
-                                    <p:animEffect transition="in" filter="fade">
-                                      <p:cBhvr>
-                                        <p:cTn id="7" dur="500"/>
-                                        <p:tgtEl>
-                                          <p:spTgt spid="11">
-                                            <p:txEl>
-                                              <p:pRg st="0" end="0"/>
-                                            </p:txEl>
-                                          </p:spTgt>
-                                        </p:tgtEl>
-                                      </p:cBhvr>
-                                    </p:animEffect>
-                                  </p:childTnLst>
-                                </p:cTn>
-                              </p:par>
-                              <p:par>
-                                <p:cTn id="8" presetID="1" presetClass="entr" presetSubtype="0" fill="hold" grpId="0" nodeType="withEffect">
-                                  <p:stCondLst>
-                                    <p:cond delay="0"/>
-                                  </p:stCondLst>
-                                  <p:childTnLst>
-                                    <p:set>
-                                      <p:cBhvr>
-                                        <p:cTn id="9" dur="1" fill="hold">
-                                          <p:stCondLst>
-                                            <p:cond delay="0"/>
-                                          </p:stCondLst>
-                                        </p:cTn>
-                                        <p:tgtEl>
-                                          <p:spTgt spid="9"/>
-                                        </p:tgtEl>
-                                        <p:attrNameLst>
-                                          <p:attrName>style.visibility</p:attrName>
-                                        </p:attrNameLst>
-                                      </p:cBhvr>
-                                      <p:to>
-                                        <p:strVal val="visible"/>
-                                      </p:to>
-                                    </p:set>
-                                  </p:childTnLst>
-                                </p:cTn>
-                              </p:par>
-                            </p:childTnLst>
-                          </p:cTn>
-                        </p:par>
-                      </p:childTnLst>
-                    </p:cTn>
-                  </p:par>
-                  <p:par>
-                    <p:cTn id="10" fill="hold">
-                      <p:stCondLst>
-                        <p:cond delay="indefinite"/>
-                      </p:stCondLst>
-                      <p:childTnLst>
-                        <p:par>
-                          <p:cTn id="11" fill="hold">
-                            <p:stCondLst>
-                              <p:cond delay="0"/>
-                            </p:stCondLst>
-                            <p:childTnLst>
-                              <p:par>
-                                <p:cTn id="12" presetID="10" presetClass="entr" presetSubtype="0" fill="hold" nodeType="clickEffect">
-                                  <p:stCondLst>
-                                    <p:cond delay="0"/>
-                                  </p:stCondLst>
-                                  <p:childTnLst>
-                                    <p:set>
-                                      <p:cBhvr>
-                                        <p:cTn id="13" dur="1" fill="hold">
-                                          <p:stCondLst>
-                                            <p:cond delay="0"/>
-                                          </p:stCondLst>
-                                        </p:cTn>
-                                        <p:tgtEl>
-                                          <p:spTgt spid="10"/>
-                                        </p:tgtEl>
-                                        <p:attrNameLst>
-                                          <p:attrName>style.visibility</p:attrName>
-                                        </p:attrNameLst>
-                                      </p:cBhvr>
-                                      <p:to>
-                                        <p:strVal val="visible"/>
-                                      </p:to>
-                                    </p:set>
-                                    <p:animEffect transition="in" filter="fade">
-                                      <p:cBhvr>
-                                        <p:cTn id="14" dur="500"/>
-                                        <p:tgtEl>
-                                          <p:spTgt spid="10"/>
-                                        </p:tgtEl>
-                                      </p:cBhvr>
-                                    </p:animEffect>
-                                  </p:childTnLst>
-                                </p:cTn>
-                              </p:par>
-                            </p:childTnLst>
-                          </p:cTn>
-                        </p:par>
-                      </p:childTnLst>
-                    </p:cTn>
-                  </p:par>
-                </p:childTnLst>
-              </p:cTn>
-              <p:prevCondLst>
-                <p:cond evt="onPrev" delay="0">
-                  <p:tgtEl>
-                    <p:sldTgt/>
-                  </p:tgtEl>
-                </p:cond>
-              </p:prevCondLst>
-              <p:nextCondLst>
-                <p:cond evt="onNext" delay="0">
-                  <p:tgtEl>
-                    <p:sldTgt/>
-                  </p:tgtEl>
-                </p:cond>
-              </p:nextCondLst>
-            </p:seq>
-          </p:childTnLst>
-        </p:cTn>
-      </p:par>
-    </p:tnLst>
-    <p:bldLst>
-      <p:bldP spid="11" grpId="0" uiExpand="1" build="p"/>
-      <p:bldP spid="9" grpId="0" animBg="1"/>
-    </p:bldLst>
-  </p:timing>
-</p:sld>
-</file>
-
-<file path=ppt/slides/slide8.xml><?xml version="1.0" encoding="utf-8"?>
-<p:sld xmlns:a="http://schemas.openxmlformats.org/drawingml/2006/main" xmlns:r="http://schemas.openxmlformats.org/officeDocument/2006/relationships" xmlns:p="http://schemas.openxmlformats.org/presentationml/2006/main">
-  <p:cSld>
-    <p:spTree>
-      <p:nvGrpSpPr>
-        <p:cNvPr id="1" name=""/>
-        <p:cNvGrpSpPr/>
-        <p:nvPr/>
-      </p:nvGrpSpPr>
-      <p:grpSpPr>
-        <a:xfrm>
-          <a:off x="0" y="0"/>
-          <a:ext cx="0" cy="0"/>
-          <a:chOff x="0" y="0"/>
-          <a:chExt cx="0" cy="0"/>
-        </a:xfrm>
-      </p:grpSpPr>
-      <p:sp>
-        <p:nvSpPr>
-          <p:cNvPr id="2" name="Title 1">
-            <a:extLst>
-              <a:ext uri="{FF2B5EF4-FFF2-40B4-BE49-F238E27FC236}">
-                <a16:creationId xmlns:a16="http://schemas.microsoft.com/office/drawing/2014/main" id="{767903C7-CFBB-401F-A773-F48543A62057}"/>
-              </a:ext>
-            </a:extLst>
-          </p:cNvPr>
-          <p:cNvSpPr>
-            <a:spLocks noGrp="1"/>
-          </p:cNvSpPr>
-          <p:nvPr>
-            <p:ph type="title"/>
-          </p:nvPr>
-        </p:nvSpPr>
-        <p:spPr/>
-        <p:txBody>
-          <a:bodyPr/>
-          <a:lstStyle/>
-          <a:p>
-            <a:r>
-              <a:rPr lang="en-US" dirty="0"/>
-              <a:t>Columns and rows</a:t>
-            </a:r>
-          </a:p>
-        </p:txBody>
-      </p:sp>
-      <p:pic>
-        <p:nvPicPr>
-          <p:cNvPr id="4" name="Picture 3">
-            <a:extLst>
-              <a:ext uri="{FF2B5EF4-FFF2-40B4-BE49-F238E27FC236}">
-                <a16:creationId xmlns:a16="http://schemas.microsoft.com/office/drawing/2014/main" id="{56017306-E0A6-42BC-9C64-13B9511DCA67}"/>
-              </a:ext>
-            </a:extLst>
-          </p:cNvPr>
-          <p:cNvPicPr>
-            <a:picLocks noChangeAspect="1"/>
-          </p:cNvPicPr>
-          <p:nvPr/>
-        </p:nvPicPr>
-        <p:blipFill>
-          <a:blip r:embed="rId2"/>
-          <a:stretch>
-            <a:fillRect/>
-          </a:stretch>
-        </p:blipFill>
-        <p:spPr>
-          <a:xfrm>
-            <a:off x="2836184" y="1920802"/>
-            <a:ext cx="8612677" cy="4618261"/>
-          </a:xfrm>
-          <a:prstGeom prst="rect">
-            <a:avLst/>
-          </a:prstGeom>
-        </p:spPr>
-      </p:pic>
-      <p:sp>
-        <p:nvSpPr>
-          <p:cNvPr id="11" name="Content Placeholder 2">
-            <a:extLst>
-              <a:ext uri="{FF2B5EF4-FFF2-40B4-BE49-F238E27FC236}">
-                <a16:creationId xmlns:a16="http://schemas.microsoft.com/office/drawing/2014/main" id="{28942560-B092-4487-BF6A-20897975FDF5}"/>
-              </a:ext>
-            </a:extLst>
-          </p:cNvPr>
-          <p:cNvSpPr>
-            <a:spLocks noGrp="1"/>
-          </p:cNvSpPr>
-          <p:nvPr>
-            <p:ph idx="1"/>
-          </p:nvPr>
-        </p:nvSpPr>
-        <p:spPr>
-          <a:xfrm>
-            <a:off x="581191" y="1920802"/>
-            <a:ext cx="2137071" cy="4618261"/>
-          </a:xfrm>
-        </p:spPr>
-        <p:txBody>
-          <a:bodyPr>
-            <a:normAutofit fontScale="92500" lnSpcReduction="20000"/>
-          </a:bodyPr>
-          <a:lstStyle/>
-          <a:p>
-            <a:endParaRPr lang="en-US" dirty="0"/>
-          </a:p>
-          <a:p>
-            <a:r>
-              <a:rPr lang="en-US" dirty="0"/>
-              <a:t>Columns are vertical and lettered</a:t>
-            </a:r>
-          </a:p>
-          <a:p>
-            <a:r>
-              <a:rPr lang="en-US" dirty="0"/>
-              <a:t>Rows are horizontal and numbered</a:t>
-            </a:r>
-          </a:p>
-          <a:p>
-            <a:r>
-              <a:rPr lang="en-US" dirty="0"/>
-              <a:t>PowerPoint conforms with color theory</a:t>
-            </a:r>
-          </a:p>
-          <a:p>
-            <a:r>
-              <a:rPr lang="en-US" dirty="0"/>
-              <a:t>Where a Column and Row cross is a Cell</a:t>
-            </a:r>
-          </a:p>
-          <a:p>
-            <a:r>
-              <a:rPr lang="en-US" dirty="0"/>
-              <a:t>The coordinates of a cell are given as Column then Row Ex: J13</a:t>
-            </a:r>
-          </a:p>
-        </p:txBody>
-      </p:sp>
-      <p:sp>
-        <p:nvSpPr>
-          <p:cNvPr id="3" name="Rectangle 2">
-            <a:extLst>
-              <a:ext uri="{FF2B5EF4-FFF2-40B4-BE49-F238E27FC236}">
-                <a16:creationId xmlns:a16="http://schemas.microsoft.com/office/drawing/2014/main" id="{9CC303CE-5AC3-4603-9D2E-CBB56C90377F}"/>
-              </a:ext>
-            </a:extLst>
-          </p:cNvPr>
-          <p:cNvSpPr/>
-          <p:nvPr/>
-        </p:nvSpPr>
-        <p:spPr>
-          <a:xfrm>
-            <a:off x="2984500" y="3057524"/>
-            <a:ext cx="8346440" cy="110491"/>
+            <a:off x="0" y="0"/>
+            <a:ext cx="12192000" cy="6858000"/>
           </a:xfrm>
           <a:prstGeom prst="rect">
             <a:avLst/>
           </a:prstGeom>
           <a:solidFill>
-            <a:srgbClr val="FFFF99">
-              <a:alpha val="50196"/>
-            </a:srgbClr>
+            <a:schemeClr val="tx1"/>
           </a:solidFill>
           <a:ln>
             <a:noFill/>
@@ -9043,43 +12129,198 @@
       </p:sp>
       <p:sp>
         <p:nvSpPr>
-          <p:cNvPr id="13" name="Rectangle 12">
+          <p:cNvPr id="139" name="Rectangle 138">
             <a:extLst>
               <a:ext uri="{FF2B5EF4-FFF2-40B4-BE49-F238E27FC236}">
-                <a16:creationId xmlns:a16="http://schemas.microsoft.com/office/drawing/2014/main" id="{51661E1A-1807-4B00-859F-593A46B88E8F}"/>
+                <a16:creationId xmlns:a16="http://schemas.microsoft.com/office/drawing/2014/main" id="{D3772EE4-ED5E-4D3A-A306-B22CF866786D}"/>
+              </a:ext>
+              <a:ext uri="{C183D7F6-B498-43B3-948B-1728B52AA6E4}">
+                <adec:decorative xmlns:adec="http://schemas.microsoft.com/office/drawing/2017/decorative" val="1"/>
               </a:ext>
             </a:extLst>
           </p:cNvPr>
-          <p:cNvSpPr/>
-          <p:nvPr/>
+          <p:cNvSpPr>
+            <a:spLocks noGrp="1" noRot="1" noChangeAspect="1" noMove="1" noResize="1" noEditPoints="1" noAdjustHandles="1" noChangeArrowheads="1" noChangeShapeType="1" noTextEdit="1"/>
+          </p:cNvSpPr>
+          <p:nvPr>
+            <p:extLst>
+              <p:ext uri="{386F3935-93C4-4BCD-93E2-E3B085C9AB24}">
+                <p16:designElem xmlns:p16="http://schemas.microsoft.com/office/powerpoint/2015/main" val="1"/>
+              </p:ext>
+            </p:extLst>
+          </p:nvPr>
         </p:nvSpPr>
         <p:spPr>
           <a:xfrm>
-            <a:off x="6217920" y="3168014"/>
-            <a:ext cx="358140" cy="3103237"/>
+            <a:off x="446534" y="601200"/>
+            <a:ext cx="3703320" cy="5789365"/>
           </a:xfrm>
           <a:prstGeom prst="rect">
             <a:avLst/>
           </a:prstGeom>
           <a:solidFill>
-            <a:srgbClr val="FFFF00">
-              <a:alpha val="50196"/>
-            </a:srgbClr>
+            <a:srgbClr val="465359"/>
           </a:solidFill>
           <a:ln>
             <a:noFill/>
           </a:ln>
+          <a:effectLst/>
         </p:spPr>
         <p:style>
-          <a:lnRef idx="2">
-            <a:schemeClr val="accent1">
-              <a:shade val="50000"/>
-            </a:schemeClr>
+          <a:lnRef idx="1">
+            <a:schemeClr val="accent1"/>
           </a:lnRef>
-          <a:fillRef idx="1">
+          <a:fillRef idx="3">
             <a:schemeClr val="accent1"/>
           </a:fillRef>
-          <a:effectRef idx="0">
+          <a:effectRef idx="2">
+            <a:schemeClr val="accent1"/>
+          </a:effectRef>
+          <a:fontRef idx="minor">
+            <a:schemeClr val="lt1"/>
+          </a:fontRef>
+        </p:style>
+      </p:sp>
+      <p:sp>
+        <p:nvSpPr>
+          <p:cNvPr id="2" name="Title 1">
+            <a:extLst>
+              <a:ext uri="{FF2B5EF4-FFF2-40B4-BE49-F238E27FC236}">
+                <a16:creationId xmlns:a16="http://schemas.microsoft.com/office/drawing/2014/main" id="{492E7821-7673-4556-8124-DBC7EEED01B5}"/>
+              </a:ext>
+            </a:extLst>
+          </p:cNvPr>
+          <p:cNvSpPr>
+            <a:spLocks noGrp="1"/>
+          </p:cNvSpPr>
+          <p:nvPr>
+            <p:ph type="title"/>
+          </p:nvPr>
+        </p:nvSpPr>
+        <p:spPr>
+          <a:xfrm>
+            <a:off x="672280" y="944752"/>
+            <a:ext cx="3259016" cy="1462692"/>
+          </a:xfrm>
+        </p:spPr>
+        <p:txBody>
+          <a:bodyPr vert="horz" lIns="91440" tIns="45720" rIns="91440" bIns="45720" rtlCol="0">
+            <a:normAutofit/>
+          </a:bodyPr>
+          <a:lstStyle/>
+          <a:p>
+            <a:r>
+              <a:rPr lang="en-US">
+                <a:solidFill>
+                  <a:srgbClr val="FFFFFF"/>
+                </a:solidFill>
+              </a:rPr>
+              <a:t>The interface</a:t>
+            </a:r>
+          </a:p>
+        </p:txBody>
+      </p:sp>
+      <p:sp>
+        <p:nvSpPr>
+          <p:cNvPr id="141" name="Rectangle 140">
+            <a:extLst>
+              <a:ext uri="{FF2B5EF4-FFF2-40B4-BE49-F238E27FC236}">
+                <a16:creationId xmlns:a16="http://schemas.microsoft.com/office/drawing/2014/main" id="{10058680-D07C-4893-B2B7-91543F18AB32}"/>
+              </a:ext>
+              <a:ext uri="{C183D7F6-B498-43B3-948B-1728B52AA6E4}">
+                <adec:decorative xmlns:adec="http://schemas.microsoft.com/office/drawing/2017/decorative" val="1"/>
+              </a:ext>
+            </a:extLst>
+          </p:cNvPr>
+          <p:cNvSpPr>
+            <a:spLocks noGrp="1" noRot="1" noChangeAspect="1" noMove="1" noResize="1" noEditPoints="1" noAdjustHandles="1" noChangeArrowheads="1" noChangeShapeType="1" noTextEdit="1"/>
+          </p:cNvSpPr>
+          <p:nvPr>
+            <p:extLst>
+              <p:ext uri="{386F3935-93C4-4BCD-93E2-E3B085C9AB24}">
+                <p16:designElem xmlns:p16="http://schemas.microsoft.com/office/powerpoint/2015/main" val="1"/>
+              </p:ext>
+            </p:extLst>
+          </p:nvPr>
+        </p:nvSpPr>
+        <p:spPr>
+          <a:xfrm>
+            <a:off x="446534" y="457200"/>
+            <a:ext cx="3703320" cy="94997"/>
+          </a:xfrm>
+          <a:prstGeom prst="rect">
+            <a:avLst/>
+          </a:prstGeom>
+          <a:solidFill>
+            <a:srgbClr val="465359"/>
+          </a:solidFill>
+          <a:ln>
+            <a:noFill/>
+          </a:ln>
+          <a:effectLst/>
+        </p:spPr>
+        <p:style>
+          <a:lnRef idx="1">
+            <a:schemeClr val="accent1"/>
+          </a:lnRef>
+          <a:fillRef idx="3">
+            <a:schemeClr val="accent1"/>
+          </a:fillRef>
+          <a:effectRef idx="2">
+            <a:schemeClr val="accent1"/>
+          </a:effectRef>
+          <a:fontRef idx="minor">
+            <a:schemeClr val="lt1"/>
+          </a:fontRef>
+        </p:style>
+      </p:sp>
+      <p:sp>
+        <p:nvSpPr>
+          <p:cNvPr id="143" name="Rectangle 142">
+            <a:extLst>
+              <a:ext uri="{FF2B5EF4-FFF2-40B4-BE49-F238E27FC236}">
+                <a16:creationId xmlns:a16="http://schemas.microsoft.com/office/drawing/2014/main" id="{7B42427A-0A1F-4A55-8705-D9179F1E0CFB}"/>
+              </a:ext>
+              <a:ext uri="{C183D7F6-B498-43B3-948B-1728B52AA6E4}">
+                <adec:decorative xmlns:adec="http://schemas.microsoft.com/office/drawing/2017/decorative" val="1"/>
+              </a:ext>
+            </a:extLst>
+          </p:cNvPr>
+          <p:cNvSpPr>
+            <a:spLocks noGrp="1" noRot="1" noChangeAspect="1" noMove="1" noResize="1" noEditPoints="1" noAdjustHandles="1" noChangeArrowheads="1" noChangeShapeType="1" noTextEdit="1"/>
+          </p:cNvSpPr>
+          <p:nvPr>
+            <p:extLst>
+              <p:ext uri="{386F3935-93C4-4BCD-93E2-E3B085C9AB24}">
+                <p16:designElem xmlns:p16="http://schemas.microsoft.com/office/powerpoint/2015/main" val="1"/>
+              </p:ext>
+            </p:extLst>
+          </p:nvPr>
+        </p:nvSpPr>
+        <p:spPr>
+          <a:xfrm>
+            <a:off x="4241830" y="457200"/>
+            <a:ext cx="3703320" cy="91440"/>
+          </a:xfrm>
+          <a:prstGeom prst="rect">
+            <a:avLst/>
+          </a:prstGeom>
+          <a:solidFill>
+            <a:schemeClr val="accent1"/>
+          </a:solidFill>
+          <a:ln>
+            <a:noFill/>
+          </a:ln>
+          <a:effectLst/>
+        </p:spPr>
+        <p:style>
+          <a:lnRef idx="1">
+            <a:schemeClr val="accent1"/>
+          </a:lnRef>
+          <a:fillRef idx="3">
+            <a:schemeClr val="accent1"/>
+          </a:fillRef>
+          <a:effectRef idx="2">
             <a:schemeClr val="accent1"/>
           </a:effectRef>
           <a:fontRef idx="minor">
@@ -9087,694 +12328,162 @@
           </a:fontRef>
         </p:style>
         <p:txBody>
-          <a:bodyPr rtlCol="0" anchor="ctr"/>
+          <a:bodyPr/>
           <a:lstStyle/>
           <a:p>
-            <a:pPr algn="ctr"/>
-            <a:endParaRPr lang="en-US"/>
+            <a:endParaRPr lang="en-US" dirty="0"/>
           </a:p>
         </p:txBody>
       </p:sp>
       <p:sp>
         <p:nvSpPr>
-          <p:cNvPr id="14" name="Rectangle 13">
+          <p:cNvPr id="145" name="Rectangle 144">
             <a:extLst>
               <a:ext uri="{FF2B5EF4-FFF2-40B4-BE49-F238E27FC236}">
-                <a16:creationId xmlns:a16="http://schemas.microsoft.com/office/drawing/2014/main" id="{11BCC830-DE28-4ED9-8C03-7E1D217AEAD7}"/>
+                <a16:creationId xmlns:a16="http://schemas.microsoft.com/office/drawing/2014/main" id="{EE54A6FE-D8CB-48A3-900B-053D4EBD3B85}"/>
+              </a:ext>
+              <a:ext uri="{C183D7F6-B498-43B3-948B-1728B52AA6E4}">
+                <adec:decorative xmlns:adec="http://schemas.microsoft.com/office/drawing/2017/decorative" val="1"/>
               </a:ext>
             </a:extLst>
           </p:cNvPr>
-          <p:cNvSpPr/>
-          <p:nvPr/>
+          <p:cNvSpPr>
+            <a:spLocks noGrp="1" noRot="1" noChangeAspect="1" noMove="1" noResize="1" noEditPoints="1" noAdjustHandles="1" noChangeArrowheads="1" noChangeShapeType="1" noTextEdit="1"/>
+          </p:cNvSpPr>
+          <p:nvPr>
+            <p:extLst>
+              <p:ext uri="{386F3935-93C4-4BCD-93E2-E3B085C9AB24}">
+                <p16:designElem xmlns:p16="http://schemas.microsoft.com/office/powerpoint/2015/main" val="1"/>
+              </p:ext>
+            </p:extLst>
+          </p:nvPr>
         </p:nvSpPr>
         <p:spPr>
           <a:xfrm>
-            <a:off x="2836183" y="3168014"/>
-            <a:ext cx="148317" cy="3122296"/>
+            <a:off x="8042147" y="453643"/>
+            <a:ext cx="3703320" cy="98554"/>
           </a:xfrm>
           <a:prstGeom prst="rect">
             <a:avLst/>
           </a:prstGeom>
           <a:solidFill>
-            <a:srgbClr val="00B0F0">
-              <a:alpha val="50196"/>
-            </a:srgbClr>
+            <a:srgbClr val="969FA7"/>
           </a:solidFill>
           <a:ln>
             <a:noFill/>
           </a:ln>
+          <a:effectLst/>
         </p:spPr>
         <p:style>
-          <a:lnRef idx="2">
-            <a:schemeClr val="accent1">
-              <a:shade val="50000"/>
-            </a:schemeClr>
+          <a:lnRef idx="1">
+            <a:schemeClr val="accent1"/>
           </a:lnRef>
-          <a:fillRef idx="1">
+          <a:fillRef idx="3">
             <a:schemeClr val="accent1"/>
           </a:fillRef>
-          <a:effectRef idx="0">
+          <a:effectRef idx="2">
             <a:schemeClr val="accent1"/>
           </a:effectRef>
           <a:fontRef idx="minor">
             <a:schemeClr val="lt1"/>
           </a:fontRef>
         </p:style>
-        <p:txBody>
-          <a:bodyPr rtlCol="0" anchor="ctr"/>
-          <a:lstStyle/>
-          <a:p>
-            <a:pPr algn="ctr"/>
-            <a:endParaRPr lang="en-US"/>
-          </a:p>
-        </p:txBody>
       </p:sp>
       <p:sp>
         <p:nvSpPr>
-          <p:cNvPr id="15" name="Rectangle 14">
+          <p:cNvPr id="1030" name="Content Placeholder 1029">
             <a:extLst>
               <a:ext uri="{FF2B5EF4-FFF2-40B4-BE49-F238E27FC236}">
-                <a16:creationId xmlns:a16="http://schemas.microsoft.com/office/drawing/2014/main" id="{C05715A1-37FD-4D0C-B404-6E22A6365229}"/>
+                <a16:creationId xmlns:a16="http://schemas.microsoft.com/office/drawing/2014/main" id="{A33BE6BA-C0EF-47D8-BF99-89788CCF7B1C}"/>
               </a:ext>
             </a:extLst>
           </p:cNvPr>
-          <p:cNvSpPr/>
-          <p:nvPr/>
+          <p:cNvSpPr>
+            <a:spLocks noGrp="1"/>
+          </p:cNvSpPr>
+          <p:nvPr>
+            <p:ph idx="1"/>
+          </p:nvPr>
         </p:nvSpPr>
         <p:spPr>
           <a:xfrm>
-            <a:off x="2984500" y="4460393"/>
-            <a:ext cx="8346440" cy="110491"/>
+            <a:off x="671513" y="2536031"/>
+            <a:ext cx="3123783" cy="3671936"/>
+          </a:xfrm>
+        </p:spPr>
+        <p:txBody>
+          <a:bodyPr anchor="t">
+            <a:normAutofit/>
+          </a:bodyPr>
+          <a:lstStyle/>
+          <a:p>
+            <a:endParaRPr lang="en-US">
+              <a:solidFill>
+                <a:srgbClr val="FFFFFF"/>
+              </a:solidFill>
+            </a:endParaRPr>
+          </a:p>
+        </p:txBody>
+      </p:sp>
+      <p:pic>
+        <p:nvPicPr>
+          <p:cNvPr id="1026" name="Picture 2">
+            <a:extLst>
+              <a:ext uri="{FF2B5EF4-FFF2-40B4-BE49-F238E27FC236}">
+                <a16:creationId xmlns:a16="http://schemas.microsoft.com/office/drawing/2014/main" id="{10F3EF14-6372-458A-8F7F-BF4DE5797D3D}"/>
+              </a:ext>
+            </a:extLst>
+          </p:cNvPr>
+          <p:cNvPicPr>
+            <a:picLocks noChangeAspect="1" noChangeArrowheads="1"/>
+          </p:cNvPicPr>
+          <p:nvPr/>
+        </p:nvPicPr>
+        <p:blipFill rotWithShape="1">
+          <a:blip r:embed="rId2">
+            <a:extLst>
+              <a:ext uri="{28A0092B-C50C-407E-A947-70E740481C1C}">
+                <a14:useLocalDpi xmlns:a14="http://schemas.microsoft.com/office/drawing/2010/main" val="0"/>
+              </a:ext>
+            </a:extLst>
+          </a:blip>
+          <a:srcRect l="17782" r="16764" b="-1"/>
+          <a:stretch/>
+        </p:blipFill>
+        <p:spPr bwMode="auto">
+          <a:xfrm>
+            <a:off x="4241830" y="601200"/>
+            <a:ext cx="7503636" cy="5789365"/>
           </a:xfrm>
           <a:prstGeom prst="rect">
             <a:avLst/>
           </a:prstGeom>
-          <a:solidFill>
-            <a:srgbClr val="00B0F0">
-              <a:alpha val="50196"/>
-            </a:srgbClr>
-          </a:solidFill>
-          <a:ln>
-            <a:noFill/>
-          </a:ln>
+          <a:noFill/>
+          <a:extLst>
+            <a:ext uri="{909E8E84-426E-40DD-AFC4-6F175D3DCCD1}">
+              <a14:hiddenFill xmlns:a14="http://schemas.microsoft.com/office/drawing/2010/main">
+                <a:solidFill>
+                  <a:srgbClr val="FFFFFF"/>
+                </a:solidFill>
+              </a14:hiddenFill>
+            </a:ext>
+          </a:extLst>
         </p:spPr>
-        <p:style>
-          <a:lnRef idx="2">
-            <a:schemeClr val="accent1">
-              <a:shade val="50000"/>
-            </a:schemeClr>
-          </a:lnRef>
-          <a:fillRef idx="1">
-            <a:schemeClr val="accent1"/>
-          </a:fillRef>
-          <a:effectRef idx="0">
-            <a:schemeClr val="accent1"/>
-          </a:effectRef>
-          <a:fontRef idx="minor">
-            <a:schemeClr val="lt1"/>
-          </a:fontRef>
-        </p:style>
-        <p:txBody>
-          <a:bodyPr rtlCol="0" anchor="ctr"/>
-          <a:lstStyle/>
-          <a:p>
-            <a:pPr algn="ctr"/>
-            <a:endParaRPr lang="en-US"/>
-          </a:p>
-        </p:txBody>
-      </p:sp>
-      <p:sp>
-        <p:nvSpPr>
-          <p:cNvPr id="16" name="Rectangle: Rounded Corners 15">
-            <a:extLst>
-              <a:ext uri="{FF2B5EF4-FFF2-40B4-BE49-F238E27FC236}">
-                <a16:creationId xmlns:a16="http://schemas.microsoft.com/office/drawing/2014/main" id="{929643B7-3C3E-4974-9840-4500E4B8FAA4}"/>
-              </a:ext>
-            </a:extLst>
-          </p:cNvPr>
-          <p:cNvSpPr/>
-          <p:nvPr/>
-        </p:nvSpPr>
-        <p:spPr>
-          <a:xfrm>
-            <a:off x="6217919" y="4460393"/>
-            <a:ext cx="358141" cy="110491"/>
-          </a:xfrm>
-          <a:prstGeom prst="roundRect">
-            <a:avLst/>
-          </a:prstGeom>
-          <a:noFill/>
-          <a:ln w="19050"/>
-        </p:spPr>
-        <p:style>
-          <a:lnRef idx="2">
-            <a:schemeClr val="accent1">
-              <a:shade val="50000"/>
-            </a:schemeClr>
-          </a:lnRef>
-          <a:fillRef idx="1">
-            <a:schemeClr val="accent1"/>
-          </a:fillRef>
-          <a:effectRef idx="0">
-            <a:schemeClr val="accent1"/>
-          </a:effectRef>
-          <a:fontRef idx="minor">
-            <a:schemeClr val="lt1"/>
-          </a:fontRef>
-        </p:style>
-        <p:txBody>
-          <a:bodyPr rtlCol="0" anchor="ctr"/>
-          <a:lstStyle/>
-          <a:p>
-            <a:pPr algn="ctr"/>
-            <a:endParaRPr lang="en-US"/>
-          </a:p>
-        </p:txBody>
-      </p:sp>
+      </p:pic>
     </p:spTree>
     <p:extLst>
       <p:ext uri="{BB962C8B-B14F-4D97-AF65-F5344CB8AC3E}">
-        <p14:creationId xmlns:p14="http://schemas.microsoft.com/office/powerpoint/2010/main" val="1383250274"/>
+        <p14:creationId xmlns:p14="http://schemas.microsoft.com/office/powerpoint/2010/main" val="2384934369"/>
       </p:ext>
     </p:extLst>
   </p:cSld>
   <p:clrMapOvr>
-    <a:masterClrMapping/>
+    <a:overrideClrMapping bg1="dk1" tx1="lt1" bg2="dk2" tx2="lt2" accent1="accent1" accent2="accent2" accent3="accent3" accent4="accent4" accent5="accent5" accent6="accent6" hlink="hlink" folHlink="folHlink"/>
   </p:clrMapOvr>
-  <p:timing>
-    <p:tnLst>
-      <p:par>
-        <p:cTn id="1" dur="indefinite" restart="never" nodeType="tmRoot">
-          <p:childTnLst>
-            <p:seq concurrent="1" nextAc="seek">
-              <p:cTn id="2" dur="indefinite" nodeType="mainSeq">
-                <p:childTnLst>
-                  <p:par>
-                    <p:cTn id="3" fill="hold">
-                      <p:stCondLst>
-                        <p:cond delay="indefinite"/>
-                      </p:stCondLst>
-                      <p:childTnLst>
-                        <p:par>
-                          <p:cTn id="4" fill="hold">
-                            <p:stCondLst>
-                              <p:cond delay="0"/>
-                            </p:stCondLst>
-                            <p:childTnLst>
-                              <p:par>
-                                <p:cTn id="5" presetID="10" presetClass="entr" presetSubtype="0" fill="hold" grpId="0" nodeType="clickEffect">
-                                  <p:stCondLst>
-                                    <p:cond delay="0"/>
-                                  </p:stCondLst>
-                                  <p:childTnLst>
-                                    <p:set>
-                                      <p:cBhvr>
-                                        <p:cTn id="6" dur="1" fill="hold">
-                                          <p:stCondLst>
-                                            <p:cond delay="0"/>
-                                          </p:stCondLst>
-                                        </p:cTn>
-                                        <p:tgtEl>
-                                          <p:spTgt spid="11">
-                                            <p:txEl>
-                                              <p:pRg st="1" end="1"/>
-                                            </p:txEl>
-                                          </p:spTgt>
-                                        </p:tgtEl>
-                                        <p:attrNameLst>
-                                          <p:attrName>style.visibility</p:attrName>
-                                        </p:attrNameLst>
-                                      </p:cBhvr>
-                                      <p:to>
-                                        <p:strVal val="visible"/>
-                                      </p:to>
-                                    </p:set>
-                                    <p:animEffect transition="in" filter="fade">
-                                      <p:cBhvr>
-                                        <p:cTn id="7" dur="500"/>
-                                        <p:tgtEl>
-                                          <p:spTgt spid="11">
-                                            <p:txEl>
-                                              <p:pRg st="1" end="1"/>
-                                            </p:txEl>
-                                          </p:spTgt>
-                                        </p:tgtEl>
-                                      </p:cBhvr>
-                                    </p:animEffect>
-                                  </p:childTnLst>
-                                </p:cTn>
-                              </p:par>
-                              <p:par>
-                                <p:cTn id="8" presetID="10" presetClass="entr" presetSubtype="0" fill="hold" grpId="0" nodeType="withEffect">
-                                  <p:stCondLst>
-                                    <p:cond delay="0"/>
-                                  </p:stCondLst>
-                                  <p:childTnLst>
-                                    <p:set>
-                                      <p:cBhvr>
-                                        <p:cTn id="9" dur="1" fill="hold">
-                                          <p:stCondLst>
-                                            <p:cond delay="0"/>
-                                          </p:stCondLst>
-                                        </p:cTn>
-                                        <p:tgtEl>
-                                          <p:spTgt spid="3"/>
-                                        </p:tgtEl>
-                                        <p:attrNameLst>
-                                          <p:attrName>style.visibility</p:attrName>
-                                        </p:attrNameLst>
-                                      </p:cBhvr>
-                                      <p:to>
-                                        <p:strVal val="visible"/>
-                                      </p:to>
-                                    </p:set>
-                                    <p:animEffect transition="in" filter="fade">
-                                      <p:cBhvr>
-                                        <p:cTn id="10" dur="500"/>
-                                        <p:tgtEl>
-                                          <p:spTgt spid="3"/>
-                                        </p:tgtEl>
-                                      </p:cBhvr>
-                                    </p:animEffect>
-                                  </p:childTnLst>
-                                </p:cTn>
-                              </p:par>
-                              <p:par>
-                                <p:cTn id="11" presetID="10" presetClass="entr" presetSubtype="0" fill="hold" grpId="0" nodeType="withEffect">
-                                  <p:stCondLst>
-                                    <p:cond delay="0"/>
-                                  </p:stCondLst>
-                                  <p:childTnLst>
-                                    <p:set>
-                                      <p:cBhvr>
-                                        <p:cTn id="12" dur="1" fill="hold">
-                                          <p:stCondLst>
-                                            <p:cond delay="0"/>
-                                          </p:stCondLst>
-                                        </p:cTn>
-                                        <p:tgtEl>
-                                          <p:spTgt spid="13"/>
-                                        </p:tgtEl>
-                                        <p:attrNameLst>
-                                          <p:attrName>style.visibility</p:attrName>
-                                        </p:attrNameLst>
-                                      </p:cBhvr>
-                                      <p:to>
-                                        <p:strVal val="visible"/>
-                                      </p:to>
-                                    </p:set>
-                                    <p:animEffect transition="in" filter="fade">
-                                      <p:cBhvr>
-                                        <p:cTn id="13" dur="500"/>
-                                        <p:tgtEl>
-                                          <p:spTgt spid="13"/>
-                                        </p:tgtEl>
-                                      </p:cBhvr>
-                                    </p:animEffect>
-                                  </p:childTnLst>
-                                </p:cTn>
-                              </p:par>
-                            </p:childTnLst>
-                          </p:cTn>
-                        </p:par>
-                      </p:childTnLst>
-                    </p:cTn>
-                  </p:par>
-                  <p:par>
-                    <p:cTn id="14" fill="hold">
-                      <p:stCondLst>
-                        <p:cond delay="indefinite"/>
-                      </p:stCondLst>
-                      <p:childTnLst>
-                        <p:par>
-                          <p:cTn id="15" fill="hold">
-                            <p:stCondLst>
-                              <p:cond delay="0"/>
-                            </p:stCondLst>
-                            <p:childTnLst>
-                              <p:par>
-                                <p:cTn id="16" presetID="10" presetClass="entr" presetSubtype="0" fill="hold" grpId="0" nodeType="clickEffect">
-                                  <p:stCondLst>
-                                    <p:cond delay="0"/>
-                                  </p:stCondLst>
-                                  <p:childTnLst>
-                                    <p:set>
-                                      <p:cBhvr>
-                                        <p:cTn id="17" dur="1" fill="hold">
-                                          <p:stCondLst>
-                                            <p:cond delay="0"/>
-                                          </p:stCondLst>
-                                        </p:cTn>
-                                        <p:tgtEl>
-                                          <p:spTgt spid="11">
-                                            <p:txEl>
-                                              <p:pRg st="2" end="2"/>
-                                            </p:txEl>
-                                          </p:spTgt>
-                                        </p:tgtEl>
-                                        <p:attrNameLst>
-                                          <p:attrName>style.visibility</p:attrName>
-                                        </p:attrNameLst>
-                                      </p:cBhvr>
-                                      <p:to>
-                                        <p:strVal val="visible"/>
-                                      </p:to>
-                                    </p:set>
-                                    <p:animEffect transition="in" filter="fade">
-                                      <p:cBhvr>
-                                        <p:cTn id="18" dur="500"/>
-                                        <p:tgtEl>
-                                          <p:spTgt spid="11">
-                                            <p:txEl>
-                                              <p:pRg st="2" end="2"/>
-                                            </p:txEl>
-                                          </p:spTgt>
-                                        </p:tgtEl>
-                                      </p:cBhvr>
-                                    </p:animEffect>
-                                  </p:childTnLst>
-                                </p:cTn>
-                              </p:par>
-                              <p:par>
-                                <p:cTn id="19" presetID="10" presetClass="entr" presetSubtype="0" fill="hold" grpId="0" nodeType="withEffect">
-                                  <p:stCondLst>
-                                    <p:cond delay="0"/>
-                                  </p:stCondLst>
-                                  <p:childTnLst>
-                                    <p:set>
-                                      <p:cBhvr>
-                                        <p:cTn id="20" dur="1" fill="hold">
-                                          <p:stCondLst>
-                                            <p:cond delay="0"/>
-                                          </p:stCondLst>
-                                        </p:cTn>
-                                        <p:tgtEl>
-                                          <p:spTgt spid="14"/>
-                                        </p:tgtEl>
-                                        <p:attrNameLst>
-                                          <p:attrName>style.visibility</p:attrName>
-                                        </p:attrNameLst>
-                                      </p:cBhvr>
-                                      <p:to>
-                                        <p:strVal val="visible"/>
-                                      </p:to>
-                                    </p:set>
-                                    <p:animEffect transition="in" filter="fade">
-                                      <p:cBhvr>
-                                        <p:cTn id="21" dur="500"/>
-                                        <p:tgtEl>
-                                          <p:spTgt spid="14"/>
-                                        </p:tgtEl>
-                                      </p:cBhvr>
-                                    </p:animEffect>
-                                  </p:childTnLst>
-                                </p:cTn>
-                              </p:par>
-                              <p:par>
-                                <p:cTn id="22" presetID="10" presetClass="entr" presetSubtype="0" fill="hold" grpId="0" nodeType="withEffect">
-                                  <p:stCondLst>
-                                    <p:cond delay="0"/>
-                                  </p:stCondLst>
-                                  <p:childTnLst>
-                                    <p:set>
-                                      <p:cBhvr>
-                                        <p:cTn id="23" dur="1" fill="hold">
-                                          <p:stCondLst>
-                                            <p:cond delay="0"/>
-                                          </p:stCondLst>
-                                        </p:cTn>
-                                        <p:tgtEl>
-                                          <p:spTgt spid="15"/>
-                                        </p:tgtEl>
-                                        <p:attrNameLst>
-                                          <p:attrName>style.visibility</p:attrName>
-                                        </p:attrNameLst>
-                                      </p:cBhvr>
-                                      <p:to>
-                                        <p:strVal val="visible"/>
-                                      </p:to>
-                                    </p:set>
-                                    <p:animEffect transition="in" filter="fade">
-                                      <p:cBhvr>
-                                        <p:cTn id="24" dur="500"/>
-                                        <p:tgtEl>
-                                          <p:spTgt spid="15"/>
-                                        </p:tgtEl>
-                                      </p:cBhvr>
-                                    </p:animEffect>
-                                  </p:childTnLst>
-                                </p:cTn>
-                              </p:par>
-                            </p:childTnLst>
-                          </p:cTn>
-                        </p:par>
-                      </p:childTnLst>
-                    </p:cTn>
-                  </p:par>
-                  <p:par>
-                    <p:cTn id="25" fill="hold">
-                      <p:stCondLst>
-                        <p:cond delay="indefinite"/>
-                      </p:stCondLst>
-                      <p:childTnLst>
-                        <p:par>
-                          <p:cTn id="26" fill="hold">
-                            <p:stCondLst>
-                              <p:cond delay="0"/>
-                            </p:stCondLst>
-                            <p:childTnLst>
-                              <p:par>
-                                <p:cTn id="27" presetID="10" presetClass="entr" presetSubtype="0" fill="hold" grpId="0" nodeType="clickEffect">
-                                  <p:stCondLst>
-                                    <p:cond delay="0"/>
-                                  </p:stCondLst>
-                                  <p:childTnLst>
-                                    <p:set>
-                                      <p:cBhvr>
-                                        <p:cTn id="28" dur="1" fill="hold">
-                                          <p:stCondLst>
-                                            <p:cond delay="0"/>
-                                          </p:stCondLst>
-                                        </p:cTn>
-                                        <p:tgtEl>
-                                          <p:spTgt spid="11">
-                                            <p:txEl>
-                                              <p:pRg st="3" end="3"/>
-                                            </p:txEl>
-                                          </p:spTgt>
-                                        </p:tgtEl>
-                                        <p:attrNameLst>
-                                          <p:attrName>style.visibility</p:attrName>
-                                        </p:attrNameLst>
-                                      </p:cBhvr>
-                                      <p:to>
-                                        <p:strVal val="visible"/>
-                                      </p:to>
-                                    </p:set>
-                                    <p:animEffect transition="in" filter="fade">
-                                      <p:cBhvr>
-                                        <p:cTn id="29" dur="500"/>
-                                        <p:tgtEl>
-                                          <p:spTgt spid="11">
-                                            <p:txEl>
-                                              <p:pRg st="3" end="3"/>
-                                            </p:txEl>
-                                          </p:spTgt>
-                                        </p:tgtEl>
-                                      </p:cBhvr>
-                                    </p:animEffect>
-                                  </p:childTnLst>
-                                </p:cTn>
-                              </p:par>
-                            </p:childTnLst>
-                          </p:cTn>
-                        </p:par>
-                      </p:childTnLst>
-                    </p:cTn>
-                  </p:par>
-                  <p:par>
-                    <p:cTn id="30" fill="hold">
-                      <p:stCondLst>
-                        <p:cond delay="indefinite"/>
-                      </p:stCondLst>
-                      <p:childTnLst>
-                        <p:par>
-                          <p:cTn id="31" fill="hold">
-                            <p:stCondLst>
-                              <p:cond delay="0"/>
-                            </p:stCondLst>
-                            <p:childTnLst>
-                              <p:par>
-                                <p:cTn id="32" presetID="10" presetClass="entr" presetSubtype="0" fill="hold" grpId="0" nodeType="clickEffect">
-                                  <p:stCondLst>
-                                    <p:cond delay="0"/>
-                                  </p:stCondLst>
-                                  <p:childTnLst>
-                                    <p:set>
-                                      <p:cBhvr>
-                                        <p:cTn id="33" dur="1" fill="hold">
-                                          <p:stCondLst>
-                                            <p:cond delay="0"/>
-                                          </p:stCondLst>
-                                        </p:cTn>
-                                        <p:tgtEl>
-                                          <p:spTgt spid="11">
-                                            <p:txEl>
-                                              <p:pRg st="4" end="4"/>
-                                            </p:txEl>
-                                          </p:spTgt>
-                                        </p:tgtEl>
-                                        <p:attrNameLst>
-                                          <p:attrName>style.visibility</p:attrName>
-                                        </p:attrNameLst>
-                                      </p:cBhvr>
-                                      <p:to>
-                                        <p:strVal val="visible"/>
-                                      </p:to>
-                                    </p:set>
-                                    <p:animEffect transition="in" filter="fade">
-                                      <p:cBhvr>
-                                        <p:cTn id="34" dur="500"/>
-                                        <p:tgtEl>
-                                          <p:spTgt spid="11">
-                                            <p:txEl>
-                                              <p:pRg st="4" end="4"/>
-                                            </p:txEl>
-                                          </p:spTgt>
-                                        </p:tgtEl>
-                                      </p:cBhvr>
-                                    </p:animEffect>
-                                  </p:childTnLst>
-                                </p:cTn>
-                              </p:par>
-                              <p:par>
-                                <p:cTn id="35" presetID="1" presetClass="entr" presetSubtype="0" fill="hold" grpId="0" nodeType="withEffect">
-                                  <p:stCondLst>
-                                    <p:cond delay="0"/>
-                                  </p:stCondLst>
-                                  <p:childTnLst>
-                                    <p:set>
-                                      <p:cBhvr>
-                                        <p:cTn id="36" dur="1" fill="hold">
-                                          <p:stCondLst>
-                                            <p:cond delay="0"/>
-                                          </p:stCondLst>
-                                        </p:cTn>
-                                        <p:tgtEl>
-                                          <p:spTgt spid="16"/>
-                                        </p:tgtEl>
-                                        <p:attrNameLst>
-                                          <p:attrName>style.visibility</p:attrName>
-                                        </p:attrNameLst>
-                                      </p:cBhvr>
-                                      <p:to>
-                                        <p:strVal val="visible"/>
-                                      </p:to>
-                                    </p:set>
-                                  </p:childTnLst>
-                                </p:cTn>
-                              </p:par>
-                            </p:childTnLst>
-                          </p:cTn>
-                        </p:par>
-                      </p:childTnLst>
-                    </p:cTn>
-                  </p:par>
-                  <p:par>
-                    <p:cTn id="37" fill="hold">
-                      <p:stCondLst>
-                        <p:cond delay="indefinite"/>
-                      </p:stCondLst>
-                      <p:childTnLst>
-                        <p:par>
-                          <p:cTn id="38" fill="hold">
-                            <p:stCondLst>
-                              <p:cond delay="0"/>
-                            </p:stCondLst>
-                            <p:childTnLst>
-                              <p:par>
-                                <p:cTn id="39" presetID="10" presetClass="entr" presetSubtype="0" fill="hold" grpId="0" nodeType="clickEffect">
-                                  <p:stCondLst>
-                                    <p:cond delay="0"/>
-                                  </p:stCondLst>
-                                  <p:childTnLst>
-                                    <p:set>
-                                      <p:cBhvr>
-                                        <p:cTn id="40" dur="1" fill="hold">
-                                          <p:stCondLst>
-                                            <p:cond delay="0"/>
-                                          </p:stCondLst>
-                                        </p:cTn>
-                                        <p:tgtEl>
-                                          <p:spTgt spid="11">
-                                            <p:txEl>
-                                              <p:pRg st="5" end="5"/>
-                                            </p:txEl>
-                                          </p:spTgt>
-                                        </p:tgtEl>
-                                        <p:attrNameLst>
-                                          <p:attrName>style.visibility</p:attrName>
-                                        </p:attrNameLst>
-                                      </p:cBhvr>
-                                      <p:to>
-                                        <p:strVal val="visible"/>
-                                      </p:to>
-                                    </p:set>
-                                    <p:animEffect transition="in" filter="fade">
-                                      <p:cBhvr>
-                                        <p:cTn id="41" dur="500"/>
-                                        <p:tgtEl>
-                                          <p:spTgt spid="11">
-                                            <p:txEl>
-                                              <p:pRg st="5" end="5"/>
-                                            </p:txEl>
-                                          </p:spTgt>
-                                        </p:tgtEl>
-                                      </p:cBhvr>
-                                    </p:animEffect>
-                                  </p:childTnLst>
-                                </p:cTn>
-                              </p:par>
-                            </p:childTnLst>
-                          </p:cTn>
-                        </p:par>
-                      </p:childTnLst>
-                    </p:cTn>
-                  </p:par>
-                </p:childTnLst>
-              </p:cTn>
-              <p:prevCondLst>
-                <p:cond evt="onPrev" delay="0">
-                  <p:tgtEl>
-                    <p:sldTgt/>
-                  </p:tgtEl>
-                </p:cond>
-              </p:prevCondLst>
-              <p:nextCondLst>
-                <p:cond evt="onNext" delay="0">
-                  <p:tgtEl>
-                    <p:sldTgt/>
-                  </p:tgtEl>
-                </p:cond>
-              </p:nextCondLst>
-            </p:seq>
-          </p:childTnLst>
-        </p:cTn>
-      </p:par>
-    </p:tnLst>
-    <p:bldLst>
-      <p:bldP spid="11" grpId="0" uiExpand="1" build="p"/>
-      <p:bldP spid="3" grpId="0" animBg="1"/>
-      <p:bldP spid="13" grpId="0" animBg="1"/>
-      <p:bldP spid="14" grpId="0" animBg="1"/>
-      <p:bldP spid="15" grpId="0" animBg="1"/>
-      <p:bldP spid="16" grpId="0" animBg="1"/>
-    </p:bldLst>
-  </p:timing>
 </p:sld>
 </file>
 
-<file path=ppt/slides/slide9.xml><?xml version="1.0" encoding="utf-8"?>
+<file path=ppt/slides/slide7.xml><?xml version="1.0" encoding="utf-8"?>
 <p:sld xmlns:a="http://schemas.openxmlformats.org/drawingml/2006/main" xmlns:r="http://schemas.openxmlformats.org/officeDocument/2006/relationships" xmlns:p="http://schemas.openxmlformats.org/presentationml/2006/main">
   <p:cSld>
     <p:spTree>
@@ -9869,7 +12578,7 @@
         <p:spPr>
           <a:xfrm>
             <a:off x="309878" y="3728720"/>
-            <a:ext cx="4180842" cy="255834"/>
+            <a:ext cx="4243834" cy="255834"/>
           </a:xfrm>
           <a:prstGeom prst="wedgeRoundRectCallout">
             <a:avLst>
@@ -9929,7 +12638,7 @@
         <p:spPr>
           <a:xfrm>
             <a:off x="309879" y="4007875"/>
-            <a:ext cx="11465083" cy="597530"/>
+            <a:ext cx="11572240" cy="597530"/>
           </a:xfrm>
           <a:prstGeom prst="wedgeRoundRectCallout">
             <a:avLst>
@@ -12258,6 +14967,977 @@
 </p:sld>
 </file>
 
+<file path=ppt/slides/slide8.xml><?xml version="1.0" encoding="utf-8"?>
+<p:sld xmlns:a="http://schemas.openxmlformats.org/drawingml/2006/main" xmlns:r="http://schemas.openxmlformats.org/officeDocument/2006/relationships" xmlns:p="http://schemas.openxmlformats.org/presentationml/2006/main">
+  <p:cSld>
+    <p:spTree>
+      <p:nvGrpSpPr>
+        <p:cNvPr id="1" name=""/>
+        <p:cNvGrpSpPr/>
+        <p:nvPr/>
+      </p:nvGrpSpPr>
+      <p:grpSpPr>
+        <a:xfrm>
+          <a:off x="0" y="0"/>
+          <a:ext cx="0" cy="0"/>
+          <a:chOff x="0" y="0"/>
+          <a:chExt cx="0" cy="0"/>
+        </a:xfrm>
+      </p:grpSpPr>
+      <p:sp>
+        <p:nvSpPr>
+          <p:cNvPr id="2" name="Title 1">
+            <a:extLst>
+              <a:ext uri="{FF2B5EF4-FFF2-40B4-BE49-F238E27FC236}">
+                <a16:creationId xmlns:a16="http://schemas.microsoft.com/office/drawing/2014/main" id="{767903C7-CFBB-401F-A773-F48543A62057}"/>
+              </a:ext>
+            </a:extLst>
+          </p:cNvPr>
+          <p:cNvSpPr>
+            <a:spLocks noGrp="1"/>
+          </p:cNvSpPr>
+          <p:nvPr>
+            <p:ph type="title"/>
+          </p:nvPr>
+        </p:nvSpPr>
+        <p:spPr/>
+        <p:txBody>
+          <a:bodyPr/>
+          <a:lstStyle/>
+          <a:p>
+            <a:r>
+              <a:rPr lang="en-US" dirty="0"/>
+              <a:t>The spreadsheet</a:t>
+            </a:r>
+          </a:p>
+        </p:txBody>
+      </p:sp>
+      <p:pic>
+        <p:nvPicPr>
+          <p:cNvPr id="4" name="Picture 3">
+            <a:extLst>
+              <a:ext uri="{FF2B5EF4-FFF2-40B4-BE49-F238E27FC236}">
+                <a16:creationId xmlns:a16="http://schemas.microsoft.com/office/drawing/2014/main" id="{56017306-E0A6-42BC-9C64-13B9511DCA67}"/>
+              </a:ext>
+            </a:extLst>
+          </p:cNvPr>
+          <p:cNvPicPr>
+            <a:picLocks noChangeAspect="1"/>
+          </p:cNvPicPr>
+          <p:nvPr/>
+        </p:nvPicPr>
+        <p:blipFill>
+          <a:blip r:embed="rId2"/>
+          <a:stretch>
+            <a:fillRect/>
+          </a:stretch>
+        </p:blipFill>
+        <p:spPr>
+          <a:xfrm>
+            <a:off x="2836184" y="1920802"/>
+            <a:ext cx="8612677" cy="4618261"/>
+          </a:xfrm>
+          <a:prstGeom prst="rect">
+            <a:avLst/>
+          </a:prstGeom>
+        </p:spPr>
+      </p:pic>
+      <p:sp>
+        <p:nvSpPr>
+          <p:cNvPr id="11" name="Content Placeholder 2">
+            <a:extLst>
+              <a:ext uri="{FF2B5EF4-FFF2-40B4-BE49-F238E27FC236}">
+                <a16:creationId xmlns:a16="http://schemas.microsoft.com/office/drawing/2014/main" id="{28942560-B092-4487-BF6A-20897975FDF5}"/>
+              </a:ext>
+            </a:extLst>
+          </p:cNvPr>
+          <p:cNvSpPr>
+            <a:spLocks noGrp="1"/>
+          </p:cNvSpPr>
+          <p:nvPr>
+            <p:ph idx="1"/>
+          </p:nvPr>
+        </p:nvSpPr>
+        <p:spPr>
+          <a:xfrm>
+            <a:off x="581191" y="2188612"/>
+            <a:ext cx="1971509" cy="4082642"/>
+          </a:xfrm>
+        </p:spPr>
+        <p:txBody>
+          <a:bodyPr/>
+          <a:lstStyle/>
+          <a:p>
+            <a:endParaRPr lang="en-US" dirty="0"/>
+          </a:p>
+          <a:p>
+            <a:r>
+              <a:rPr lang="en-US" dirty="0"/>
+              <a:t>Spreadsheet</a:t>
+            </a:r>
+          </a:p>
+          <a:p>
+            <a:r>
+              <a:rPr lang="en-US" dirty="0"/>
+              <a:t>Spreadsheet tab (double click to rename spreadsheet)</a:t>
+            </a:r>
+          </a:p>
+          <a:p>
+            <a:r>
+              <a:rPr lang="en-US" dirty="0"/>
+              <a:t>Click on the (+) button to add a spreadsheet  to your workbook</a:t>
+            </a:r>
+          </a:p>
+        </p:txBody>
+      </p:sp>
+      <p:sp>
+        <p:nvSpPr>
+          <p:cNvPr id="8" name="Rectangle: Rounded Corners 7">
+            <a:extLst>
+              <a:ext uri="{FF2B5EF4-FFF2-40B4-BE49-F238E27FC236}">
+                <a16:creationId xmlns:a16="http://schemas.microsoft.com/office/drawing/2014/main" id="{69974F8A-EAB8-4BA2-8A85-77923431C97E}"/>
+              </a:ext>
+            </a:extLst>
+          </p:cNvPr>
+          <p:cNvSpPr/>
+          <p:nvPr/>
+        </p:nvSpPr>
+        <p:spPr>
+          <a:xfrm>
+            <a:off x="2836183" y="2867487"/>
+            <a:ext cx="8612677" cy="3671576"/>
+          </a:xfrm>
+          <a:prstGeom prst="roundRect">
+            <a:avLst/>
+          </a:prstGeom>
+          <a:noFill/>
+          <a:ln w="19050"/>
+        </p:spPr>
+        <p:style>
+          <a:lnRef idx="2">
+            <a:schemeClr val="accent1">
+              <a:shade val="50000"/>
+            </a:schemeClr>
+          </a:lnRef>
+          <a:fillRef idx="1">
+            <a:schemeClr val="accent1"/>
+          </a:fillRef>
+          <a:effectRef idx="0">
+            <a:schemeClr val="accent1"/>
+          </a:effectRef>
+          <a:fontRef idx="minor">
+            <a:schemeClr val="lt1"/>
+          </a:fontRef>
+        </p:style>
+        <p:txBody>
+          <a:bodyPr rtlCol="0" anchor="ctr"/>
+          <a:lstStyle/>
+          <a:p>
+            <a:pPr algn="ctr"/>
+            <a:endParaRPr lang="en-US"/>
+          </a:p>
+        </p:txBody>
+      </p:sp>
+      <p:sp>
+        <p:nvSpPr>
+          <p:cNvPr id="9" name="Rectangle: Rounded Corners 8">
+            <a:extLst>
+              <a:ext uri="{FF2B5EF4-FFF2-40B4-BE49-F238E27FC236}">
+                <a16:creationId xmlns:a16="http://schemas.microsoft.com/office/drawing/2014/main" id="{95BDEF31-5B33-4D06-8066-A5648FC8B509}"/>
+              </a:ext>
+            </a:extLst>
+          </p:cNvPr>
+          <p:cNvSpPr/>
+          <p:nvPr/>
+        </p:nvSpPr>
+        <p:spPr>
+          <a:xfrm>
+            <a:off x="3281681" y="6271254"/>
+            <a:ext cx="370840" cy="147010"/>
+          </a:xfrm>
+          <a:prstGeom prst="roundRect">
+            <a:avLst/>
+          </a:prstGeom>
+          <a:noFill/>
+          <a:ln w="19050"/>
+        </p:spPr>
+        <p:style>
+          <a:lnRef idx="2">
+            <a:schemeClr val="accent1">
+              <a:shade val="50000"/>
+            </a:schemeClr>
+          </a:lnRef>
+          <a:fillRef idx="1">
+            <a:schemeClr val="accent1"/>
+          </a:fillRef>
+          <a:effectRef idx="0">
+            <a:schemeClr val="accent1"/>
+          </a:effectRef>
+          <a:fontRef idx="minor">
+            <a:schemeClr val="lt1"/>
+          </a:fontRef>
+        </p:style>
+        <p:txBody>
+          <a:bodyPr rtlCol="0" anchor="ctr"/>
+          <a:lstStyle/>
+          <a:p>
+            <a:pPr algn="ctr"/>
+            <a:endParaRPr lang="en-US"/>
+          </a:p>
+        </p:txBody>
+      </p:sp>
+      <p:sp>
+        <p:nvSpPr>
+          <p:cNvPr id="7" name="Rectangle: Rounded Corners 6">
+            <a:extLst>
+              <a:ext uri="{FF2B5EF4-FFF2-40B4-BE49-F238E27FC236}">
+                <a16:creationId xmlns:a16="http://schemas.microsoft.com/office/drawing/2014/main" id="{A2EC4B4C-87A0-4694-88BE-A0B4B02F0F23}"/>
+              </a:ext>
+            </a:extLst>
+          </p:cNvPr>
+          <p:cNvSpPr/>
+          <p:nvPr/>
+        </p:nvSpPr>
+        <p:spPr>
+          <a:xfrm>
+            <a:off x="3728851" y="6271254"/>
+            <a:ext cx="208150" cy="147010"/>
+          </a:xfrm>
+          <a:prstGeom prst="roundRect">
+            <a:avLst/>
+          </a:prstGeom>
+          <a:noFill/>
+          <a:ln w="19050"/>
+        </p:spPr>
+        <p:style>
+          <a:lnRef idx="2">
+            <a:schemeClr val="accent1">
+              <a:shade val="50000"/>
+            </a:schemeClr>
+          </a:lnRef>
+          <a:fillRef idx="1">
+            <a:schemeClr val="accent1"/>
+          </a:fillRef>
+          <a:effectRef idx="0">
+            <a:schemeClr val="accent1"/>
+          </a:effectRef>
+          <a:fontRef idx="minor">
+            <a:schemeClr val="lt1"/>
+          </a:fontRef>
+        </p:style>
+        <p:txBody>
+          <a:bodyPr rtlCol="0" anchor="ctr"/>
+          <a:lstStyle/>
+          <a:p>
+            <a:pPr algn="ctr"/>
+            <a:endParaRPr lang="en-US"/>
+          </a:p>
+        </p:txBody>
+      </p:sp>
+    </p:spTree>
+    <p:extLst>
+      <p:ext uri="{BB962C8B-B14F-4D97-AF65-F5344CB8AC3E}">
+        <p14:creationId xmlns:p14="http://schemas.microsoft.com/office/powerpoint/2010/main" val="1118779051"/>
+      </p:ext>
+    </p:extLst>
+  </p:cSld>
+  <p:clrMapOvr>
+    <a:masterClrMapping/>
+  </p:clrMapOvr>
+  <p:timing>
+    <p:tnLst>
+      <p:par>
+        <p:cTn id="1" dur="indefinite" restart="never" nodeType="tmRoot">
+          <p:childTnLst>
+            <p:seq concurrent="1" nextAc="seek">
+              <p:cTn id="2" dur="indefinite" nodeType="mainSeq">
+                <p:childTnLst>
+                  <p:par>
+                    <p:cTn id="3" fill="hold">
+                      <p:stCondLst>
+                        <p:cond delay="indefinite"/>
+                      </p:stCondLst>
+                      <p:childTnLst>
+                        <p:par>
+                          <p:cTn id="4" fill="hold">
+                            <p:stCondLst>
+                              <p:cond delay="0"/>
+                            </p:stCondLst>
+                            <p:childTnLst>
+                              <p:par>
+                                <p:cTn id="5" presetID="10" presetClass="entr" presetSubtype="0" fill="hold" grpId="0" nodeType="clickEffect">
+                                  <p:stCondLst>
+                                    <p:cond delay="0"/>
+                                  </p:stCondLst>
+                                  <p:childTnLst>
+                                    <p:set>
+                                      <p:cBhvr>
+                                        <p:cTn id="6" dur="1" fill="hold">
+                                          <p:stCondLst>
+                                            <p:cond delay="0"/>
+                                          </p:stCondLst>
+                                        </p:cTn>
+                                        <p:tgtEl>
+                                          <p:spTgt spid="11">
+                                            <p:txEl>
+                                              <p:pRg st="1" end="1"/>
+                                            </p:txEl>
+                                          </p:spTgt>
+                                        </p:tgtEl>
+                                        <p:attrNameLst>
+                                          <p:attrName>style.visibility</p:attrName>
+                                        </p:attrNameLst>
+                                      </p:cBhvr>
+                                      <p:to>
+                                        <p:strVal val="visible"/>
+                                      </p:to>
+                                    </p:set>
+                                    <p:animEffect transition="in" filter="fade">
+                                      <p:cBhvr>
+                                        <p:cTn id="7" dur="500"/>
+                                        <p:tgtEl>
+                                          <p:spTgt spid="11">
+                                            <p:txEl>
+                                              <p:pRg st="1" end="1"/>
+                                            </p:txEl>
+                                          </p:spTgt>
+                                        </p:tgtEl>
+                                      </p:cBhvr>
+                                    </p:animEffect>
+                                  </p:childTnLst>
+                                </p:cTn>
+                              </p:par>
+                              <p:par>
+                                <p:cTn id="8" presetID="10" presetClass="entr" presetSubtype="0" fill="hold" grpId="0" nodeType="withEffect">
+                                  <p:stCondLst>
+                                    <p:cond delay="0"/>
+                                  </p:stCondLst>
+                                  <p:childTnLst>
+                                    <p:set>
+                                      <p:cBhvr>
+                                        <p:cTn id="9" dur="1" fill="hold">
+                                          <p:stCondLst>
+                                            <p:cond delay="0"/>
+                                          </p:stCondLst>
+                                        </p:cTn>
+                                        <p:tgtEl>
+                                          <p:spTgt spid="8"/>
+                                        </p:tgtEl>
+                                        <p:attrNameLst>
+                                          <p:attrName>style.visibility</p:attrName>
+                                        </p:attrNameLst>
+                                      </p:cBhvr>
+                                      <p:to>
+                                        <p:strVal val="visible"/>
+                                      </p:to>
+                                    </p:set>
+                                    <p:animEffect transition="in" filter="fade">
+                                      <p:cBhvr>
+                                        <p:cTn id="10" dur="500"/>
+                                        <p:tgtEl>
+                                          <p:spTgt spid="8"/>
+                                        </p:tgtEl>
+                                      </p:cBhvr>
+                                    </p:animEffect>
+                                  </p:childTnLst>
+                                </p:cTn>
+                              </p:par>
+                            </p:childTnLst>
+                          </p:cTn>
+                        </p:par>
+                      </p:childTnLst>
+                    </p:cTn>
+                  </p:par>
+                  <p:par>
+                    <p:cTn id="11" fill="hold">
+                      <p:stCondLst>
+                        <p:cond delay="indefinite"/>
+                      </p:stCondLst>
+                      <p:childTnLst>
+                        <p:par>
+                          <p:cTn id="12" fill="hold">
+                            <p:stCondLst>
+                              <p:cond delay="0"/>
+                            </p:stCondLst>
+                            <p:childTnLst>
+                              <p:par>
+                                <p:cTn id="13" presetID="1" presetClass="entr" presetSubtype="0" fill="hold" grpId="0" nodeType="clickEffect">
+                                  <p:stCondLst>
+                                    <p:cond delay="0"/>
+                                  </p:stCondLst>
+                                  <p:childTnLst>
+                                    <p:set>
+                                      <p:cBhvr>
+                                        <p:cTn id="14" dur="1" fill="hold">
+                                          <p:stCondLst>
+                                            <p:cond delay="0"/>
+                                          </p:stCondLst>
+                                        </p:cTn>
+                                        <p:tgtEl>
+                                          <p:spTgt spid="9"/>
+                                        </p:tgtEl>
+                                        <p:attrNameLst>
+                                          <p:attrName>style.visibility</p:attrName>
+                                        </p:attrNameLst>
+                                      </p:cBhvr>
+                                      <p:to>
+                                        <p:strVal val="visible"/>
+                                      </p:to>
+                                    </p:set>
+                                  </p:childTnLst>
+                                </p:cTn>
+                              </p:par>
+                            </p:childTnLst>
+                          </p:cTn>
+                        </p:par>
+                        <p:par>
+                          <p:cTn id="15" fill="hold">
+                            <p:stCondLst>
+                              <p:cond delay="0"/>
+                            </p:stCondLst>
+                            <p:childTnLst>
+                              <p:par>
+                                <p:cTn id="16" presetID="10" presetClass="entr" presetSubtype="0" fill="hold" grpId="0" nodeType="afterEffect">
+                                  <p:stCondLst>
+                                    <p:cond delay="0"/>
+                                  </p:stCondLst>
+                                  <p:childTnLst>
+                                    <p:set>
+                                      <p:cBhvr>
+                                        <p:cTn id="17" dur="1" fill="hold">
+                                          <p:stCondLst>
+                                            <p:cond delay="0"/>
+                                          </p:stCondLst>
+                                        </p:cTn>
+                                        <p:tgtEl>
+                                          <p:spTgt spid="11">
+                                            <p:txEl>
+                                              <p:pRg st="2" end="2"/>
+                                            </p:txEl>
+                                          </p:spTgt>
+                                        </p:tgtEl>
+                                        <p:attrNameLst>
+                                          <p:attrName>style.visibility</p:attrName>
+                                        </p:attrNameLst>
+                                      </p:cBhvr>
+                                      <p:to>
+                                        <p:strVal val="visible"/>
+                                      </p:to>
+                                    </p:set>
+                                    <p:animEffect transition="in" filter="fade">
+                                      <p:cBhvr>
+                                        <p:cTn id="18" dur="500"/>
+                                        <p:tgtEl>
+                                          <p:spTgt spid="11">
+                                            <p:txEl>
+                                              <p:pRg st="2" end="2"/>
+                                            </p:txEl>
+                                          </p:spTgt>
+                                        </p:tgtEl>
+                                      </p:cBhvr>
+                                    </p:animEffect>
+                                  </p:childTnLst>
+                                </p:cTn>
+                              </p:par>
+                            </p:childTnLst>
+                          </p:cTn>
+                        </p:par>
+                      </p:childTnLst>
+                    </p:cTn>
+                  </p:par>
+                  <p:par>
+                    <p:cTn id="19" fill="hold">
+                      <p:stCondLst>
+                        <p:cond delay="indefinite"/>
+                      </p:stCondLst>
+                      <p:childTnLst>
+                        <p:par>
+                          <p:cTn id="20" fill="hold">
+                            <p:stCondLst>
+                              <p:cond delay="0"/>
+                            </p:stCondLst>
+                            <p:childTnLst>
+                              <p:par>
+                                <p:cTn id="21" presetID="10" presetClass="entr" presetSubtype="0" fill="hold" grpId="0" nodeType="clickEffect">
+                                  <p:stCondLst>
+                                    <p:cond delay="0"/>
+                                  </p:stCondLst>
+                                  <p:childTnLst>
+                                    <p:set>
+                                      <p:cBhvr>
+                                        <p:cTn id="22" dur="1" fill="hold">
+                                          <p:stCondLst>
+                                            <p:cond delay="0"/>
+                                          </p:stCondLst>
+                                        </p:cTn>
+                                        <p:tgtEl>
+                                          <p:spTgt spid="11">
+                                            <p:txEl>
+                                              <p:pRg st="3" end="3"/>
+                                            </p:txEl>
+                                          </p:spTgt>
+                                        </p:tgtEl>
+                                        <p:attrNameLst>
+                                          <p:attrName>style.visibility</p:attrName>
+                                        </p:attrNameLst>
+                                      </p:cBhvr>
+                                      <p:to>
+                                        <p:strVal val="visible"/>
+                                      </p:to>
+                                    </p:set>
+                                    <p:animEffect transition="in" filter="fade">
+                                      <p:cBhvr>
+                                        <p:cTn id="23" dur="500"/>
+                                        <p:tgtEl>
+                                          <p:spTgt spid="11">
+                                            <p:txEl>
+                                              <p:pRg st="3" end="3"/>
+                                            </p:txEl>
+                                          </p:spTgt>
+                                        </p:tgtEl>
+                                      </p:cBhvr>
+                                    </p:animEffect>
+                                  </p:childTnLst>
+                                </p:cTn>
+                              </p:par>
+                              <p:par>
+                                <p:cTn id="24" presetID="1" presetClass="entr" presetSubtype="0" fill="hold" grpId="0" nodeType="withEffect">
+                                  <p:stCondLst>
+                                    <p:cond delay="0"/>
+                                  </p:stCondLst>
+                                  <p:childTnLst>
+                                    <p:set>
+                                      <p:cBhvr>
+                                        <p:cTn id="25" dur="1" fill="hold">
+                                          <p:stCondLst>
+                                            <p:cond delay="0"/>
+                                          </p:stCondLst>
+                                        </p:cTn>
+                                        <p:tgtEl>
+                                          <p:spTgt spid="7"/>
+                                        </p:tgtEl>
+                                        <p:attrNameLst>
+                                          <p:attrName>style.visibility</p:attrName>
+                                        </p:attrNameLst>
+                                      </p:cBhvr>
+                                      <p:to>
+                                        <p:strVal val="visible"/>
+                                      </p:to>
+                                    </p:set>
+                                  </p:childTnLst>
+                                </p:cTn>
+                              </p:par>
+                            </p:childTnLst>
+                          </p:cTn>
+                        </p:par>
+                      </p:childTnLst>
+                    </p:cTn>
+                  </p:par>
+                </p:childTnLst>
+              </p:cTn>
+              <p:prevCondLst>
+                <p:cond evt="onPrev" delay="0">
+                  <p:tgtEl>
+                    <p:sldTgt/>
+                  </p:tgtEl>
+                </p:cond>
+              </p:prevCondLst>
+              <p:nextCondLst>
+                <p:cond evt="onNext" delay="0">
+                  <p:tgtEl>
+                    <p:sldTgt/>
+                  </p:tgtEl>
+                </p:cond>
+              </p:nextCondLst>
+            </p:seq>
+          </p:childTnLst>
+        </p:cTn>
+      </p:par>
+    </p:tnLst>
+    <p:bldLst>
+      <p:bldP spid="11" grpId="0" uiExpand="1" build="p"/>
+      <p:bldP spid="8" grpId="0" animBg="1"/>
+      <p:bldP spid="9" grpId="0" animBg="1"/>
+      <p:bldP spid="7" grpId="0" animBg="1"/>
+    </p:bldLst>
+  </p:timing>
+</p:sld>
+</file>
+
+<file path=ppt/slides/slide9.xml><?xml version="1.0" encoding="utf-8"?>
+<p:sld xmlns:a="http://schemas.openxmlformats.org/drawingml/2006/main" xmlns:r="http://schemas.openxmlformats.org/officeDocument/2006/relationships" xmlns:p="http://schemas.openxmlformats.org/presentationml/2006/main">
+  <p:cSld>
+    <p:spTree>
+      <p:nvGrpSpPr>
+        <p:cNvPr id="1" name=""/>
+        <p:cNvGrpSpPr/>
+        <p:nvPr/>
+      </p:nvGrpSpPr>
+      <p:grpSpPr>
+        <a:xfrm>
+          <a:off x="0" y="0"/>
+          <a:ext cx="0" cy="0"/>
+          <a:chOff x="0" y="0"/>
+          <a:chExt cx="0" cy="0"/>
+        </a:xfrm>
+      </p:grpSpPr>
+      <p:sp>
+        <p:nvSpPr>
+          <p:cNvPr id="2" name="Title 1">
+            <a:extLst>
+              <a:ext uri="{FF2B5EF4-FFF2-40B4-BE49-F238E27FC236}">
+                <a16:creationId xmlns:a16="http://schemas.microsoft.com/office/drawing/2014/main" id="{767903C7-CFBB-401F-A773-F48543A62057}"/>
+              </a:ext>
+            </a:extLst>
+          </p:cNvPr>
+          <p:cNvSpPr>
+            <a:spLocks noGrp="1"/>
+          </p:cNvSpPr>
+          <p:nvPr>
+            <p:ph type="title"/>
+          </p:nvPr>
+        </p:nvSpPr>
+        <p:spPr/>
+        <p:txBody>
+          <a:bodyPr/>
+          <a:lstStyle/>
+          <a:p>
+            <a:r>
+              <a:rPr lang="en-US" dirty="0"/>
+              <a:t>View adjustment</a:t>
+            </a:r>
+          </a:p>
+        </p:txBody>
+      </p:sp>
+      <p:pic>
+        <p:nvPicPr>
+          <p:cNvPr id="4" name="Picture 3">
+            <a:extLst>
+              <a:ext uri="{FF2B5EF4-FFF2-40B4-BE49-F238E27FC236}">
+                <a16:creationId xmlns:a16="http://schemas.microsoft.com/office/drawing/2014/main" id="{56017306-E0A6-42BC-9C64-13B9511DCA67}"/>
+              </a:ext>
+            </a:extLst>
+          </p:cNvPr>
+          <p:cNvPicPr>
+            <a:picLocks noChangeAspect="1"/>
+          </p:cNvPicPr>
+          <p:nvPr/>
+        </p:nvPicPr>
+        <p:blipFill>
+          <a:blip r:embed="rId2"/>
+          <a:stretch>
+            <a:fillRect/>
+          </a:stretch>
+        </p:blipFill>
+        <p:spPr>
+          <a:xfrm>
+            <a:off x="2836184" y="1920802"/>
+            <a:ext cx="8612677" cy="4618261"/>
+          </a:xfrm>
+          <a:prstGeom prst="rect">
+            <a:avLst/>
+          </a:prstGeom>
+        </p:spPr>
+      </p:pic>
+      <p:sp>
+        <p:nvSpPr>
+          <p:cNvPr id="11" name="Content Placeholder 2">
+            <a:extLst>
+              <a:ext uri="{FF2B5EF4-FFF2-40B4-BE49-F238E27FC236}">
+                <a16:creationId xmlns:a16="http://schemas.microsoft.com/office/drawing/2014/main" id="{28942560-B092-4487-BF6A-20897975FDF5}"/>
+              </a:ext>
+            </a:extLst>
+          </p:cNvPr>
+          <p:cNvSpPr>
+            <a:spLocks noGrp="1"/>
+          </p:cNvSpPr>
+          <p:nvPr>
+            <p:ph idx="1"/>
+          </p:nvPr>
+        </p:nvSpPr>
+        <p:spPr>
+          <a:xfrm>
+            <a:off x="581191" y="1920801"/>
+            <a:ext cx="2099865" cy="4618261"/>
+          </a:xfrm>
+        </p:spPr>
+        <p:txBody>
+          <a:bodyPr/>
+          <a:lstStyle/>
+          <a:p>
+            <a:r>
+              <a:rPr lang="en-US" dirty="0"/>
+              <a:t>Click here to get a preview of your spreadsheet printed on A4 paper</a:t>
+            </a:r>
+          </a:p>
+        </p:txBody>
+      </p:sp>
+      <p:sp>
+        <p:nvSpPr>
+          <p:cNvPr id="9" name="Rectangle: Rounded Corners 8">
+            <a:extLst>
+              <a:ext uri="{FF2B5EF4-FFF2-40B4-BE49-F238E27FC236}">
+                <a16:creationId xmlns:a16="http://schemas.microsoft.com/office/drawing/2014/main" id="{95BDEF31-5B33-4D06-8066-A5648FC8B509}"/>
+              </a:ext>
+            </a:extLst>
+          </p:cNvPr>
+          <p:cNvSpPr/>
+          <p:nvPr/>
+        </p:nvSpPr>
+        <p:spPr>
+          <a:xfrm>
+            <a:off x="9809824" y="6411782"/>
+            <a:ext cx="612559" cy="120508"/>
+          </a:xfrm>
+          <a:prstGeom prst="roundRect">
+            <a:avLst/>
+          </a:prstGeom>
+          <a:noFill/>
+          <a:ln w="19050"/>
+        </p:spPr>
+        <p:style>
+          <a:lnRef idx="2">
+            <a:schemeClr val="accent1">
+              <a:shade val="50000"/>
+            </a:schemeClr>
+          </a:lnRef>
+          <a:fillRef idx="1">
+            <a:schemeClr val="accent1"/>
+          </a:fillRef>
+          <a:effectRef idx="0">
+            <a:schemeClr val="accent1"/>
+          </a:effectRef>
+          <a:fontRef idx="minor">
+            <a:schemeClr val="lt1"/>
+          </a:fontRef>
+        </p:style>
+        <p:txBody>
+          <a:bodyPr rtlCol="0" anchor="ctr"/>
+          <a:lstStyle/>
+          <a:p>
+            <a:pPr algn="ctr"/>
+            <a:endParaRPr lang="en-US"/>
+          </a:p>
+        </p:txBody>
+      </p:sp>
+      <p:pic>
+        <p:nvPicPr>
+          <p:cNvPr id="10" name="Picture 9">
+            <a:extLst>
+              <a:ext uri="{FF2B5EF4-FFF2-40B4-BE49-F238E27FC236}">
+                <a16:creationId xmlns:a16="http://schemas.microsoft.com/office/drawing/2014/main" id="{5967E18B-8A33-4434-96CF-05FBA99630A8}"/>
+              </a:ext>
+            </a:extLst>
+          </p:cNvPr>
+          <p:cNvPicPr>
+            <a:picLocks noChangeAspect="1"/>
+          </p:cNvPicPr>
+          <p:nvPr/>
+        </p:nvPicPr>
+        <p:blipFill>
+          <a:blip r:embed="rId3"/>
+          <a:stretch>
+            <a:fillRect/>
+          </a:stretch>
+        </p:blipFill>
+        <p:spPr>
+          <a:xfrm>
+            <a:off x="2836184" y="1950728"/>
+            <a:ext cx="8616561" cy="4618261"/>
+          </a:xfrm>
+          <a:prstGeom prst="rect">
+            <a:avLst/>
+          </a:prstGeom>
+        </p:spPr>
+      </p:pic>
+    </p:spTree>
+    <p:extLst>
+      <p:ext uri="{BB962C8B-B14F-4D97-AF65-F5344CB8AC3E}">
+        <p14:creationId xmlns:p14="http://schemas.microsoft.com/office/powerpoint/2010/main" val="618604346"/>
+      </p:ext>
+    </p:extLst>
+  </p:cSld>
+  <p:clrMapOvr>
+    <a:masterClrMapping/>
+  </p:clrMapOvr>
+  <p:timing>
+    <p:tnLst>
+      <p:par>
+        <p:cTn id="1" dur="indefinite" restart="never" nodeType="tmRoot">
+          <p:childTnLst>
+            <p:seq concurrent="1" nextAc="seek">
+              <p:cTn id="2" dur="indefinite" nodeType="mainSeq">
+                <p:childTnLst>
+                  <p:par>
+                    <p:cTn id="3" fill="hold">
+                      <p:stCondLst>
+                        <p:cond delay="indefinite"/>
+                      </p:stCondLst>
+                      <p:childTnLst>
+                        <p:par>
+                          <p:cTn id="4" fill="hold">
+                            <p:stCondLst>
+                              <p:cond delay="0"/>
+                            </p:stCondLst>
+                            <p:childTnLst>
+                              <p:par>
+                                <p:cTn id="5" presetID="10" presetClass="entr" presetSubtype="0" fill="hold" grpId="0" nodeType="clickEffect">
+                                  <p:stCondLst>
+                                    <p:cond delay="0"/>
+                                  </p:stCondLst>
+                                  <p:childTnLst>
+                                    <p:set>
+                                      <p:cBhvr>
+                                        <p:cTn id="6" dur="1" fill="hold">
+                                          <p:stCondLst>
+                                            <p:cond delay="0"/>
+                                          </p:stCondLst>
+                                        </p:cTn>
+                                        <p:tgtEl>
+                                          <p:spTgt spid="11">
+                                            <p:txEl>
+                                              <p:pRg st="0" end="0"/>
+                                            </p:txEl>
+                                          </p:spTgt>
+                                        </p:tgtEl>
+                                        <p:attrNameLst>
+                                          <p:attrName>style.visibility</p:attrName>
+                                        </p:attrNameLst>
+                                      </p:cBhvr>
+                                      <p:to>
+                                        <p:strVal val="visible"/>
+                                      </p:to>
+                                    </p:set>
+                                    <p:animEffect transition="in" filter="fade">
+                                      <p:cBhvr>
+                                        <p:cTn id="7" dur="500"/>
+                                        <p:tgtEl>
+                                          <p:spTgt spid="11">
+                                            <p:txEl>
+                                              <p:pRg st="0" end="0"/>
+                                            </p:txEl>
+                                          </p:spTgt>
+                                        </p:tgtEl>
+                                      </p:cBhvr>
+                                    </p:animEffect>
+                                  </p:childTnLst>
+                                </p:cTn>
+                              </p:par>
+                              <p:par>
+                                <p:cTn id="8" presetID="1" presetClass="entr" presetSubtype="0" fill="hold" grpId="0" nodeType="withEffect">
+                                  <p:stCondLst>
+                                    <p:cond delay="0"/>
+                                  </p:stCondLst>
+                                  <p:childTnLst>
+                                    <p:set>
+                                      <p:cBhvr>
+                                        <p:cTn id="9" dur="1" fill="hold">
+                                          <p:stCondLst>
+                                            <p:cond delay="0"/>
+                                          </p:stCondLst>
+                                        </p:cTn>
+                                        <p:tgtEl>
+                                          <p:spTgt spid="9"/>
+                                        </p:tgtEl>
+                                        <p:attrNameLst>
+                                          <p:attrName>style.visibility</p:attrName>
+                                        </p:attrNameLst>
+                                      </p:cBhvr>
+                                      <p:to>
+                                        <p:strVal val="visible"/>
+                                      </p:to>
+                                    </p:set>
+                                  </p:childTnLst>
+                                </p:cTn>
+                              </p:par>
+                            </p:childTnLst>
+                          </p:cTn>
+                        </p:par>
+                      </p:childTnLst>
+                    </p:cTn>
+                  </p:par>
+                  <p:par>
+                    <p:cTn id="10" fill="hold">
+                      <p:stCondLst>
+                        <p:cond delay="indefinite"/>
+                      </p:stCondLst>
+                      <p:childTnLst>
+                        <p:par>
+                          <p:cTn id="11" fill="hold">
+                            <p:stCondLst>
+                              <p:cond delay="0"/>
+                            </p:stCondLst>
+                            <p:childTnLst>
+                              <p:par>
+                                <p:cTn id="12" presetID="10" presetClass="entr" presetSubtype="0" fill="hold" nodeType="clickEffect">
+                                  <p:stCondLst>
+                                    <p:cond delay="0"/>
+                                  </p:stCondLst>
+                                  <p:childTnLst>
+                                    <p:set>
+                                      <p:cBhvr>
+                                        <p:cTn id="13" dur="1" fill="hold">
+                                          <p:stCondLst>
+                                            <p:cond delay="0"/>
+                                          </p:stCondLst>
+                                        </p:cTn>
+                                        <p:tgtEl>
+                                          <p:spTgt spid="10"/>
+                                        </p:tgtEl>
+                                        <p:attrNameLst>
+                                          <p:attrName>style.visibility</p:attrName>
+                                        </p:attrNameLst>
+                                      </p:cBhvr>
+                                      <p:to>
+                                        <p:strVal val="visible"/>
+                                      </p:to>
+                                    </p:set>
+                                    <p:animEffect transition="in" filter="fade">
+                                      <p:cBhvr>
+                                        <p:cTn id="14" dur="500"/>
+                                        <p:tgtEl>
+                                          <p:spTgt spid="10"/>
+                                        </p:tgtEl>
+                                      </p:cBhvr>
+                                    </p:animEffect>
+                                  </p:childTnLst>
+                                </p:cTn>
+                              </p:par>
+                            </p:childTnLst>
+                          </p:cTn>
+                        </p:par>
+                      </p:childTnLst>
+                    </p:cTn>
+                  </p:par>
+                </p:childTnLst>
+              </p:cTn>
+              <p:prevCondLst>
+                <p:cond evt="onPrev" delay="0">
+                  <p:tgtEl>
+                    <p:sldTgt/>
+                  </p:tgtEl>
+                </p:cond>
+              </p:prevCondLst>
+              <p:nextCondLst>
+                <p:cond evt="onNext" delay="0">
+                  <p:tgtEl>
+                    <p:sldTgt/>
+                  </p:tgtEl>
+                </p:cond>
+              </p:nextCondLst>
+            </p:seq>
+          </p:childTnLst>
+        </p:cTn>
+      </p:par>
+    </p:tnLst>
+    <p:bldLst>
+      <p:bldP spid="11" grpId="0" uiExpand="1" build="p"/>
+      <p:bldP spid="9" grpId="0" animBg="1"/>
+    </p:bldLst>
+  </p:timing>
+</p:sld>
+</file>
+
 <file path=ppt/theme/theme1.xml><?xml version="1.0" encoding="utf-8"?>
 <a:theme xmlns:a="http://schemas.openxmlformats.org/drawingml/2006/main" name="DividendVTI">
   <a:themeElements>
@@ -12528,15 +16208,6 @@
 </file>
 
 <file path=customXml/item1.xml><?xml version="1.0" encoding="utf-8"?>
-<?mso-contentType ?>
-<FormTemplates xmlns="http://schemas.microsoft.com/sharepoint/v3/contenttype/forms">
-  <Display>DocumentLibraryForm</Display>
-  <Edit>DocumentLibraryForm</Edit>
-  <New>DocumentLibraryForm</New>
-</FormTemplates>
-</file>
-
-<file path=customXml/item2.xml><?xml version="1.0" encoding="utf-8"?>
 <ct:contentTypeSchema xmlns:ct="http://schemas.microsoft.com/office/2006/metadata/contentType" xmlns:ma="http://schemas.microsoft.com/office/2006/metadata/properties/metaAttributes" ct:_="" ma:_="" ma:contentTypeName="Document" ma:contentTypeID="0x01010079F111ED35F8CC479449609E8A0923A6" ma:contentTypeVersion="12" ma:contentTypeDescription="Create a new document." ma:contentTypeScope="" ma:versionID="a410dd7f93c95333ffa1b60ed6adedd1">
   <xsd:schema xmlns:xsd="http://www.w3.org/2001/XMLSchema" xmlns:xs="http://www.w3.org/2001/XMLSchema" xmlns:p="http://schemas.microsoft.com/office/2006/metadata/properties" xmlns:ns2="71af3243-3dd4-4a8d-8c0d-dd76da1f02a5" xmlns:ns3="16c05727-aa75-4e4a-9b5f-8a80a1165891" targetNamespace="http://schemas.microsoft.com/office/2006/metadata/properties" ma:root="true" ma:fieldsID="a936d9baba76aa3866493feff160faab" ns2:_="" ns3:_="">
     <xsd:import namespace="71af3243-3dd4-4a8d-8c0d-dd76da1f02a5"/>
@@ -12757,7 +16428,7 @@
 </ct:contentTypeSchema>
 </file>
 
-<file path=customXml/item3.xml><?xml version="1.0" encoding="utf-8"?>
+<file path=customXml/item2.xml><?xml version="1.0" encoding="utf-8"?>
 <p:properties xmlns:p="http://schemas.microsoft.com/office/2006/metadata/properties" xmlns:xsi="http://www.w3.org/2001/XMLSchema-instance" xmlns:pc="http://schemas.microsoft.com/office/infopath/2007/PartnerControls">
   <documentManagement>
     <Status xmlns="71af3243-3dd4-4a8d-8c0d-dd76da1f02a5">Not started</Status>
@@ -12766,15 +16437,16 @@
 </p:properties>
 </file>
 
-<file path=customXml/itemProps1.xml><?xml version="1.0" encoding="utf-8"?>
-<ds:datastoreItem xmlns:ds="http://schemas.openxmlformats.org/officeDocument/2006/customXml" ds:itemID="{BB3242A4-1E6A-4E02-809C-4A24066EC01D}">
-  <ds:schemaRefs>
-    <ds:schemaRef ds:uri="http://schemas.microsoft.com/sharepoint/v3/contenttype/forms"/>
-  </ds:schemaRefs>
-</ds:datastoreItem>
+<file path=customXml/item3.xml><?xml version="1.0" encoding="utf-8"?>
+<?mso-contentType ?>
+<FormTemplates xmlns="http://schemas.microsoft.com/sharepoint/v3/contenttype/forms">
+  <Display>DocumentLibraryForm</Display>
+  <Edit>DocumentLibraryForm</Edit>
+  <New>DocumentLibraryForm</New>
+</FormTemplates>
 </file>
 
-<file path=customXml/itemProps2.xml><?xml version="1.0" encoding="utf-8"?>
+<file path=customXml/itemProps1.xml><?xml version="1.0" encoding="utf-8"?>
 <ds:datastoreItem xmlns:ds="http://schemas.openxmlformats.org/officeDocument/2006/customXml" ds:itemID="{965255AC-12AC-4323-AA35-9BAC798B66BD}">
   <ds:schemaRefs>
     <ds:schemaRef ds:uri="http://schemas.microsoft.com/office/2006/metadata/contentType"/>
@@ -12793,7 +16465,7 @@
 </ds:datastoreItem>
 </file>
 
-<file path=customXml/itemProps3.xml><?xml version="1.0" encoding="utf-8"?>
+<file path=customXml/itemProps2.xml><?xml version="1.0" encoding="utf-8"?>
 <ds:datastoreItem xmlns:ds="http://schemas.openxmlformats.org/officeDocument/2006/customXml" ds:itemID="{FBD2D995-20F0-4C14-BF62-1248AB4B484D}">
   <ds:schemaRefs>
     <ds:schemaRef ds:uri="http://schemas.microsoft.com/office/2006/metadata/properties"/>
@@ -12801,4 +16473,12 @@
     <ds:schemaRef ds:uri="71af3243-3dd4-4a8d-8c0d-dd76da1f02a5"/>
   </ds:schemaRefs>
 </ds:datastoreItem>
+</file>
+
+<file path=customXml/itemProps3.xml><?xml version="1.0" encoding="utf-8"?>
+<ds:datastoreItem xmlns:ds="http://schemas.openxmlformats.org/officeDocument/2006/customXml" ds:itemID="{BB3242A4-1E6A-4E02-809C-4A24066EC01D}">
+  <ds:schemaRefs>
+    <ds:schemaRef ds:uri="http://schemas.microsoft.com/sharepoint/v3/contenttype/forms"/>
+  </ds:schemaRefs>
+</ds:datastoreItem>
 </file>